--- a/Ai기반 화폐 감지 및 계산.pptx
+++ b/Ai기반 화폐 감지 및 계산.pptx
@@ -4,23 +4,27 @@
   <p:sldMasterIdLst>
     <p:sldMasterId id="2147483648" r:id="rId1"/>
   </p:sldMasterIdLst>
+  <p:notesMasterIdLst>
+    <p:notesMasterId r:id="rId19"/>
+  </p:notesMasterIdLst>
   <p:sldIdLst>
     <p:sldId id="256" r:id="rId2"/>
-    <p:sldId id="257" r:id="rId3"/>
-    <p:sldId id="273" r:id="rId4"/>
-    <p:sldId id="259" r:id="rId5"/>
-    <p:sldId id="258" r:id="rId6"/>
-    <p:sldId id="279" r:id="rId7"/>
-    <p:sldId id="260" r:id="rId8"/>
-    <p:sldId id="264" r:id="rId9"/>
-    <p:sldId id="265" r:id="rId10"/>
-    <p:sldId id="270" r:id="rId11"/>
-    <p:sldId id="271" r:id="rId12"/>
-    <p:sldId id="275" r:id="rId13"/>
-    <p:sldId id="274" r:id="rId14"/>
-    <p:sldId id="276" r:id="rId15"/>
-    <p:sldId id="277" r:id="rId16"/>
-    <p:sldId id="278" r:id="rId17"/>
+    <p:sldId id="280" r:id="rId3"/>
+    <p:sldId id="257" r:id="rId4"/>
+    <p:sldId id="273" r:id="rId5"/>
+    <p:sldId id="259" r:id="rId6"/>
+    <p:sldId id="258" r:id="rId7"/>
+    <p:sldId id="264" r:id="rId8"/>
+    <p:sldId id="279" r:id="rId9"/>
+    <p:sldId id="260" r:id="rId10"/>
+    <p:sldId id="265" r:id="rId11"/>
+    <p:sldId id="270" r:id="rId12"/>
+    <p:sldId id="271" r:id="rId13"/>
+    <p:sldId id="275" r:id="rId14"/>
+    <p:sldId id="274" r:id="rId15"/>
+    <p:sldId id="276" r:id="rId16"/>
+    <p:sldId id="277" r:id="rId17"/>
+    <p:sldId id="278" r:id="rId18"/>
   </p:sldIdLst>
   <p:sldSz cx="12192000" cy="6858000"/>
   <p:notesSz cx="6858000" cy="9144000"/>
@@ -139,6 +143,355 @@
 </p:cmAuthorLst>
 </file>
 
+<file path=ppt/notesMasters/notesMaster1.xml><?xml version="1.0" encoding="utf-8"?>
+<p:notesMaster xmlns:a="http://schemas.openxmlformats.org/drawingml/2006/main" xmlns:r="http://schemas.openxmlformats.org/officeDocument/2006/relationships" xmlns:p="http://schemas.openxmlformats.org/presentationml/2006/main">
+  <p:cSld>
+    <p:bg>
+      <p:bgRef idx="1001">
+        <a:schemeClr val="bg1"/>
+      </p:bgRef>
+    </p:bg>
+    <p:spTree>
+      <p:nvGrpSpPr>
+        <p:cNvPr id="1" name=""/>
+        <p:cNvGrpSpPr/>
+        <p:nvPr/>
+      </p:nvGrpSpPr>
+      <p:grpSpPr>
+        <a:xfrm>
+          <a:off x="0" y="0"/>
+          <a:ext cx="0" cy="0"/>
+          <a:chOff x="0" y="0"/>
+          <a:chExt cx="0" cy="0"/>
+        </a:xfrm>
+      </p:grpSpPr>
+      <p:sp>
+        <p:nvSpPr>
+          <p:cNvPr id="2" name="머리글 개체 틀 1"/>
+          <p:cNvSpPr>
+            <a:spLocks noGrp="1"/>
+          </p:cNvSpPr>
+          <p:nvPr>
+            <p:ph type="hdr" sz="quarter"/>
+          </p:nvPr>
+        </p:nvSpPr>
+        <p:spPr>
+          <a:xfrm>
+            <a:off x="0" y="0"/>
+            <a:ext cx="2971800" cy="458788"/>
+          </a:xfrm>
+          <a:prstGeom prst="rect">
+            <a:avLst/>
+          </a:prstGeom>
+        </p:spPr>
+        <p:txBody>
+          <a:bodyPr vert="horz" lIns="91440" tIns="45720" rIns="91440" bIns="45720" rtlCol="0"/>
+          <a:lstStyle>
+            <a:lvl1pPr algn="l">
+              <a:defRPr sz="1200"/>
+            </a:lvl1pPr>
+          </a:lstStyle>
+          <a:p>
+            <a:endParaRPr lang="ko-KR" altLang="en-US"/>
+          </a:p>
+        </p:txBody>
+      </p:sp>
+      <p:sp>
+        <p:nvSpPr>
+          <p:cNvPr id="3" name="날짜 개체 틀 2"/>
+          <p:cNvSpPr>
+            <a:spLocks noGrp="1"/>
+          </p:cNvSpPr>
+          <p:nvPr>
+            <p:ph type="dt" idx="1"/>
+          </p:nvPr>
+        </p:nvSpPr>
+        <p:spPr>
+          <a:xfrm>
+            <a:off x="3884613" y="0"/>
+            <a:ext cx="2971800" cy="458788"/>
+          </a:xfrm>
+          <a:prstGeom prst="rect">
+            <a:avLst/>
+          </a:prstGeom>
+        </p:spPr>
+        <p:txBody>
+          <a:bodyPr vert="horz" lIns="91440" tIns="45720" rIns="91440" bIns="45720" rtlCol="0"/>
+          <a:lstStyle>
+            <a:lvl1pPr algn="r">
+              <a:defRPr sz="1200"/>
+            </a:lvl1pPr>
+          </a:lstStyle>
+          <a:p>
+            <a:fld id="{01446470-22E0-4151-B55A-5D9A2C9658A4}" type="datetimeFigureOut">
+              <a:rPr lang="ko-KR" altLang="en-US" smtClean="0"/>
+              <a:t>2025-06-26</a:t>
+            </a:fld>
+            <a:endParaRPr lang="ko-KR" altLang="en-US"/>
+          </a:p>
+        </p:txBody>
+      </p:sp>
+      <p:sp>
+        <p:nvSpPr>
+          <p:cNvPr id="4" name="슬라이드 이미지 개체 틀 3"/>
+          <p:cNvSpPr>
+            <a:spLocks noGrp="1" noRot="1" noChangeAspect="1"/>
+          </p:cNvSpPr>
+          <p:nvPr>
+            <p:ph type="sldImg" idx="2"/>
+          </p:nvPr>
+        </p:nvSpPr>
+        <p:spPr>
+          <a:xfrm>
+            <a:off x="685800" y="1143000"/>
+            <a:ext cx="5486400" cy="3086100"/>
+          </a:xfrm>
+          <a:prstGeom prst="rect">
+            <a:avLst/>
+          </a:prstGeom>
+          <a:noFill/>
+          <a:ln w="12700">
+            <a:solidFill>
+              <a:prstClr val="black"/>
+            </a:solidFill>
+          </a:ln>
+        </p:spPr>
+        <p:txBody>
+          <a:bodyPr vert="horz" lIns="91440" tIns="45720" rIns="91440" bIns="45720" rtlCol="0" anchor="ctr"/>
+          <a:lstStyle/>
+          <a:p>
+            <a:endParaRPr lang="ko-KR" altLang="en-US"/>
+          </a:p>
+        </p:txBody>
+      </p:sp>
+      <p:sp>
+        <p:nvSpPr>
+          <p:cNvPr id="5" name="슬라이드 노트 개체 틀 4"/>
+          <p:cNvSpPr>
+            <a:spLocks noGrp="1"/>
+          </p:cNvSpPr>
+          <p:nvPr>
+            <p:ph type="body" sz="quarter" idx="3"/>
+          </p:nvPr>
+        </p:nvSpPr>
+        <p:spPr>
+          <a:xfrm>
+            <a:off x="685800" y="4400550"/>
+            <a:ext cx="5486400" cy="3600450"/>
+          </a:xfrm>
+          <a:prstGeom prst="rect">
+            <a:avLst/>
+          </a:prstGeom>
+        </p:spPr>
+        <p:txBody>
+          <a:bodyPr vert="horz" lIns="91440" tIns="45720" rIns="91440" bIns="45720" rtlCol="0"/>
+          <a:lstStyle/>
+          <a:p>
+            <a:pPr lvl="0"/>
+            <a:r>
+              <a:rPr lang="ko-KR" altLang="en-US" dirty="0"/>
+              <a:t>마스터 텍스트 스타일을 편집하려면 클릭</a:t>
+            </a:r>
+          </a:p>
+          <a:p>
+            <a:pPr lvl="1"/>
+            <a:r>
+              <a:rPr lang="ko-KR" altLang="en-US" dirty="0"/>
+              <a:t>두 번째 수준</a:t>
+            </a:r>
+          </a:p>
+          <a:p>
+            <a:pPr lvl="2"/>
+            <a:r>
+              <a:rPr lang="ko-KR" altLang="en-US" dirty="0"/>
+              <a:t>세 번째 수준</a:t>
+            </a:r>
+          </a:p>
+          <a:p>
+            <a:pPr lvl="3"/>
+            <a:r>
+              <a:rPr lang="ko-KR" altLang="en-US" dirty="0"/>
+              <a:t>네 번째 수준</a:t>
+            </a:r>
+          </a:p>
+          <a:p>
+            <a:pPr lvl="4"/>
+            <a:r>
+              <a:rPr lang="ko-KR" altLang="en-US" dirty="0"/>
+              <a:t>다섯 번째 수준</a:t>
+            </a:r>
+          </a:p>
+        </p:txBody>
+      </p:sp>
+      <p:sp>
+        <p:nvSpPr>
+          <p:cNvPr id="6" name="바닥글 개체 틀 5"/>
+          <p:cNvSpPr>
+            <a:spLocks noGrp="1"/>
+          </p:cNvSpPr>
+          <p:nvPr>
+            <p:ph type="ftr" sz="quarter" idx="4"/>
+          </p:nvPr>
+        </p:nvSpPr>
+        <p:spPr>
+          <a:xfrm>
+            <a:off x="0" y="8685213"/>
+            <a:ext cx="2971800" cy="458787"/>
+          </a:xfrm>
+          <a:prstGeom prst="rect">
+            <a:avLst/>
+          </a:prstGeom>
+        </p:spPr>
+        <p:txBody>
+          <a:bodyPr vert="horz" lIns="91440" tIns="45720" rIns="91440" bIns="45720" rtlCol="0" anchor="b"/>
+          <a:lstStyle>
+            <a:lvl1pPr algn="l">
+              <a:defRPr sz="1200"/>
+            </a:lvl1pPr>
+          </a:lstStyle>
+          <a:p>
+            <a:endParaRPr lang="ko-KR" altLang="en-US"/>
+          </a:p>
+        </p:txBody>
+      </p:sp>
+      <p:sp>
+        <p:nvSpPr>
+          <p:cNvPr id="7" name="슬라이드 번호 개체 틀 6"/>
+          <p:cNvSpPr>
+            <a:spLocks noGrp="1"/>
+          </p:cNvSpPr>
+          <p:nvPr>
+            <p:ph type="sldNum" sz="quarter" idx="5"/>
+          </p:nvPr>
+        </p:nvSpPr>
+        <p:spPr>
+          <a:xfrm>
+            <a:off x="3884613" y="8685213"/>
+            <a:ext cx="2971800" cy="458787"/>
+          </a:xfrm>
+          <a:prstGeom prst="rect">
+            <a:avLst/>
+          </a:prstGeom>
+        </p:spPr>
+        <p:txBody>
+          <a:bodyPr vert="horz" lIns="91440" tIns="45720" rIns="91440" bIns="45720" rtlCol="0" anchor="b"/>
+          <a:lstStyle>
+            <a:lvl1pPr algn="r">
+              <a:defRPr sz="1200"/>
+            </a:lvl1pPr>
+          </a:lstStyle>
+          <a:p>
+            <a:fld id="{9BD85583-D568-4A04-9584-F71A19C8F1EF}" type="slidenum">
+              <a:rPr lang="ko-KR" altLang="en-US" smtClean="0"/>
+              <a:t>‹#›</a:t>
+            </a:fld>
+            <a:endParaRPr lang="ko-KR" altLang="en-US"/>
+          </a:p>
+        </p:txBody>
+      </p:sp>
+    </p:spTree>
+    <p:extLst>
+      <p:ext uri="{BB962C8B-B14F-4D97-AF65-F5344CB8AC3E}">
+        <p14:creationId xmlns:p14="http://schemas.microsoft.com/office/powerpoint/2010/main" val="2654925302"/>
+      </p:ext>
+    </p:extLst>
+  </p:cSld>
+  <p:clrMap bg1="lt1" tx1="dk1" bg2="lt2" tx2="dk2" accent1="accent1" accent2="accent2" accent3="accent3" accent4="accent4" accent5="accent5" accent6="accent6" hlink="hlink" folHlink="folHlink"/>
+  <p:notesStyle>
+    <a:lvl1pPr marL="0" algn="l" defTabSz="914400" rtl="0" eaLnBrk="1" latinLnBrk="1" hangingPunct="1">
+      <a:defRPr sz="1200" kern="1200">
+        <a:solidFill>
+          <a:schemeClr val="tx1"/>
+        </a:solidFill>
+        <a:latin typeface="+mn-lt"/>
+        <a:ea typeface="+mn-ea"/>
+        <a:cs typeface="+mn-cs"/>
+      </a:defRPr>
+    </a:lvl1pPr>
+    <a:lvl2pPr marL="457200" algn="l" defTabSz="914400" rtl="0" eaLnBrk="1" latinLnBrk="1" hangingPunct="1">
+      <a:defRPr sz="1200" kern="1200">
+        <a:solidFill>
+          <a:schemeClr val="tx1"/>
+        </a:solidFill>
+        <a:latin typeface="+mn-lt"/>
+        <a:ea typeface="+mn-ea"/>
+        <a:cs typeface="+mn-cs"/>
+      </a:defRPr>
+    </a:lvl2pPr>
+    <a:lvl3pPr marL="914400" algn="l" defTabSz="914400" rtl="0" eaLnBrk="1" latinLnBrk="1" hangingPunct="1">
+      <a:defRPr sz="1200" kern="1200">
+        <a:solidFill>
+          <a:schemeClr val="tx1"/>
+        </a:solidFill>
+        <a:latin typeface="+mn-lt"/>
+        <a:ea typeface="+mn-ea"/>
+        <a:cs typeface="+mn-cs"/>
+      </a:defRPr>
+    </a:lvl3pPr>
+    <a:lvl4pPr marL="1371600" algn="l" defTabSz="914400" rtl="0" eaLnBrk="1" latinLnBrk="1" hangingPunct="1">
+      <a:defRPr sz="1200" kern="1200">
+        <a:solidFill>
+          <a:schemeClr val="tx1"/>
+        </a:solidFill>
+        <a:latin typeface="+mn-lt"/>
+        <a:ea typeface="+mn-ea"/>
+        <a:cs typeface="+mn-cs"/>
+      </a:defRPr>
+    </a:lvl4pPr>
+    <a:lvl5pPr marL="1828800" algn="l" defTabSz="914400" rtl="0" eaLnBrk="1" latinLnBrk="1" hangingPunct="1">
+      <a:defRPr sz="1200" kern="1200">
+        <a:solidFill>
+          <a:schemeClr val="tx1"/>
+        </a:solidFill>
+        <a:latin typeface="+mn-lt"/>
+        <a:ea typeface="+mn-ea"/>
+        <a:cs typeface="+mn-cs"/>
+      </a:defRPr>
+    </a:lvl5pPr>
+    <a:lvl6pPr marL="2286000" algn="l" defTabSz="914400" rtl="0" eaLnBrk="1" latinLnBrk="1" hangingPunct="1">
+      <a:defRPr sz="1200" kern="1200">
+        <a:solidFill>
+          <a:schemeClr val="tx1"/>
+        </a:solidFill>
+        <a:latin typeface="+mn-lt"/>
+        <a:ea typeface="+mn-ea"/>
+        <a:cs typeface="+mn-cs"/>
+      </a:defRPr>
+    </a:lvl6pPr>
+    <a:lvl7pPr marL="2743200" algn="l" defTabSz="914400" rtl="0" eaLnBrk="1" latinLnBrk="1" hangingPunct="1">
+      <a:defRPr sz="1200" kern="1200">
+        <a:solidFill>
+          <a:schemeClr val="tx1"/>
+        </a:solidFill>
+        <a:latin typeface="+mn-lt"/>
+        <a:ea typeface="+mn-ea"/>
+        <a:cs typeface="+mn-cs"/>
+      </a:defRPr>
+    </a:lvl7pPr>
+    <a:lvl8pPr marL="3200400" algn="l" defTabSz="914400" rtl="0" eaLnBrk="1" latinLnBrk="1" hangingPunct="1">
+      <a:defRPr sz="1200" kern="1200">
+        <a:solidFill>
+          <a:schemeClr val="tx1"/>
+        </a:solidFill>
+        <a:latin typeface="+mn-lt"/>
+        <a:ea typeface="+mn-ea"/>
+        <a:cs typeface="+mn-cs"/>
+      </a:defRPr>
+    </a:lvl8pPr>
+    <a:lvl9pPr marL="3657600" algn="l" defTabSz="914400" rtl="0" eaLnBrk="1" latinLnBrk="1" hangingPunct="1">
+      <a:defRPr sz="1200" kern="1200">
+        <a:solidFill>
+          <a:schemeClr val="tx1"/>
+        </a:solidFill>
+        <a:latin typeface="+mn-lt"/>
+        <a:ea typeface="+mn-ea"/>
+        <a:cs typeface="+mn-cs"/>
+      </a:defRPr>
+    </a:lvl9pPr>
+  </p:notesStyle>
+</p:notesMaster>
+</file>
+
 <file path=ppt/slideLayouts/slideLayout1.xml><?xml version="1.0" encoding="utf-8"?>
 <p:sldLayout xmlns:a="http://schemas.openxmlformats.org/drawingml/2006/main" xmlns:r="http://schemas.openxmlformats.org/officeDocument/2006/relationships" xmlns:p="http://schemas.openxmlformats.org/presentationml/2006/main" showMasterSp="0" type="title" preserve="1">
   <p:cSld name="제목 슬라이드">
@@ -306,9 +659,8 @@
             </a:lvl1pPr>
           </a:lstStyle>
           <a:p>
-            <a:fld id="{87DE6118-2437-4B30-8E3C-4D2BE6020583}" type="datetimeFigureOut">
-              <a:rPr lang="en-US" dirty="0"/>
-              <a:pPr/>
+            <a:fld id="{ED00D312-C6F0-4436-BF1C-9F190D11969F}" type="datetime1">
+              <a:rPr lang="en-US" altLang="ko-KR" smtClean="0"/>
               <a:t>6/26/2025</a:t>
             </a:fld>
             <a:endParaRPr lang="en-US" dirty="0"/>
@@ -633,8 +985,8 @@
           <a:bodyPr/>
           <a:lstStyle/>
           <a:p>
-            <a:fld id="{87DE6118-2437-4B30-8E3C-4D2BE6020583}" type="datetimeFigureOut">
-              <a:rPr lang="en-US" dirty="0"/>
+            <a:fld id="{9D3555E4-069C-45D5-B735-AAF350FD1B60}" type="datetime1">
+              <a:rPr lang="en-US" altLang="ko-KR" smtClean="0"/>
               <a:t>6/26/2025</a:t>
             </a:fld>
             <a:endParaRPr lang="en-US" dirty="0"/>
@@ -808,8 +1160,8 @@
           <a:bodyPr/>
           <a:lstStyle/>
           <a:p>
-            <a:fld id="{87DE6118-2437-4B30-8E3C-4D2BE6020583}" type="datetimeFigureOut">
-              <a:rPr lang="en-US" dirty="0"/>
+            <a:fld id="{C76FF0C8-287B-4EA5-B8A9-7C41C1E20E46}" type="datetime1">
+              <a:rPr lang="en-US" altLang="ko-KR" smtClean="0"/>
               <a:t>6/26/2025</a:t>
             </a:fld>
             <a:endParaRPr lang="en-US" dirty="0"/>
@@ -919,39 +1271,43 @@
         <p:spPr/>
         <p:txBody>
           <a:bodyPr/>
-          <a:lstStyle/>
+          <a:lstStyle>
+            <a:lvl2pPr>
+              <a:defRPr i="0"/>
+            </a:lvl2pPr>
+          </a:lstStyle>
           <a:p>
             <a:pPr lvl="0"/>
             <a:r>
-              <a:rPr lang="ko-KR" altLang="en-US"/>
+              <a:rPr lang="ko-KR" altLang="en-US" dirty="0"/>
               <a:t>마스터 텍스트 스타일을 편집하려면 클릭</a:t>
             </a:r>
           </a:p>
           <a:p>
             <a:pPr lvl="1"/>
             <a:r>
-              <a:rPr lang="ko-KR" altLang="en-US"/>
+              <a:rPr lang="ko-KR" altLang="en-US" dirty="0"/>
               <a:t>두 번째 수준</a:t>
             </a:r>
           </a:p>
           <a:p>
             <a:pPr lvl="2"/>
             <a:r>
-              <a:rPr lang="ko-KR" altLang="en-US"/>
+              <a:rPr lang="ko-KR" altLang="en-US" dirty="0"/>
               <a:t>세 번째 수준</a:t>
             </a:r>
           </a:p>
           <a:p>
             <a:pPr lvl="3"/>
             <a:r>
-              <a:rPr lang="ko-KR" altLang="en-US"/>
+              <a:rPr lang="ko-KR" altLang="en-US" dirty="0"/>
               <a:t>네 번째 수준</a:t>
             </a:r>
           </a:p>
           <a:p>
             <a:pPr lvl="4"/>
             <a:r>
-              <a:rPr lang="ko-KR" altLang="en-US"/>
+              <a:rPr lang="ko-KR" altLang="en-US" dirty="0"/>
               <a:t>다섯 번째 수준</a:t>
             </a:r>
             <a:endParaRPr lang="en-US" dirty="0"/>
@@ -973,8 +1329,8 @@
           <a:bodyPr/>
           <a:lstStyle/>
           <a:p>
-            <a:fld id="{87DE6118-2437-4B30-8E3C-4D2BE6020583}" type="datetimeFigureOut">
-              <a:rPr lang="en-US" dirty="0"/>
+            <a:fld id="{C23CB15D-E771-4738-8E1C-09EF72242BEE}" type="datetime1">
+              <a:rPr lang="en-US" altLang="ko-KR" smtClean="0"/>
               <a:t>6/26/2025</a:t>
             </a:fld>
             <a:endParaRPr lang="en-US" dirty="0"/>
@@ -1245,9 +1601,8 @@
             </a:lvl1pPr>
           </a:lstStyle>
           <a:p>
-            <a:fld id="{87DE6118-2437-4B30-8E3C-4D2BE6020583}" type="datetimeFigureOut">
-              <a:rPr lang="en-US" dirty="0"/>
-              <a:pPr/>
+            <a:fld id="{004F53BF-4A6B-49F1-B07B-97F0F049B480}" type="datetime1">
+              <a:rPr lang="en-US" altLang="ko-KR" smtClean="0"/>
               <a:t>6/26/2025</a:t>
             </a:fld>
             <a:endParaRPr lang="en-US" dirty="0"/>
@@ -1636,8 +1991,8 @@
           <a:bodyPr/>
           <a:lstStyle/>
           <a:p>
-            <a:fld id="{87DE6118-2437-4B30-8E3C-4D2BE6020583}" type="datetimeFigureOut">
-              <a:rPr lang="en-US" dirty="0"/>
+            <a:fld id="{5198AF9B-032D-4CCB-93C1-1549C677B53E}" type="datetime1">
+              <a:rPr lang="en-US" altLang="ko-KR" smtClean="0"/>
               <a:t>6/26/2025</a:t>
             </a:fld>
             <a:endParaRPr lang="en-US" dirty="0"/>
@@ -2108,8 +2463,8 @@
           <a:bodyPr/>
           <a:lstStyle/>
           <a:p>
-            <a:fld id="{87DE6118-2437-4B30-8E3C-4D2BE6020583}" type="datetimeFigureOut">
-              <a:rPr lang="en-US" dirty="0"/>
+            <a:fld id="{01D3E865-32E0-4540-A374-86060AF0EF72}" type="datetime1">
+              <a:rPr lang="en-US" altLang="ko-KR" smtClean="0"/>
               <a:t>6/26/2025</a:t>
             </a:fld>
             <a:endParaRPr lang="en-US" dirty="0"/>
@@ -2221,8 +2576,8 @@
           <a:bodyPr/>
           <a:lstStyle/>
           <a:p>
-            <a:fld id="{87DE6118-2437-4B30-8E3C-4D2BE6020583}" type="datetimeFigureOut">
-              <a:rPr lang="en-US" dirty="0"/>
+            <a:fld id="{36288ABE-13C1-4905-AFCC-DAAD01F1E1C0}" type="datetime1">
+              <a:rPr lang="en-US" altLang="ko-KR" smtClean="0"/>
               <a:t>6/26/2025</a:t>
             </a:fld>
             <a:endParaRPr lang="en-US" dirty="0"/>
@@ -2311,8 +2666,8 @@
           <a:bodyPr/>
           <a:lstStyle/>
           <a:p>
-            <a:fld id="{87DE6118-2437-4B30-8E3C-4D2BE6020583}" type="datetimeFigureOut">
-              <a:rPr lang="en-US" dirty="0"/>
+            <a:fld id="{2DEE3CBB-B768-4C9A-80D4-99D4B7E01774}" type="datetime1">
+              <a:rPr lang="en-US" altLang="ko-KR" smtClean="0"/>
               <a:t>6/26/2025</a:t>
             </a:fld>
             <a:endParaRPr lang="en-US" dirty="0"/>
@@ -2652,9 +3007,8 @@
             </a:lvl1pPr>
           </a:lstStyle>
           <a:p>
-            <a:fld id="{87DE6118-2437-4B30-8E3C-4D2BE6020583}" type="datetimeFigureOut">
-              <a:rPr lang="en-US" dirty="0"/>
-              <a:pPr/>
+            <a:fld id="{7B84D5BD-FAB9-4606-AED1-33E24EDCC95A}" type="datetime1">
+              <a:rPr lang="en-US" altLang="ko-KR" smtClean="0"/>
               <a:t>6/26/2025</a:t>
             </a:fld>
             <a:endParaRPr lang="en-US" dirty="0"/>
@@ -3037,9 +3391,8 @@
             </a:lvl1pPr>
           </a:lstStyle>
           <a:p>
-            <a:fld id="{87DE6118-2437-4B30-8E3C-4D2BE6020583}" type="datetimeFigureOut">
-              <a:rPr lang="en-US" dirty="0"/>
-              <a:pPr/>
+            <a:fld id="{956CAEA3-E42D-4B84-8C49-92EF45679566}" type="datetime1">
+              <a:rPr lang="en-US" altLang="ko-KR" smtClean="0"/>
               <a:t>6/26/2025</a:t>
             </a:fld>
             <a:endParaRPr lang="en-US" dirty="0"/>
@@ -3312,9 +3665,8 @@
             </a:lvl1pPr>
           </a:lstStyle>
           <a:p>
-            <a:fld id="{87DE6118-2437-4B30-8E3C-4D2BE6020583}" type="datetimeFigureOut">
-              <a:rPr lang="en-US" dirty="0"/>
-              <a:pPr/>
+            <a:fld id="{5169E8AE-9962-4B5C-9547-962B15B0E9A0}" type="datetime1">
+              <a:rPr lang="en-US" altLang="ko-KR" smtClean="0"/>
               <a:t>6/26/2025</a:t>
             </a:fld>
             <a:endParaRPr lang="en-US" dirty="0"/>
@@ -3450,6 +3802,7 @@
     <p:sldLayoutId id="2147483658" r:id="rId10"/>
     <p:sldLayoutId id="2147483659" r:id="rId11"/>
   </p:sldLayoutIdLst>
+  <p:hf hdr="0" ftr="0" dt="0"/>
   <p:txStyles>
     <p:titleStyle>
       <a:lvl1pPr algn="l" defTabSz="914400" rtl="0" eaLnBrk="1" latinLnBrk="1" hangingPunct="1">
@@ -3917,6 +4270,36 @@
           </a:p>
         </p:txBody>
       </p:sp>
+      <p:sp>
+        <p:nvSpPr>
+          <p:cNvPr id="4" name="슬라이드 번호 개체 틀 3">
+            <a:extLst>
+              <a:ext uri="{FF2B5EF4-FFF2-40B4-BE49-F238E27FC236}">
+                <a16:creationId xmlns:a16="http://schemas.microsoft.com/office/drawing/2014/main" id="{E78426A2-FC12-409D-866C-3B10383D32C4}"/>
+              </a:ext>
+            </a:extLst>
+          </p:cNvPr>
+          <p:cNvSpPr>
+            <a:spLocks noGrp="1"/>
+          </p:cNvSpPr>
+          <p:nvPr>
+            <p:ph type="sldNum" sz="quarter" idx="12"/>
+          </p:nvPr>
+        </p:nvSpPr>
+        <p:spPr/>
+        <p:txBody>
+          <a:bodyPr/>
+          <a:lstStyle/>
+          <a:p>
+            <a:fld id="{69E57DC2-970A-4B3E-BB1C-7A09969E49DF}" type="slidenum">
+              <a:rPr lang="en-US" smtClean="0"/>
+              <a:pPr/>
+              <a:t>1</a:t>
+            </a:fld>
+            <a:endParaRPr lang="en-US" dirty="0"/>
+          </a:p>
+        </p:txBody>
+      </p:sp>
     </p:spTree>
     <p:extLst>
       <p:ext uri="{BB962C8B-B14F-4D97-AF65-F5344CB8AC3E}">
@@ -3974,18 +4357,11 @@
           <a:lstStyle/>
           <a:p>
             <a:r>
-              <a:rPr lang="en-US" altLang="ko-KR" dirty="0">
-                <a:latin typeface="HY헤드라인M" panose="02030600000101010101" pitchFamily="18" charset="-127"/>
-                <a:ea typeface="HY헤드라인M" panose="02030600000101010101" pitchFamily="18" charset="-127"/>
-              </a:rPr>
-              <a:t>AWS </a:t>
-            </a:r>
-            <a:r>
               <a:rPr lang="ko-KR" altLang="en-US" dirty="0">
                 <a:latin typeface="HY헤드라인M" panose="02030600000101010101" pitchFamily="18" charset="-127"/>
                 <a:ea typeface="HY헤드라인M" panose="02030600000101010101" pitchFamily="18" charset="-127"/>
               </a:rPr>
-              <a:t>서버 설정</a:t>
+              <a:t>웹 애플리케이션</a:t>
             </a:r>
           </a:p>
         </p:txBody>
@@ -4009,6 +4385,499 @@
         <p:spPr>
           <a:xfrm>
             <a:off x="1371600" y="1695450"/>
+            <a:ext cx="5534025" cy="4171950"/>
+          </a:xfrm>
+        </p:spPr>
+        <p:txBody>
+          <a:bodyPr>
+            <a:normAutofit/>
+          </a:bodyPr>
+          <a:lstStyle/>
+          <a:p>
+            <a:r>
+              <a:rPr lang="ko-KR" altLang="en-US" sz="1800" dirty="0">
+                <a:latin typeface="HY헤드라인M" panose="02030600000101010101" pitchFamily="18" charset="-127"/>
+                <a:ea typeface="HY헤드라인M" panose="02030600000101010101" pitchFamily="18" charset="-127"/>
+              </a:rPr>
+              <a:t>기능</a:t>
+            </a:r>
+            <a:endParaRPr lang="en-US" altLang="ko-KR" sz="1800" dirty="0">
+              <a:latin typeface="HY헤드라인M" panose="02030600000101010101" pitchFamily="18" charset="-127"/>
+              <a:ea typeface="HY헤드라인M" panose="02030600000101010101" pitchFamily="18" charset="-127"/>
+            </a:endParaRPr>
+          </a:p>
+          <a:p>
+            <a:pPr lvl="1"/>
+            <a:r>
+              <a:rPr lang="ko-KR" altLang="en-US" sz="1800" i="0" dirty="0">
+                <a:latin typeface="HY헤드라인M" panose="02030600000101010101" pitchFamily="18" charset="-127"/>
+                <a:ea typeface="HY헤드라인M" panose="02030600000101010101" pitchFamily="18" charset="-127"/>
+              </a:rPr>
+              <a:t>파일 업로드 폼 제공</a:t>
+            </a:r>
+            <a:endParaRPr lang="en-US" altLang="ko-KR" sz="1800" i="0" dirty="0">
+              <a:latin typeface="HY헤드라인M" panose="02030600000101010101" pitchFamily="18" charset="-127"/>
+              <a:ea typeface="HY헤드라인M" panose="02030600000101010101" pitchFamily="18" charset="-127"/>
+            </a:endParaRPr>
+          </a:p>
+          <a:p>
+            <a:pPr lvl="1"/>
+            <a:r>
+              <a:rPr lang="en-US" altLang="ko-KR" sz="1800" i="0" dirty="0">
+                <a:latin typeface="HY헤드라인M" panose="02030600000101010101" pitchFamily="18" charset="-127"/>
+                <a:ea typeface="HY헤드라인M" panose="02030600000101010101" pitchFamily="18" charset="-127"/>
+              </a:rPr>
+              <a:t>YOLO</a:t>
+            </a:r>
+            <a:r>
+              <a:rPr lang="ko-KR" altLang="en-US" sz="1800" i="0" dirty="0">
+                <a:latin typeface="HY헤드라인M" panose="02030600000101010101" pitchFamily="18" charset="-127"/>
+                <a:ea typeface="HY헤드라인M" panose="02030600000101010101" pitchFamily="18" charset="-127"/>
+              </a:rPr>
+              <a:t>분석 결과</a:t>
+            </a:r>
+            <a:r>
+              <a:rPr lang="en-US" altLang="ko-KR" sz="1800" i="0" dirty="0">
+                <a:latin typeface="HY헤드라인M" panose="02030600000101010101" pitchFamily="18" charset="-127"/>
+                <a:ea typeface="HY헤드라인M" panose="02030600000101010101" pitchFamily="18" charset="-127"/>
+              </a:rPr>
+              <a:t>(</a:t>
+            </a:r>
+            <a:r>
+              <a:rPr lang="ko-KR" altLang="en-US" sz="1800" i="0" dirty="0">
+                <a:latin typeface="HY헤드라인M" panose="02030600000101010101" pitchFamily="18" charset="-127"/>
+                <a:ea typeface="HY헤드라인M" panose="02030600000101010101" pitchFamily="18" charset="-127"/>
+              </a:rPr>
+              <a:t>총 금액 및 화폐 개수 출력</a:t>
+            </a:r>
+            <a:endParaRPr lang="en-US" altLang="ko-KR" sz="1800" i="0" dirty="0">
+              <a:latin typeface="HY헤드라인M" panose="02030600000101010101" pitchFamily="18" charset="-127"/>
+              <a:ea typeface="HY헤드라인M" panose="02030600000101010101" pitchFamily="18" charset="-127"/>
+            </a:endParaRPr>
+          </a:p>
+          <a:p>
+            <a:pPr lvl="1"/>
+            <a:r>
+              <a:rPr lang="ko-KR" altLang="en-US" sz="1800" i="0" dirty="0">
+                <a:latin typeface="HY헤드라인M" panose="02030600000101010101" pitchFamily="18" charset="-127"/>
+                <a:ea typeface="HY헤드라인M" panose="02030600000101010101" pitchFamily="18" charset="-127"/>
+              </a:rPr>
+              <a:t>감지된 화폐가 표시된 이미지 제공</a:t>
+            </a:r>
+            <a:endParaRPr lang="en-US" altLang="ko-KR" sz="1800" i="0" dirty="0">
+              <a:latin typeface="HY헤드라인M" panose="02030600000101010101" pitchFamily="18" charset="-127"/>
+              <a:ea typeface="HY헤드라인M" panose="02030600000101010101" pitchFamily="18" charset="-127"/>
+            </a:endParaRPr>
+          </a:p>
+          <a:p>
+            <a:pPr lvl="1"/>
+            <a:r>
+              <a:rPr lang="ko-KR" altLang="en-US" sz="1800" i="0" dirty="0">
+                <a:latin typeface="HY헤드라인M" panose="02030600000101010101" pitchFamily="18" charset="-127"/>
+                <a:ea typeface="HY헤드라인M" panose="02030600000101010101" pitchFamily="18" charset="-127"/>
+              </a:rPr>
+              <a:t>모바일 유저를 위한 카메라 및 갤러리 탐색 기능 지원</a:t>
+            </a:r>
+            <a:endParaRPr lang="en-US" altLang="ko-KR" sz="1800" i="0" dirty="0">
+              <a:latin typeface="HY헤드라인M" panose="02030600000101010101" pitchFamily="18" charset="-127"/>
+              <a:ea typeface="HY헤드라인M" panose="02030600000101010101" pitchFamily="18" charset="-127"/>
+            </a:endParaRPr>
+          </a:p>
+          <a:p>
+            <a:pPr marL="384048" marR="0" lvl="0" indent="-384048" algn="l" defTabSz="914400" rtl="0" eaLnBrk="1" fontAlgn="auto" latinLnBrk="1" hangingPunct="1">
+              <a:lnSpc>
+                <a:spcPct val="94000"/>
+              </a:lnSpc>
+              <a:spcBef>
+                <a:spcPts val="1000"/>
+              </a:spcBef>
+              <a:spcAft>
+                <a:spcPts val="200"/>
+              </a:spcAft>
+              <a:buClrTx/>
+              <a:buSzTx/>
+              <a:buFont typeface="Franklin Gothic Book" panose="020B0503020102020204" pitchFamily="34" charset="0"/>
+              <a:buChar char="■"/>
+              <a:tabLst/>
+              <a:defRPr/>
+            </a:pPr>
+            <a:r>
+              <a:rPr lang="ko-KR" altLang="en-US" sz="1800" dirty="0">
+                <a:solidFill>
+                  <a:srgbClr val="191B0E"/>
+                </a:solidFill>
+                <a:latin typeface="HY헤드라인M" panose="02030600000101010101" pitchFamily="18" charset="-127"/>
+                <a:ea typeface="HY헤드라인M" panose="02030600000101010101" pitchFamily="18" charset="-127"/>
+              </a:rPr>
+              <a:t>서버 실행 방법</a:t>
+            </a:r>
+            <a:r>
+              <a:rPr lang="en-US" altLang="ko-KR" sz="1800" dirty="0">
+                <a:solidFill>
+                  <a:srgbClr val="191B0E"/>
+                </a:solidFill>
+                <a:latin typeface="HY헤드라인M" panose="02030600000101010101" pitchFamily="18" charset="-127"/>
+                <a:ea typeface="HY헤드라인M" panose="02030600000101010101" pitchFamily="18" charset="-127"/>
+              </a:rPr>
+              <a:t>(</a:t>
+            </a:r>
+            <a:r>
+              <a:rPr lang="ko-KR" altLang="en-US" sz="1800" dirty="0">
+                <a:solidFill>
+                  <a:srgbClr val="191B0E"/>
+                </a:solidFill>
+                <a:latin typeface="HY헤드라인M" panose="02030600000101010101" pitchFamily="18" charset="-127"/>
+                <a:ea typeface="HY헤드라인M" panose="02030600000101010101" pitchFamily="18" charset="-127"/>
+              </a:rPr>
+              <a:t>로컬</a:t>
+            </a:r>
+            <a:r>
+              <a:rPr lang="en-US" altLang="ko-KR" sz="1800" dirty="0">
+                <a:solidFill>
+                  <a:srgbClr val="191B0E"/>
+                </a:solidFill>
+                <a:latin typeface="HY헤드라인M" panose="02030600000101010101" pitchFamily="18" charset="-127"/>
+                <a:ea typeface="HY헤드라인M" panose="02030600000101010101" pitchFamily="18" charset="-127"/>
+              </a:rPr>
+              <a:t>)</a:t>
+            </a:r>
+          </a:p>
+          <a:p>
+            <a:pPr marL="384048" marR="0" lvl="0" indent="-384048" algn="l" defTabSz="914400" rtl="0" eaLnBrk="1" fontAlgn="auto" latinLnBrk="1" hangingPunct="1">
+              <a:lnSpc>
+                <a:spcPct val="94000"/>
+              </a:lnSpc>
+              <a:spcBef>
+                <a:spcPts val="1000"/>
+              </a:spcBef>
+              <a:spcAft>
+                <a:spcPts val="200"/>
+              </a:spcAft>
+              <a:buClrTx/>
+              <a:buSzTx/>
+              <a:buFont typeface="Franklin Gothic Book" panose="020B0503020102020204" pitchFamily="34" charset="0"/>
+              <a:buChar char="■"/>
+              <a:tabLst/>
+              <a:defRPr/>
+            </a:pPr>
+            <a:endParaRPr kumimoji="0" lang="en-US" altLang="ko-KR" b="0" i="0" u="none" strike="noStrike" kern="1200" cap="none" spc="0" normalizeH="0" baseline="0" noProof="0" dirty="0">
+              <a:ln>
+                <a:noFill/>
+              </a:ln>
+              <a:solidFill>
+                <a:srgbClr val="191B0E"/>
+              </a:solidFill>
+              <a:effectLst/>
+              <a:uLnTx/>
+              <a:uFillTx/>
+              <a:latin typeface="HY헤드라인M" panose="02030600000101010101" pitchFamily="18" charset="-127"/>
+              <a:ea typeface="HY헤드라인M" panose="02030600000101010101" pitchFamily="18" charset="-127"/>
+              <a:cs typeface="+mn-cs"/>
+            </a:endParaRPr>
+          </a:p>
+          <a:p>
+            <a:pPr marL="0" marR="0" lvl="0" indent="0" algn="l" defTabSz="914400" rtl="0" eaLnBrk="1" fontAlgn="auto" latinLnBrk="1" hangingPunct="1">
+              <a:lnSpc>
+                <a:spcPct val="94000"/>
+              </a:lnSpc>
+              <a:spcBef>
+                <a:spcPts val="1000"/>
+              </a:spcBef>
+              <a:spcAft>
+                <a:spcPts val="200"/>
+              </a:spcAft>
+              <a:buClrTx/>
+              <a:buSzTx/>
+              <a:buNone/>
+              <a:tabLst/>
+              <a:defRPr/>
+            </a:pPr>
+            <a:r>
+              <a:rPr lang="en-US" altLang="ko-KR" dirty="0">
+                <a:solidFill>
+                  <a:srgbClr val="191B0E"/>
+                </a:solidFill>
+                <a:latin typeface="HY헤드라인M" panose="02030600000101010101" pitchFamily="18" charset="-127"/>
+                <a:ea typeface="HY헤드라인M" panose="02030600000101010101" pitchFamily="18" charset="-127"/>
+              </a:rPr>
+              <a:t>	</a:t>
+            </a:r>
+          </a:p>
+          <a:p>
+            <a:pPr lvl="1"/>
+            <a:r>
+              <a:rPr lang="en-US" altLang="ko-KR" sz="1800" i="0" dirty="0">
+                <a:latin typeface="HY헤드라인M" panose="02030600000101010101" pitchFamily="18" charset="-127"/>
+                <a:ea typeface="HY헤드라인M" panose="02030600000101010101" pitchFamily="18" charset="-127"/>
+              </a:rPr>
+              <a:t>http://127.0.0.1:8000/ </a:t>
+            </a:r>
+            <a:r>
+              <a:rPr lang="ko-KR" altLang="en-US" sz="1800" i="0" dirty="0">
+                <a:latin typeface="HY헤드라인M" panose="02030600000101010101" pitchFamily="18" charset="-127"/>
+                <a:ea typeface="HY헤드라인M" panose="02030600000101010101" pitchFamily="18" charset="-127"/>
+              </a:rPr>
+              <a:t>로 접속</a:t>
+            </a:r>
+          </a:p>
+          <a:p>
+            <a:pPr lvl="1"/>
+            <a:endParaRPr lang="en-US" altLang="ko-KR" sz="1800" dirty="0">
+              <a:latin typeface="HY헤드라인M" panose="02030600000101010101" pitchFamily="18" charset="-127"/>
+              <a:ea typeface="HY헤드라인M" panose="02030600000101010101" pitchFamily="18" charset="-127"/>
+            </a:endParaRPr>
+          </a:p>
+        </p:txBody>
+      </p:sp>
+      <p:pic>
+        <p:nvPicPr>
+          <p:cNvPr id="5" name="그림 4">
+            <a:extLst>
+              <a:ext uri="{FF2B5EF4-FFF2-40B4-BE49-F238E27FC236}">
+                <a16:creationId xmlns:a16="http://schemas.microsoft.com/office/drawing/2014/main" id="{F7D40406-94D5-4AA9-9BB3-D3D4C4FC033B}"/>
+              </a:ext>
+            </a:extLst>
+          </p:cNvPr>
+          <p:cNvPicPr>
+            <a:picLocks noChangeAspect="1"/>
+          </p:cNvPicPr>
+          <p:nvPr/>
+        </p:nvPicPr>
+        <p:blipFill>
+          <a:blip r:embed="rId2"/>
+          <a:stretch>
+            <a:fillRect/>
+          </a:stretch>
+        </p:blipFill>
+        <p:spPr>
+          <a:xfrm>
+            <a:off x="7090774" y="983796"/>
+            <a:ext cx="4889692" cy="5762625"/>
+          </a:xfrm>
+          <a:prstGeom prst="rect">
+            <a:avLst/>
+          </a:prstGeom>
+          <a:solidFill>
+            <a:srgbClr val="FFFFFF">
+              <a:shade val="85000"/>
+            </a:srgbClr>
+          </a:solidFill>
+          <a:ln w="88900" cap="sq">
+            <a:solidFill>
+              <a:srgbClr val="FFFFFF"/>
+            </a:solidFill>
+            <a:miter lim="800000"/>
+          </a:ln>
+          <a:effectLst>
+            <a:outerShdw blurRad="55000" dist="18000" dir="5400000" algn="tl" rotWithShape="0">
+              <a:srgbClr val="000000">
+                <a:alpha val="40000"/>
+              </a:srgbClr>
+            </a:outerShdw>
+          </a:effectLst>
+          <a:scene3d>
+            <a:camera prst="orthographicFront"/>
+            <a:lightRig rig="twoPt" dir="t">
+              <a:rot lat="0" lon="0" rev="7200000"/>
+            </a:lightRig>
+          </a:scene3d>
+          <a:sp3d>
+            <a:bevelT w="25400" h="19050"/>
+            <a:contourClr>
+              <a:srgbClr val="FFFFFF"/>
+            </a:contourClr>
+          </a:sp3d>
+        </p:spPr>
+      </p:pic>
+      <p:sp>
+        <p:nvSpPr>
+          <p:cNvPr id="6" name="사각형: 둥근 모서리 5">
+            <a:extLst>
+              <a:ext uri="{FF2B5EF4-FFF2-40B4-BE49-F238E27FC236}">
+                <a16:creationId xmlns:a16="http://schemas.microsoft.com/office/drawing/2014/main" id="{683D6245-730E-4AE4-BF2F-FCAF06CD5921}"/>
+              </a:ext>
+            </a:extLst>
+          </p:cNvPr>
+          <p:cNvSpPr/>
+          <p:nvPr/>
+        </p:nvSpPr>
+        <p:spPr>
+          <a:xfrm>
+            <a:off x="1590676" y="4283076"/>
+            <a:ext cx="5181600" cy="403224"/>
+          </a:xfrm>
+          <a:prstGeom prst="roundRect">
+            <a:avLst>
+              <a:gd name="adj" fmla="val 7763"/>
+            </a:avLst>
+          </a:prstGeom>
+          <a:solidFill>
+            <a:srgbClr val="1D1B1A"/>
+          </a:solidFill>
+          <a:ln>
+            <a:noFill/>
+          </a:ln>
+        </p:spPr>
+        <p:style>
+          <a:lnRef idx="2">
+            <a:schemeClr val="accent1">
+              <a:shade val="50000"/>
+            </a:schemeClr>
+          </a:lnRef>
+          <a:fillRef idx="1">
+            <a:schemeClr val="accent1"/>
+          </a:fillRef>
+          <a:effectRef idx="0">
+            <a:schemeClr val="accent1"/>
+          </a:effectRef>
+          <a:fontRef idx="minor">
+            <a:schemeClr val="lt1"/>
+          </a:fontRef>
+        </p:style>
+        <p:txBody>
+          <a:bodyPr rtlCol="0" anchor="ctr"/>
+          <a:lstStyle/>
+          <a:p>
+            <a:r>
+              <a:rPr lang="en-US" altLang="ko-KR" sz="1400" dirty="0" err="1"/>
+              <a:t>uvicorn</a:t>
+            </a:r>
+            <a:r>
+              <a:rPr lang="en-US" altLang="ko-KR" sz="1400" dirty="0"/>
+              <a:t> </a:t>
+            </a:r>
+            <a:r>
+              <a:rPr lang="en-US" altLang="ko-KR" sz="1400" dirty="0" err="1"/>
+              <a:t>main:app</a:t>
+            </a:r>
+            <a:r>
+              <a:rPr lang="en-US" altLang="ko-KR" sz="1400" dirty="0"/>
+              <a:t> --reload</a:t>
+            </a:r>
+          </a:p>
+        </p:txBody>
+      </p:sp>
+      <p:sp>
+        <p:nvSpPr>
+          <p:cNvPr id="4" name="슬라이드 번호 개체 틀 3">
+            <a:extLst>
+              <a:ext uri="{FF2B5EF4-FFF2-40B4-BE49-F238E27FC236}">
+                <a16:creationId xmlns:a16="http://schemas.microsoft.com/office/drawing/2014/main" id="{C633CFA7-BB54-4560-990D-710B74399224}"/>
+              </a:ext>
+            </a:extLst>
+          </p:cNvPr>
+          <p:cNvSpPr>
+            <a:spLocks noGrp="1"/>
+          </p:cNvSpPr>
+          <p:nvPr>
+            <p:ph type="sldNum" sz="quarter" idx="12"/>
+          </p:nvPr>
+        </p:nvSpPr>
+        <p:spPr/>
+        <p:txBody>
+          <a:bodyPr/>
+          <a:lstStyle/>
+          <a:p>
+            <a:fld id="{69E57DC2-970A-4B3E-BB1C-7A09969E49DF}" type="slidenum">
+              <a:rPr lang="en-US" smtClean="0"/>
+              <a:t>10</a:t>
+            </a:fld>
+            <a:endParaRPr lang="en-US" dirty="0"/>
+          </a:p>
+        </p:txBody>
+      </p:sp>
+    </p:spTree>
+    <p:extLst>
+      <p:ext uri="{BB962C8B-B14F-4D97-AF65-F5344CB8AC3E}">
+        <p14:creationId xmlns:p14="http://schemas.microsoft.com/office/powerpoint/2010/main" val="4255918678"/>
+      </p:ext>
+    </p:extLst>
+  </p:cSld>
+  <p:clrMapOvr>
+    <a:masterClrMapping/>
+  </p:clrMapOvr>
+</p:sld>
+</file>
+
+<file path=ppt/slides/slide11.xml><?xml version="1.0" encoding="utf-8"?>
+<p:sld xmlns:a="http://schemas.openxmlformats.org/drawingml/2006/main" xmlns:r="http://schemas.openxmlformats.org/officeDocument/2006/relationships" xmlns:p="http://schemas.openxmlformats.org/presentationml/2006/main">
+  <p:cSld>
+    <p:spTree>
+      <p:nvGrpSpPr>
+        <p:cNvPr id="1" name=""/>
+        <p:cNvGrpSpPr/>
+        <p:nvPr/>
+      </p:nvGrpSpPr>
+      <p:grpSpPr>
+        <a:xfrm>
+          <a:off x="0" y="0"/>
+          <a:ext cx="0" cy="0"/>
+          <a:chOff x="0" y="0"/>
+          <a:chExt cx="0" cy="0"/>
+        </a:xfrm>
+      </p:grpSpPr>
+      <p:sp>
+        <p:nvSpPr>
+          <p:cNvPr id="2" name="제목 1">
+            <a:extLst>
+              <a:ext uri="{FF2B5EF4-FFF2-40B4-BE49-F238E27FC236}">
+                <a16:creationId xmlns:a16="http://schemas.microsoft.com/office/drawing/2014/main" id="{CB70AB93-263B-413B-9CE0-70DF5F333A6B}"/>
+              </a:ext>
+            </a:extLst>
+          </p:cNvPr>
+          <p:cNvSpPr>
+            <a:spLocks noGrp="1"/>
+          </p:cNvSpPr>
+          <p:nvPr>
+            <p:ph type="title"/>
+          </p:nvPr>
+        </p:nvSpPr>
+        <p:spPr>
+          <a:xfrm>
+            <a:off x="1371600" y="685800"/>
+            <a:ext cx="9601200" cy="733425"/>
+          </a:xfrm>
+        </p:spPr>
+        <p:txBody>
+          <a:bodyPr/>
+          <a:lstStyle/>
+          <a:p>
+            <a:r>
+              <a:rPr lang="en-US" altLang="ko-KR" dirty="0">
+                <a:latin typeface="HY헤드라인M" panose="02030600000101010101" pitchFamily="18" charset="-127"/>
+                <a:ea typeface="HY헤드라인M" panose="02030600000101010101" pitchFamily="18" charset="-127"/>
+              </a:rPr>
+              <a:t>AWS </a:t>
+            </a:r>
+            <a:r>
+              <a:rPr lang="ko-KR" altLang="en-US" dirty="0">
+                <a:latin typeface="HY헤드라인M" panose="02030600000101010101" pitchFamily="18" charset="-127"/>
+                <a:ea typeface="HY헤드라인M" panose="02030600000101010101" pitchFamily="18" charset="-127"/>
+              </a:rPr>
+              <a:t>서버 설정</a:t>
+            </a:r>
+          </a:p>
+        </p:txBody>
+      </p:sp>
+      <p:sp>
+        <p:nvSpPr>
+          <p:cNvPr id="3" name="내용 개체 틀 2">
+            <a:extLst>
+              <a:ext uri="{FF2B5EF4-FFF2-40B4-BE49-F238E27FC236}">
+                <a16:creationId xmlns:a16="http://schemas.microsoft.com/office/drawing/2014/main" id="{F9069CD3-CC94-4163-8EC1-73D5A83C2F3B}"/>
+              </a:ext>
+            </a:extLst>
+          </p:cNvPr>
+          <p:cNvSpPr>
+            <a:spLocks noGrp="1"/>
+          </p:cNvSpPr>
+          <p:nvPr>
+            <p:ph idx="1"/>
+          </p:nvPr>
+        </p:nvSpPr>
+        <p:spPr>
+          <a:xfrm>
+            <a:off x="1371600" y="1695450"/>
             <a:ext cx="9601200" cy="4756150"/>
           </a:xfrm>
         </p:spPr>
@@ -4104,21 +4973,14 @@
                 <a:latin typeface="HY헤드라인M" panose="02030600000101010101" pitchFamily="18" charset="-127"/>
                 <a:ea typeface="HY헤드라인M" panose="02030600000101010101" pitchFamily="18" charset="-127"/>
               </a:rPr>
-              <a:t>git </a:t>
-            </a:r>
-            <a:r>
-              <a:rPr lang="ko-KR" altLang="en-US" spc="-150" dirty="0" err="1">
-                <a:latin typeface="HY헤드라인M" panose="02030600000101010101" pitchFamily="18" charset="-127"/>
-                <a:ea typeface="HY헤드라인M" panose="02030600000101010101" pitchFamily="18" charset="-127"/>
-              </a:rPr>
-              <a:t>리포지터리에서</a:t>
+              <a:t>git Repository</a:t>
             </a:r>
             <a:r>
               <a:rPr lang="ko-KR" altLang="en-US" spc="-150" dirty="0">
                 <a:latin typeface="HY헤드라인M" panose="02030600000101010101" pitchFamily="18" charset="-127"/>
                 <a:ea typeface="HY헤드라인M" panose="02030600000101010101" pitchFamily="18" charset="-127"/>
               </a:rPr>
-              <a:t> 다운로드</a:t>
+              <a:t>에서 다운로드</a:t>
             </a:r>
             <a:endParaRPr lang="en-US" altLang="ko-KR" spc="-150" dirty="0">
               <a:latin typeface="HY헤드라인M" panose="02030600000101010101" pitchFamily="18" charset="-127"/>
@@ -4226,17 +5088,39 @@
             </a:r>
             <a:r>
               <a:rPr lang="en-US" altLang="ko-KR" spc="-150" dirty="0">
-                <a:latin typeface="HY헤드라인M" panose="02030600000101010101" pitchFamily="18" charset="-127"/>
-                <a:ea typeface="HY헤드라인M" panose="02030600000101010101" pitchFamily="18" charset="-127"/>
-              </a:rPr>
-              <a:t>http://</a:t>
+                <a:solidFill>
+                  <a:schemeClr val="accent4">
+                    <a:lumMod val="75000"/>
+                  </a:schemeClr>
+                </a:solidFill>
+                <a:latin typeface="HY헤드라인M" panose="02030600000101010101" pitchFamily="18" charset="-127"/>
+                <a:ea typeface="HY헤드라인M" panose="02030600000101010101" pitchFamily="18" charset="-127"/>
+              </a:rPr>
+              <a:t>" http://</a:t>
             </a:r>
             <a:r>
               <a:rPr lang="ko-KR" altLang="en-US" spc="-150" dirty="0">
-                <a:latin typeface="HY헤드라인M" panose="02030600000101010101" pitchFamily="18" charset="-127"/>
-                <a:ea typeface="HY헤드라인M" panose="02030600000101010101" pitchFamily="18" charset="-127"/>
-              </a:rPr>
-              <a:t>도메인</a:t>
+                <a:solidFill>
+                  <a:schemeClr val="accent4">
+                    <a:lumMod val="75000"/>
+                  </a:schemeClr>
+                </a:solidFill>
+                <a:latin typeface="HY헤드라인M" panose="02030600000101010101" pitchFamily="18" charset="-127"/>
+                <a:ea typeface="HY헤드라인M" panose="02030600000101010101" pitchFamily="18" charset="-127"/>
+              </a:rPr>
+              <a:t>도메인 </a:t>
+            </a:r>
+            <a:r>
+              <a:rPr lang="en-US" altLang="ko-KR" spc="-150" dirty="0">
+                <a:solidFill>
+                  <a:schemeClr val="accent4">
+                    <a:lumMod val="75000"/>
+                  </a:schemeClr>
+                </a:solidFill>
+                <a:latin typeface="HY헤드라인M" panose="02030600000101010101" pitchFamily="18" charset="-127"/>
+                <a:ea typeface="HY헤드라인M" panose="02030600000101010101" pitchFamily="18" charset="-127"/>
+              </a:rPr>
+              <a:t>"</a:t>
             </a:r>
             <a:r>
               <a:rPr lang="en-US" altLang="ko-KR" spc="-150" dirty="0">
@@ -4652,42 +5536,12 @@
           </a:p>
         </p:txBody>
       </p:sp>
-    </p:spTree>
-    <p:extLst>
-      <p:ext uri="{BB962C8B-B14F-4D97-AF65-F5344CB8AC3E}">
-        <p14:creationId xmlns:p14="http://schemas.microsoft.com/office/powerpoint/2010/main" val="3665698582"/>
-      </p:ext>
-    </p:extLst>
-  </p:cSld>
-  <p:clrMapOvr>
-    <a:masterClrMapping/>
-  </p:clrMapOvr>
-</p:sld>
-</file>
-
-<file path=ppt/slides/slide11.xml><?xml version="1.0" encoding="utf-8"?>
-<p:sld xmlns:a="http://schemas.openxmlformats.org/drawingml/2006/main" xmlns:r="http://schemas.openxmlformats.org/officeDocument/2006/relationships" xmlns:p="http://schemas.openxmlformats.org/presentationml/2006/main">
-  <p:cSld>
-    <p:spTree>
-      <p:nvGrpSpPr>
-        <p:cNvPr id="1" name=""/>
-        <p:cNvGrpSpPr/>
-        <p:nvPr/>
-      </p:nvGrpSpPr>
-      <p:grpSpPr>
-        <a:xfrm>
-          <a:off x="0" y="0"/>
-          <a:ext cx="0" cy="0"/>
-          <a:chOff x="0" y="0"/>
-          <a:chExt cx="0" cy="0"/>
-        </a:xfrm>
-      </p:grpSpPr>
-      <p:sp>
-        <p:nvSpPr>
-          <p:cNvPr id="3" name="내용 개체 틀 2">
+      <p:sp>
+        <p:nvSpPr>
+          <p:cNvPr id="4" name="슬라이드 번호 개체 틀 3">
             <a:extLst>
               <a:ext uri="{FF2B5EF4-FFF2-40B4-BE49-F238E27FC236}">
-                <a16:creationId xmlns:a16="http://schemas.microsoft.com/office/drawing/2014/main" id="{F9069CD3-CC94-4163-8EC1-73D5A83C2F3B}"/>
+                <a16:creationId xmlns:a16="http://schemas.microsoft.com/office/drawing/2014/main" id="{B1E03117-0871-48E1-A07D-F50D80781682}"/>
               </a:ext>
             </a:extLst>
           </p:cNvPr>
@@ -4695,369 +5549,26 @@
             <a:spLocks noGrp="1"/>
           </p:cNvSpPr>
           <p:nvPr>
-            <p:ph idx="1"/>
+            <p:ph type="sldNum" sz="quarter" idx="12"/>
           </p:nvPr>
         </p:nvSpPr>
-        <p:spPr>
-          <a:xfrm>
-            <a:off x="1371600" y="1905000"/>
-            <a:ext cx="9601200" cy="3962400"/>
-          </a:xfrm>
-        </p:spPr>
+        <p:spPr/>
         <p:txBody>
           <a:bodyPr/>
           <a:lstStyle/>
           <a:p>
-            <a:r>
-              <a:rPr lang="ko-KR" altLang="en-US" b="1" dirty="0">
-                <a:latin typeface="HY헤드라인M" panose="02030600000101010101" pitchFamily="18" charset="-127"/>
-                <a:ea typeface="HY헤드라인M" panose="02030600000101010101" pitchFamily="18" charset="-127"/>
-              </a:rPr>
-              <a:t>포트 </a:t>
-            </a:r>
-            <a:r>
-              <a:rPr lang="en-US" altLang="ko-KR" b="1" dirty="0">
-                <a:latin typeface="HY헤드라인M" panose="02030600000101010101" pitchFamily="18" charset="-127"/>
-                <a:ea typeface="HY헤드라인M" panose="02030600000101010101" pitchFamily="18" charset="-127"/>
-              </a:rPr>
-              <a:t>80</a:t>
-            </a:r>
-            <a:r>
-              <a:rPr lang="ko-KR" altLang="en-US" b="1" dirty="0">
-                <a:latin typeface="HY헤드라인M" panose="02030600000101010101" pitchFamily="18" charset="-127"/>
-                <a:ea typeface="HY헤드라인M" panose="02030600000101010101" pitchFamily="18" charset="-127"/>
-              </a:rPr>
-              <a:t>의 요청을 </a:t>
-            </a:r>
-            <a:r>
-              <a:rPr lang="en-US" altLang="ko-KR" b="1" dirty="0" err="1">
-                <a:latin typeface="HY헤드라인M" panose="02030600000101010101" pitchFamily="18" charset="-127"/>
-                <a:ea typeface="HY헤드라인M" panose="02030600000101010101" pitchFamily="18" charset="-127"/>
-              </a:rPr>
-              <a:t>FastAPI</a:t>
-            </a:r>
-            <a:r>
-              <a:rPr lang="ko-KR" altLang="en-US" b="1" dirty="0">
-                <a:latin typeface="HY헤드라인M" panose="02030600000101010101" pitchFamily="18" charset="-127"/>
-                <a:ea typeface="HY헤드라인M" panose="02030600000101010101" pitchFamily="18" charset="-127"/>
-              </a:rPr>
-              <a:t>로 전달</a:t>
-            </a:r>
-          </a:p>
-        </p:txBody>
-      </p:sp>
-      <p:sp>
-        <p:nvSpPr>
-          <p:cNvPr id="4" name="제목 1">
-            <a:extLst>
-              <a:ext uri="{FF2B5EF4-FFF2-40B4-BE49-F238E27FC236}">
-                <a16:creationId xmlns:a16="http://schemas.microsoft.com/office/drawing/2014/main" id="{87A14FDC-E035-49B1-AF2C-7285EE5CC2FD}"/>
-              </a:ext>
-            </a:extLst>
-          </p:cNvPr>
-          <p:cNvSpPr>
-            <a:spLocks noGrp="1"/>
-          </p:cNvSpPr>
-          <p:nvPr>
-            <p:ph type="title"/>
-          </p:nvPr>
-        </p:nvSpPr>
-        <p:spPr>
-          <a:xfrm>
-            <a:off x="1371600" y="685800"/>
-            <a:ext cx="9601200" cy="1219200"/>
-          </a:xfrm>
-        </p:spPr>
-        <p:txBody>
-          <a:bodyPr>
-            <a:normAutofit/>
-          </a:bodyPr>
-          <a:lstStyle/>
-          <a:p>
-            <a:r>
-              <a:rPr lang="en-US" altLang="ko-KR" dirty="0">
-                <a:latin typeface="HY헤드라인M" panose="02030600000101010101" pitchFamily="18" charset="-127"/>
-                <a:ea typeface="HY헤드라인M" panose="02030600000101010101" pitchFamily="18" charset="-127"/>
-              </a:rPr>
-              <a:t>AWS </a:t>
-            </a:r>
-            <a:r>
-              <a:rPr lang="ko-KR" altLang="en-US" dirty="0">
-                <a:latin typeface="HY헤드라인M" panose="02030600000101010101" pitchFamily="18" charset="-127"/>
-                <a:ea typeface="HY헤드라인M" panose="02030600000101010101" pitchFamily="18" charset="-127"/>
-              </a:rPr>
-              <a:t>서버 설정</a:t>
-            </a:r>
-            <a:br>
-              <a:rPr lang="en-US" altLang="ko-KR" dirty="0">
-                <a:latin typeface="HY헤드라인M" panose="02030600000101010101" pitchFamily="18" charset="-127"/>
-                <a:ea typeface="HY헤드라인M" panose="02030600000101010101" pitchFamily="18" charset="-127"/>
-              </a:rPr>
-            </a:br>
-            <a:r>
-              <a:rPr kumimoji="0" lang="en-US" altLang="ko-KR" sz="3200" b="0" i="0" u="none" strike="noStrike" kern="1200" cap="none" spc="0" normalizeH="0" baseline="0" noProof="0" dirty="0">
-                <a:ln>
-                  <a:noFill/>
-                </a:ln>
-                <a:solidFill>
-                  <a:srgbClr val="191B0E"/>
-                </a:solidFill>
-                <a:effectLst/>
-                <a:uLnTx/>
-                <a:uFillTx/>
-                <a:latin typeface="HY헤드라인M" panose="02030600000101010101" pitchFamily="18" charset="-127"/>
-                <a:ea typeface="HY헤드라인M" panose="02030600000101010101" pitchFamily="18" charset="-127"/>
-                <a:cs typeface="+mj-cs"/>
-              </a:rPr>
-              <a:t> -</a:t>
-            </a:r>
-            <a:r>
-              <a:rPr lang="en-US" altLang="ko-KR" sz="3200" dirty="0">
-                <a:solidFill>
-                  <a:srgbClr val="191B0E"/>
-                </a:solidFill>
-                <a:latin typeface="HY헤드라인M" panose="02030600000101010101" pitchFamily="18" charset="-127"/>
-                <a:ea typeface="HY헤드라인M" panose="02030600000101010101" pitchFamily="18" charset="-127"/>
-              </a:rPr>
-              <a:t>Nginx </a:t>
-            </a:r>
-            <a:r>
-              <a:rPr lang="ko-KR" altLang="en-US" sz="3200" dirty="0">
-                <a:solidFill>
-                  <a:srgbClr val="191B0E"/>
-                </a:solidFill>
-                <a:latin typeface="HY헤드라인M" panose="02030600000101010101" pitchFamily="18" charset="-127"/>
-                <a:ea typeface="HY헤드라인M" panose="02030600000101010101" pitchFamily="18" charset="-127"/>
-              </a:rPr>
-              <a:t>설정</a:t>
-            </a:r>
-            <a:endParaRPr lang="ko-KR" altLang="en-US" dirty="0">
-              <a:latin typeface="HY헤드라인M" panose="02030600000101010101" pitchFamily="18" charset="-127"/>
-              <a:ea typeface="HY헤드라인M" panose="02030600000101010101" pitchFamily="18" charset="-127"/>
-            </a:endParaRPr>
-          </a:p>
-        </p:txBody>
-      </p:sp>
-      <p:sp>
-        <p:nvSpPr>
-          <p:cNvPr id="9" name="사각형: 둥근 모서리 8">
-            <a:extLst>
-              <a:ext uri="{FF2B5EF4-FFF2-40B4-BE49-F238E27FC236}">
-                <a16:creationId xmlns:a16="http://schemas.microsoft.com/office/drawing/2014/main" id="{0DE131F9-6507-4249-8917-2C87E4B5A975}"/>
-              </a:ext>
-            </a:extLst>
-          </p:cNvPr>
-          <p:cNvSpPr/>
-          <p:nvPr/>
-        </p:nvSpPr>
-        <p:spPr>
-          <a:xfrm>
-            <a:off x="1371600" y="2336801"/>
-            <a:ext cx="5207000" cy="381000"/>
-          </a:xfrm>
-          <a:prstGeom prst="roundRect">
-            <a:avLst>
-              <a:gd name="adj" fmla="val 27763"/>
-            </a:avLst>
-          </a:prstGeom>
-          <a:solidFill>
-            <a:srgbClr val="1D1B1A"/>
-          </a:solidFill>
-          <a:ln>
-            <a:noFill/>
-          </a:ln>
-        </p:spPr>
-        <p:style>
-          <a:lnRef idx="2">
-            <a:schemeClr val="accent1">
-              <a:shade val="50000"/>
-            </a:schemeClr>
-          </a:lnRef>
-          <a:fillRef idx="1">
-            <a:schemeClr val="accent1"/>
-          </a:fillRef>
-          <a:effectRef idx="0">
-            <a:schemeClr val="accent1"/>
-          </a:effectRef>
-          <a:fontRef idx="minor">
-            <a:schemeClr val="lt1"/>
-          </a:fontRef>
-        </p:style>
-        <p:txBody>
-          <a:bodyPr rtlCol="0" anchor="ctr"/>
-          <a:lstStyle/>
-          <a:p>
-            <a:r>
-              <a:rPr lang="fr-FR" altLang="ko-KR" sz="1400" spc="-80" dirty="0"/>
-              <a:t>sudo nano /etc/nginx/sites-available/fastapi</a:t>
-            </a:r>
-          </a:p>
-        </p:txBody>
-      </p:sp>
-      <p:sp>
-        <p:nvSpPr>
-          <p:cNvPr id="10" name="사각형: 둥근 모서리 9">
-            <a:extLst>
-              <a:ext uri="{FF2B5EF4-FFF2-40B4-BE49-F238E27FC236}">
-                <a16:creationId xmlns:a16="http://schemas.microsoft.com/office/drawing/2014/main" id="{B1158531-F529-44CE-AE3A-25AD7374BC73}"/>
-              </a:ext>
-            </a:extLst>
-          </p:cNvPr>
-          <p:cNvSpPr/>
-          <p:nvPr/>
-        </p:nvSpPr>
-        <p:spPr>
-          <a:xfrm>
-            <a:off x="1371600" y="2971802"/>
-            <a:ext cx="5207000" cy="3022598"/>
-          </a:xfrm>
-          <a:prstGeom prst="roundRect">
-            <a:avLst>
-              <a:gd name="adj" fmla="val 7763"/>
-            </a:avLst>
-          </a:prstGeom>
-          <a:solidFill>
-            <a:srgbClr val="1D1B1A"/>
-          </a:solidFill>
-          <a:ln>
-            <a:noFill/>
-          </a:ln>
-        </p:spPr>
-        <p:style>
-          <a:lnRef idx="2">
-            <a:schemeClr val="accent1">
-              <a:shade val="50000"/>
-            </a:schemeClr>
-          </a:lnRef>
-          <a:fillRef idx="1">
-            <a:schemeClr val="accent1"/>
-          </a:fillRef>
-          <a:effectRef idx="0">
-            <a:schemeClr val="accent1"/>
-          </a:effectRef>
-          <a:fontRef idx="minor">
-            <a:schemeClr val="lt1"/>
-          </a:fontRef>
-        </p:style>
-        <p:txBody>
-          <a:bodyPr rtlCol="0" anchor="ctr"/>
-          <a:lstStyle/>
-          <a:p>
-            <a:r>
-              <a:rPr lang="fr-FR" altLang="ko-KR" sz="1400" spc="-80" dirty="0"/>
-              <a:t>server {</a:t>
-            </a:r>
-          </a:p>
-          <a:p>
-            <a:r>
-              <a:rPr lang="fr-FR" altLang="ko-KR" sz="1400" spc="-80" dirty="0"/>
-              <a:t>    listen 80;					# </a:t>
-            </a:r>
-            <a:r>
-              <a:rPr lang="ko-KR" altLang="en-US" sz="1400" spc="-80" dirty="0"/>
-              <a:t>요청을 받을 포트</a:t>
-            </a:r>
-            <a:endParaRPr lang="fr-FR" altLang="ko-KR" sz="1400" spc="-80" dirty="0"/>
-          </a:p>
-          <a:p>
-            <a:r>
-              <a:rPr lang="fr-FR" altLang="ko-KR" sz="1400" spc="-80" dirty="0"/>
-              <a:t>    server_name  </a:t>
-            </a:r>
-            <a:r>
-              <a:rPr lang="fr-FR" altLang="ko-KR" sz="1400" spc="-80" dirty="0">
-                <a:solidFill>
-                  <a:schemeClr val="accent4">
-                    <a:lumMod val="75000"/>
-                  </a:schemeClr>
-                </a:solidFill>
-              </a:rPr>
-              <a:t>&lt;&lt;</a:t>
-            </a:r>
-            <a:r>
-              <a:rPr lang="ko-KR" altLang="en-US" sz="1400" spc="-80" dirty="0">
-                <a:solidFill>
-                  <a:schemeClr val="accent4">
-                    <a:lumMod val="75000"/>
-                  </a:schemeClr>
-                </a:solidFill>
-              </a:rPr>
-              <a:t>도메인 명</a:t>
-            </a:r>
-            <a:r>
-              <a:rPr lang="fr-FR" altLang="ko-KR" sz="1400" spc="-80" dirty="0">
-                <a:solidFill>
-                  <a:schemeClr val="accent4">
-                    <a:lumMod val="75000"/>
-                  </a:schemeClr>
-                </a:solidFill>
-              </a:rPr>
-              <a:t>&gt;&gt;</a:t>
-            </a:r>
-            <a:r>
-              <a:rPr lang="fr-FR" altLang="ko-KR" sz="1400" spc="-80" dirty="0"/>
-              <a:t>;</a:t>
-            </a:r>
-          </a:p>
-          <a:p>
-            <a:endParaRPr lang="fr-FR" altLang="ko-KR" sz="1400" spc="-80" dirty="0"/>
-          </a:p>
-          <a:p>
-            <a:r>
-              <a:rPr lang="fr-FR" altLang="ko-KR" sz="1400" spc="-80" dirty="0"/>
-              <a:t>    client_max_body_size 50M;		# </a:t>
-            </a:r>
-            <a:r>
-              <a:rPr lang="ko-KR" altLang="en-US" sz="1400" spc="-80" dirty="0"/>
-              <a:t>파일 전송 데이터 용량 한계</a:t>
-            </a:r>
-            <a:endParaRPr lang="fr-FR" altLang="ko-KR" sz="1400" spc="-80" dirty="0"/>
-          </a:p>
-          <a:p>
-            <a:endParaRPr lang="fr-FR" altLang="ko-KR" sz="1400" spc="-80" dirty="0"/>
-          </a:p>
-          <a:p>
-            <a:r>
-              <a:rPr lang="fr-FR" altLang="ko-KR" sz="1400" spc="-80" dirty="0"/>
-              <a:t>    location / {</a:t>
-            </a:r>
-          </a:p>
-          <a:p>
-            <a:r>
-              <a:rPr lang="fr-FR" altLang="ko-KR" sz="1400" spc="-80" dirty="0"/>
-              <a:t>        proxy_pass http://127.0.0.1:8000;</a:t>
-            </a:r>
-          </a:p>
-          <a:p>
-            <a:r>
-              <a:rPr lang="fr-FR" altLang="ko-KR" sz="1400" spc="-80" dirty="0"/>
-              <a:t>        proxy_set_header Host $host;</a:t>
-            </a:r>
-          </a:p>
-          <a:p>
-            <a:r>
-              <a:rPr lang="fr-FR" altLang="ko-KR" sz="1400" spc="-80" dirty="0"/>
-              <a:t>        proxy_set_header X-Real-IP $remote_addr;</a:t>
-            </a:r>
-          </a:p>
-          <a:p>
-            <a:r>
-              <a:rPr lang="fr-FR" altLang="ko-KR" sz="1400" spc="-80" dirty="0"/>
-              <a:t>    }</a:t>
-            </a:r>
-          </a:p>
-          <a:p>
-            <a:r>
-              <a:rPr lang="fr-FR" altLang="ko-KR" sz="1400" spc="-80" dirty="0"/>
-              <a:t>}</a:t>
-            </a:r>
+            <a:fld id="{69E57DC2-970A-4B3E-BB1C-7A09969E49DF}" type="slidenum">
+              <a:rPr lang="en-US" smtClean="0"/>
+              <a:t>11</a:t>
+            </a:fld>
+            <a:endParaRPr lang="en-US" dirty="0"/>
           </a:p>
         </p:txBody>
       </p:sp>
     </p:spTree>
     <p:extLst>
       <p:ext uri="{BB962C8B-B14F-4D97-AF65-F5344CB8AC3E}">
-        <p14:creationId xmlns:p14="http://schemas.microsoft.com/office/powerpoint/2010/main" val="2264106495"/>
+        <p14:creationId xmlns:p14="http://schemas.microsoft.com/office/powerpoint/2010/main" val="3665698582"/>
       </p:ext>
     </p:extLst>
   </p:cSld>
@@ -5115,7 +5626,35 @@
                 <a:latin typeface="HY헤드라인M" panose="02030600000101010101" pitchFamily="18" charset="-127"/>
                 <a:ea typeface="HY헤드라인M" panose="02030600000101010101" pitchFamily="18" charset="-127"/>
               </a:rPr>
-              <a:t>서비스 파일 생성</a:t>
+              <a:t>포트 </a:t>
+            </a:r>
+            <a:r>
+              <a:rPr lang="en-US" altLang="ko-KR" b="1" dirty="0">
+                <a:latin typeface="HY헤드라인M" panose="02030600000101010101" pitchFamily="18" charset="-127"/>
+                <a:ea typeface="HY헤드라인M" panose="02030600000101010101" pitchFamily="18" charset="-127"/>
+              </a:rPr>
+              <a:t>80</a:t>
+            </a:r>
+            <a:r>
+              <a:rPr lang="ko-KR" altLang="en-US" b="1" dirty="0">
+                <a:latin typeface="HY헤드라인M" panose="02030600000101010101" pitchFamily="18" charset="-127"/>
+                <a:ea typeface="HY헤드라인M" panose="02030600000101010101" pitchFamily="18" charset="-127"/>
+              </a:rPr>
+              <a:t>의 요청을 </a:t>
+            </a:r>
+            <a:r>
+              <a:rPr lang="en-US" altLang="ko-KR" b="1" dirty="0" err="1">
+                <a:latin typeface="HY헤드라인M" panose="02030600000101010101" pitchFamily="18" charset="-127"/>
+                <a:ea typeface="HY헤드라인M" panose="02030600000101010101" pitchFamily="18" charset="-127"/>
+              </a:rPr>
+              <a:t>FastAPI</a:t>
+            </a:r>
+            <a:r>
+              <a:rPr lang="ko-KR" altLang="en-US" b="1" dirty="0">
+                <a:latin typeface="HY헤드라인M" panose="02030600000101010101" pitchFamily="18" charset="-127"/>
+                <a:ea typeface="HY헤드라인M" panose="02030600000101010101" pitchFamily="18" charset="-127"/>
+              </a:rPr>
+              <a:t>로 전달</a:t>
             </a:r>
           </a:p>
         </p:txBody>
@@ -5186,16 +5725,6 @@
               <a:t> -</a:t>
             </a:r>
             <a:r>
-              <a:rPr lang="en-US" altLang="ko-KR" sz="3200" dirty="0" err="1">
-                <a:solidFill>
-                  <a:srgbClr val="191B0E"/>
-                </a:solidFill>
-                <a:latin typeface="HY헤드라인M" panose="02030600000101010101" pitchFamily="18" charset="-127"/>
-                <a:ea typeface="HY헤드라인M" panose="02030600000101010101" pitchFamily="18" charset="-127"/>
-              </a:rPr>
-              <a:t>systemctl</a:t>
-            </a:r>
-            <a:r>
               <a:rPr lang="en-US" altLang="ko-KR" sz="3200" dirty="0">
                 <a:solidFill>
                   <a:srgbClr val="191B0E"/>
@@ -5203,47 +5732,7 @@
                 <a:latin typeface="HY헤드라인M" panose="02030600000101010101" pitchFamily="18" charset="-127"/>
                 <a:ea typeface="HY헤드라인M" panose="02030600000101010101" pitchFamily="18" charset="-127"/>
               </a:rPr>
-              <a:t> </a:t>
-            </a:r>
-            <a:r>
-              <a:rPr lang="ko-KR" altLang="en-US" sz="3200" dirty="0">
-                <a:solidFill>
-                  <a:srgbClr val="191B0E"/>
-                </a:solidFill>
-                <a:latin typeface="HY헤드라인M" panose="02030600000101010101" pitchFamily="18" charset="-127"/>
-                <a:ea typeface="HY헤드라인M" panose="02030600000101010101" pitchFamily="18" charset="-127"/>
-              </a:rPr>
-              <a:t>자동 실행</a:t>
-            </a:r>
-            <a:r>
-              <a:rPr lang="en-US" altLang="ko-KR" sz="3200" dirty="0">
-                <a:solidFill>
-                  <a:srgbClr val="191B0E"/>
-                </a:solidFill>
-                <a:latin typeface="HY헤드라인M" panose="02030600000101010101" pitchFamily="18" charset="-127"/>
-                <a:ea typeface="HY헤드라인M" panose="02030600000101010101" pitchFamily="18" charset="-127"/>
-              </a:rPr>
-              <a:t>/</a:t>
-            </a:r>
-            <a:r>
-              <a:rPr lang="ko-KR" altLang="en-US" sz="3200" dirty="0">
-                <a:solidFill>
-                  <a:srgbClr val="191B0E"/>
-                </a:solidFill>
-                <a:latin typeface="HY헤드라인M" panose="02030600000101010101" pitchFamily="18" charset="-127"/>
-                <a:ea typeface="HY헤드라인M" panose="02030600000101010101" pitchFamily="18" charset="-127"/>
-              </a:rPr>
-              <a:t>백그라운드 실행</a:t>
-            </a:r>
-            <a:r>
-              <a:rPr lang="en-US" altLang="ko-KR" sz="3200" dirty="0">
-                <a:solidFill>
-                  <a:srgbClr val="191B0E"/>
-                </a:solidFill>
-                <a:latin typeface="HY헤드라인M" panose="02030600000101010101" pitchFamily="18" charset="-127"/>
-                <a:ea typeface="HY헤드라인M" panose="02030600000101010101" pitchFamily="18" charset="-127"/>
-              </a:rPr>
-              <a:t> </a:t>
+              <a:t>Nginx </a:t>
             </a:r>
             <a:r>
               <a:rPr lang="ko-KR" altLang="en-US" sz="3200" dirty="0">
@@ -5313,7 +5802,7 @@
           <a:p>
             <a:r>
               <a:rPr lang="fr-FR" altLang="ko-KR" sz="1400" spc="-80" dirty="0"/>
-              <a:t>sudo nano /etc/systemd/system/fastapi.service</a:t>
+              <a:t>sudo nano /etc/nginx/sites-available/fastapi</a:t>
             </a:r>
           </a:p>
         </p:txBody>
@@ -5369,6 +5858,459 @@
           <a:p>
             <a:r>
               <a:rPr lang="fr-FR" altLang="ko-KR" sz="1400" spc="-80" dirty="0"/>
+              <a:t>server {</a:t>
+            </a:r>
+          </a:p>
+          <a:p>
+            <a:r>
+              <a:rPr lang="fr-FR" altLang="ko-KR" sz="1400" spc="-80" dirty="0"/>
+              <a:t>    listen 80;					# </a:t>
+            </a:r>
+            <a:r>
+              <a:rPr lang="ko-KR" altLang="en-US" sz="1400" spc="-80" dirty="0"/>
+              <a:t>요청을 받을 포트</a:t>
+            </a:r>
+            <a:endParaRPr lang="fr-FR" altLang="ko-KR" sz="1400" spc="-80" dirty="0"/>
+          </a:p>
+          <a:p>
+            <a:r>
+              <a:rPr lang="fr-FR" altLang="ko-KR" sz="1400" spc="-80" dirty="0"/>
+              <a:t>    server_name  </a:t>
+            </a:r>
+            <a:r>
+              <a:rPr lang="fr-FR" altLang="ko-KR" sz="1400" spc="-80" dirty="0">
+                <a:solidFill>
+                  <a:schemeClr val="accent4">
+                    <a:lumMod val="75000"/>
+                  </a:schemeClr>
+                </a:solidFill>
+              </a:rPr>
+              <a:t>&lt;&lt;</a:t>
+            </a:r>
+            <a:r>
+              <a:rPr lang="ko-KR" altLang="en-US" sz="1400" spc="-80" dirty="0">
+                <a:solidFill>
+                  <a:schemeClr val="accent4">
+                    <a:lumMod val="75000"/>
+                  </a:schemeClr>
+                </a:solidFill>
+              </a:rPr>
+              <a:t>도메인 명</a:t>
+            </a:r>
+            <a:r>
+              <a:rPr lang="fr-FR" altLang="ko-KR" sz="1400" spc="-80" dirty="0">
+                <a:solidFill>
+                  <a:schemeClr val="accent4">
+                    <a:lumMod val="75000"/>
+                  </a:schemeClr>
+                </a:solidFill>
+              </a:rPr>
+              <a:t>&gt;&gt;</a:t>
+            </a:r>
+            <a:r>
+              <a:rPr lang="fr-FR" altLang="ko-KR" sz="1400" spc="-80" dirty="0"/>
+              <a:t>;</a:t>
+            </a:r>
+          </a:p>
+          <a:p>
+            <a:endParaRPr lang="fr-FR" altLang="ko-KR" sz="1400" spc="-80" dirty="0"/>
+          </a:p>
+          <a:p>
+            <a:r>
+              <a:rPr lang="fr-FR" altLang="ko-KR" sz="1400" spc="-80" dirty="0"/>
+              <a:t>    client_max_body_size 50M;		# </a:t>
+            </a:r>
+            <a:r>
+              <a:rPr lang="ko-KR" altLang="en-US" sz="1400" spc="-80" dirty="0"/>
+              <a:t>파일 전송 데이터 용량 한계</a:t>
+            </a:r>
+            <a:endParaRPr lang="fr-FR" altLang="ko-KR" sz="1400" spc="-80" dirty="0"/>
+          </a:p>
+          <a:p>
+            <a:endParaRPr lang="fr-FR" altLang="ko-KR" sz="1400" spc="-80" dirty="0"/>
+          </a:p>
+          <a:p>
+            <a:r>
+              <a:rPr lang="fr-FR" altLang="ko-KR" sz="1400" spc="-80" dirty="0"/>
+              <a:t>    location / {</a:t>
+            </a:r>
+          </a:p>
+          <a:p>
+            <a:r>
+              <a:rPr lang="fr-FR" altLang="ko-KR" sz="1400" spc="-80" dirty="0"/>
+              <a:t>        proxy_pass http://127.0.0.1:8000;</a:t>
+            </a:r>
+          </a:p>
+          <a:p>
+            <a:r>
+              <a:rPr lang="fr-FR" altLang="ko-KR" sz="1400" spc="-80" dirty="0"/>
+              <a:t>        proxy_set_header Host $host;</a:t>
+            </a:r>
+          </a:p>
+          <a:p>
+            <a:r>
+              <a:rPr lang="fr-FR" altLang="ko-KR" sz="1400" spc="-80" dirty="0"/>
+              <a:t>        proxy_set_header X-Real-IP $remote_addr;</a:t>
+            </a:r>
+          </a:p>
+          <a:p>
+            <a:r>
+              <a:rPr lang="fr-FR" altLang="ko-KR" sz="1400" spc="-80" dirty="0"/>
+              <a:t>    }</a:t>
+            </a:r>
+          </a:p>
+          <a:p>
+            <a:r>
+              <a:rPr lang="fr-FR" altLang="ko-KR" sz="1400" spc="-80" dirty="0"/>
+              <a:t>}</a:t>
+            </a:r>
+          </a:p>
+        </p:txBody>
+      </p:sp>
+      <p:sp>
+        <p:nvSpPr>
+          <p:cNvPr id="5" name="슬라이드 번호 개체 틀 4">
+            <a:extLst>
+              <a:ext uri="{FF2B5EF4-FFF2-40B4-BE49-F238E27FC236}">
+                <a16:creationId xmlns:a16="http://schemas.microsoft.com/office/drawing/2014/main" id="{E54552B8-EDBA-4F6D-B5C0-F8785E416F19}"/>
+              </a:ext>
+            </a:extLst>
+          </p:cNvPr>
+          <p:cNvSpPr>
+            <a:spLocks noGrp="1"/>
+          </p:cNvSpPr>
+          <p:nvPr>
+            <p:ph type="sldNum" sz="quarter" idx="12"/>
+          </p:nvPr>
+        </p:nvSpPr>
+        <p:spPr/>
+        <p:txBody>
+          <a:bodyPr/>
+          <a:lstStyle/>
+          <a:p>
+            <a:fld id="{69E57DC2-970A-4B3E-BB1C-7A09969E49DF}" type="slidenum">
+              <a:rPr lang="en-US" smtClean="0"/>
+              <a:t>12</a:t>
+            </a:fld>
+            <a:endParaRPr lang="en-US" dirty="0"/>
+          </a:p>
+        </p:txBody>
+      </p:sp>
+    </p:spTree>
+    <p:extLst>
+      <p:ext uri="{BB962C8B-B14F-4D97-AF65-F5344CB8AC3E}">
+        <p14:creationId xmlns:p14="http://schemas.microsoft.com/office/powerpoint/2010/main" val="2264106495"/>
+      </p:ext>
+    </p:extLst>
+  </p:cSld>
+  <p:clrMapOvr>
+    <a:masterClrMapping/>
+  </p:clrMapOvr>
+</p:sld>
+</file>
+
+<file path=ppt/slides/slide13.xml><?xml version="1.0" encoding="utf-8"?>
+<p:sld xmlns:a="http://schemas.openxmlformats.org/drawingml/2006/main" xmlns:r="http://schemas.openxmlformats.org/officeDocument/2006/relationships" xmlns:p="http://schemas.openxmlformats.org/presentationml/2006/main">
+  <p:cSld>
+    <p:spTree>
+      <p:nvGrpSpPr>
+        <p:cNvPr id="1" name=""/>
+        <p:cNvGrpSpPr/>
+        <p:nvPr/>
+      </p:nvGrpSpPr>
+      <p:grpSpPr>
+        <a:xfrm>
+          <a:off x="0" y="0"/>
+          <a:ext cx="0" cy="0"/>
+          <a:chOff x="0" y="0"/>
+          <a:chExt cx="0" cy="0"/>
+        </a:xfrm>
+      </p:grpSpPr>
+      <p:sp>
+        <p:nvSpPr>
+          <p:cNvPr id="3" name="내용 개체 틀 2">
+            <a:extLst>
+              <a:ext uri="{FF2B5EF4-FFF2-40B4-BE49-F238E27FC236}">
+                <a16:creationId xmlns:a16="http://schemas.microsoft.com/office/drawing/2014/main" id="{F9069CD3-CC94-4163-8EC1-73D5A83C2F3B}"/>
+              </a:ext>
+            </a:extLst>
+          </p:cNvPr>
+          <p:cNvSpPr>
+            <a:spLocks noGrp="1"/>
+          </p:cNvSpPr>
+          <p:nvPr>
+            <p:ph idx="1"/>
+          </p:nvPr>
+        </p:nvSpPr>
+        <p:spPr>
+          <a:xfrm>
+            <a:off x="1371600" y="1905000"/>
+            <a:ext cx="9601200" cy="3962400"/>
+          </a:xfrm>
+        </p:spPr>
+        <p:txBody>
+          <a:bodyPr/>
+          <a:lstStyle/>
+          <a:p>
+            <a:r>
+              <a:rPr lang="ko-KR" altLang="en-US" b="1" dirty="0">
+                <a:latin typeface="HY헤드라인M" panose="02030600000101010101" pitchFamily="18" charset="-127"/>
+                <a:ea typeface="HY헤드라인M" panose="02030600000101010101" pitchFamily="18" charset="-127"/>
+              </a:rPr>
+              <a:t>서비스 파일 생성</a:t>
+            </a:r>
+          </a:p>
+        </p:txBody>
+      </p:sp>
+      <p:sp>
+        <p:nvSpPr>
+          <p:cNvPr id="4" name="제목 1">
+            <a:extLst>
+              <a:ext uri="{FF2B5EF4-FFF2-40B4-BE49-F238E27FC236}">
+                <a16:creationId xmlns:a16="http://schemas.microsoft.com/office/drawing/2014/main" id="{87A14FDC-E035-49B1-AF2C-7285EE5CC2FD}"/>
+              </a:ext>
+            </a:extLst>
+          </p:cNvPr>
+          <p:cNvSpPr>
+            <a:spLocks noGrp="1"/>
+          </p:cNvSpPr>
+          <p:nvPr>
+            <p:ph type="title"/>
+          </p:nvPr>
+        </p:nvSpPr>
+        <p:spPr>
+          <a:xfrm>
+            <a:off x="1371600" y="685800"/>
+            <a:ext cx="9601200" cy="1219200"/>
+          </a:xfrm>
+        </p:spPr>
+        <p:txBody>
+          <a:bodyPr>
+            <a:normAutofit/>
+          </a:bodyPr>
+          <a:lstStyle/>
+          <a:p>
+            <a:r>
+              <a:rPr lang="en-US" altLang="ko-KR" dirty="0">
+                <a:latin typeface="HY헤드라인M" panose="02030600000101010101" pitchFamily="18" charset="-127"/>
+                <a:ea typeface="HY헤드라인M" panose="02030600000101010101" pitchFamily="18" charset="-127"/>
+              </a:rPr>
+              <a:t>AWS </a:t>
+            </a:r>
+            <a:r>
+              <a:rPr lang="ko-KR" altLang="en-US" dirty="0">
+                <a:latin typeface="HY헤드라인M" panose="02030600000101010101" pitchFamily="18" charset="-127"/>
+                <a:ea typeface="HY헤드라인M" panose="02030600000101010101" pitchFamily="18" charset="-127"/>
+              </a:rPr>
+              <a:t>서버 설정</a:t>
+            </a:r>
+            <a:br>
+              <a:rPr lang="en-US" altLang="ko-KR" dirty="0">
+                <a:latin typeface="HY헤드라인M" panose="02030600000101010101" pitchFamily="18" charset="-127"/>
+                <a:ea typeface="HY헤드라인M" panose="02030600000101010101" pitchFamily="18" charset="-127"/>
+              </a:rPr>
+            </a:br>
+            <a:r>
+              <a:rPr kumimoji="0" lang="en-US" altLang="ko-KR" sz="3200" b="0" i="0" u="none" strike="noStrike" kern="1200" cap="none" spc="0" normalizeH="0" baseline="0" noProof="0" dirty="0">
+                <a:ln>
+                  <a:noFill/>
+                </a:ln>
+                <a:solidFill>
+                  <a:srgbClr val="191B0E"/>
+                </a:solidFill>
+                <a:effectLst/>
+                <a:uLnTx/>
+                <a:uFillTx/>
+                <a:latin typeface="HY헤드라인M" panose="02030600000101010101" pitchFamily="18" charset="-127"/>
+                <a:ea typeface="HY헤드라인M" panose="02030600000101010101" pitchFamily="18" charset="-127"/>
+                <a:cs typeface="+mj-cs"/>
+              </a:rPr>
+              <a:t> -</a:t>
+            </a:r>
+            <a:r>
+              <a:rPr lang="en-US" altLang="ko-KR" sz="3200" dirty="0" err="1">
+                <a:solidFill>
+                  <a:srgbClr val="191B0E"/>
+                </a:solidFill>
+                <a:latin typeface="HY헤드라인M" panose="02030600000101010101" pitchFamily="18" charset="-127"/>
+                <a:ea typeface="HY헤드라인M" panose="02030600000101010101" pitchFamily="18" charset="-127"/>
+              </a:rPr>
+              <a:t>systemctl</a:t>
+            </a:r>
+            <a:r>
+              <a:rPr lang="en-US" altLang="ko-KR" sz="3200" dirty="0">
+                <a:solidFill>
+                  <a:srgbClr val="191B0E"/>
+                </a:solidFill>
+                <a:latin typeface="HY헤드라인M" panose="02030600000101010101" pitchFamily="18" charset="-127"/>
+                <a:ea typeface="HY헤드라인M" panose="02030600000101010101" pitchFamily="18" charset="-127"/>
+              </a:rPr>
+              <a:t> </a:t>
+            </a:r>
+            <a:r>
+              <a:rPr lang="ko-KR" altLang="en-US" sz="3200" dirty="0">
+                <a:solidFill>
+                  <a:srgbClr val="191B0E"/>
+                </a:solidFill>
+                <a:latin typeface="HY헤드라인M" panose="02030600000101010101" pitchFamily="18" charset="-127"/>
+                <a:ea typeface="HY헤드라인M" panose="02030600000101010101" pitchFamily="18" charset="-127"/>
+              </a:rPr>
+              <a:t>자동 실행</a:t>
+            </a:r>
+            <a:r>
+              <a:rPr lang="en-US" altLang="ko-KR" sz="3200" dirty="0">
+                <a:solidFill>
+                  <a:srgbClr val="191B0E"/>
+                </a:solidFill>
+                <a:latin typeface="HY헤드라인M" panose="02030600000101010101" pitchFamily="18" charset="-127"/>
+                <a:ea typeface="HY헤드라인M" panose="02030600000101010101" pitchFamily="18" charset="-127"/>
+              </a:rPr>
+              <a:t>/</a:t>
+            </a:r>
+            <a:r>
+              <a:rPr lang="ko-KR" altLang="en-US" sz="3200" dirty="0">
+                <a:solidFill>
+                  <a:srgbClr val="191B0E"/>
+                </a:solidFill>
+                <a:latin typeface="HY헤드라인M" panose="02030600000101010101" pitchFamily="18" charset="-127"/>
+                <a:ea typeface="HY헤드라인M" panose="02030600000101010101" pitchFamily="18" charset="-127"/>
+              </a:rPr>
+              <a:t>백그라운드 실행</a:t>
+            </a:r>
+            <a:r>
+              <a:rPr lang="en-US" altLang="ko-KR" sz="3200" dirty="0">
+                <a:solidFill>
+                  <a:srgbClr val="191B0E"/>
+                </a:solidFill>
+                <a:latin typeface="HY헤드라인M" panose="02030600000101010101" pitchFamily="18" charset="-127"/>
+                <a:ea typeface="HY헤드라인M" panose="02030600000101010101" pitchFamily="18" charset="-127"/>
+              </a:rPr>
+              <a:t> </a:t>
+            </a:r>
+            <a:r>
+              <a:rPr lang="ko-KR" altLang="en-US" sz="3200" dirty="0">
+                <a:solidFill>
+                  <a:srgbClr val="191B0E"/>
+                </a:solidFill>
+                <a:latin typeface="HY헤드라인M" panose="02030600000101010101" pitchFamily="18" charset="-127"/>
+                <a:ea typeface="HY헤드라인M" panose="02030600000101010101" pitchFamily="18" charset="-127"/>
+              </a:rPr>
+              <a:t>설정</a:t>
+            </a:r>
+            <a:endParaRPr lang="ko-KR" altLang="en-US" dirty="0">
+              <a:latin typeface="HY헤드라인M" panose="02030600000101010101" pitchFamily="18" charset="-127"/>
+              <a:ea typeface="HY헤드라인M" panose="02030600000101010101" pitchFamily="18" charset="-127"/>
+            </a:endParaRPr>
+          </a:p>
+        </p:txBody>
+      </p:sp>
+      <p:sp>
+        <p:nvSpPr>
+          <p:cNvPr id="9" name="사각형: 둥근 모서리 8">
+            <a:extLst>
+              <a:ext uri="{FF2B5EF4-FFF2-40B4-BE49-F238E27FC236}">
+                <a16:creationId xmlns:a16="http://schemas.microsoft.com/office/drawing/2014/main" id="{0DE131F9-6507-4249-8917-2C87E4B5A975}"/>
+              </a:ext>
+            </a:extLst>
+          </p:cNvPr>
+          <p:cNvSpPr/>
+          <p:nvPr/>
+        </p:nvSpPr>
+        <p:spPr>
+          <a:xfrm>
+            <a:off x="1371600" y="2336801"/>
+            <a:ext cx="8547100" cy="381000"/>
+          </a:xfrm>
+          <a:prstGeom prst="roundRect">
+            <a:avLst>
+              <a:gd name="adj" fmla="val 27763"/>
+            </a:avLst>
+          </a:prstGeom>
+          <a:solidFill>
+            <a:srgbClr val="1D1B1A"/>
+          </a:solidFill>
+          <a:ln>
+            <a:noFill/>
+          </a:ln>
+        </p:spPr>
+        <p:style>
+          <a:lnRef idx="2">
+            <a:schemeClr val="accent1">
+              <a:shade val="50000"/>
+            </a:schemeClr>
+          </a:lnRef>
+          <a:fillRef idx="1">
+            <a:schemeClr val="accent1"/>
+          </a:fillRef>
+          <a:effectRef idx="0">
+            <a:schemeClr val="accent1"/>
+          </a:effectRef>
+          <a:fontRef idx="minor">
+            <a:schemeClr val="lt1"/>
+          </a:fontRef>
+        </p:style>
+        <p:txBody>
+          <a:bodyPr rtlCol="0" anchor="ctr"/>
+          <a:lstStyle/>
+          <a:p>
+            <a:r>
+              <a:rPr lang="fr-FR" altLang="ko-KR" sz="1400" spc="-80" dirty="0"/>
+              <a:t>sudo nano /etc/systemd/system/fastapi.service</a:t>
+            </a:r>
+          </a:p>
+        </p:txBody>
+      </p:sp>
+      <p:sp>
+        <p:nvSpPr>
+          <p:cNvPr id="10" name="사각형: 둥근 모서리 9">
+            <a:extLst>
+              <a:ext uri="{FF2B5EF4-FFF2-40B4-BE49-F238E27FC236}">
+                <a16:creationId xmlns:a16="http://schemas.microsoft.com/office/drawing/2014/main" id="{B1158531-F529-44CE-AE3A-25AD7374BC73}"/>
+              </a:ext>
+            </a:extLst>
+          </p:cNvPr>
+          <p:cNvSpPr/>
+          <p:nvPr/>
+        </p:nvSpPr>
+        <p:spPr>
+          <a:xfrm>
+            <a:off x="1371600" y="2971802"/>
+            <a:ext cx="8547100" cy="3022598"/>
+          </a:xfrm>
+          <a:prstGeom prst="roundRect">
+            <a:avLst>
+              <a:gd name="adj" fmla="val 7763"/>
+            </a:avLst>
+          </a:prstGeom>
+          <a:solidFill>
+            <a:srgbClr val="1D1B1A"/>
+          </a:solidFill>
+          <a:ln>
+            <a:noFill/>
+          </a:ln>
+        </p:spPr>
+        <p:style>
+          <a:lnRef idx="2">
+            <a:schemeClr val="accent1">
+              <a:shade val="50000"/>
+            </a:schemeClr>
+          </a:lnRef>
+          <a:fillRef idx="1">
+            <a:schemeClr val="accent1"/>
+          </a:fillRef>
+          <a:effectRef idx="0">
+            <a:schemeClr val="accent1"/>
+          </a:effectRef>
+          <a:fontRef idx="minor">
+            <a:schemeClr val="lt1"/>
+          </a:fontRef>
+        </p:style>
+        <p:txBody>
+          <a:bodyPr rtlCol="0" anchor="ctr"/>
+          <a:lstStyle/>
+          <a:p>
+            <a:r>
+              <a:rPr lang="fr-FR" altLang="ko-KR" sz="1400" spc="-80" dirty="0"/>
               <a:t>[Unit]</a:t>
             </a:r>
           </a:p>
@@ -5460,6 +6402,35 @@
               <a:rPr lang="fr-FR" altLang="ko-KR" sz="1400" spc="-80" dirty="0"/>
               <a:t>WantedBy=multi-user.target</a:t>
             </a:r>
+          </a:p>
+        </p:txBody>
+      </p:sp>
+      <p:sp>
+        <p:nvSpPr>
+          <p:cNvPr id="2" name="슬라이드 번호 개체 틀 1">
+            <a:extLst>
+              <a:ext uri="{FF2B5EF4-FFF2-40B4-BE49-F238E27FC236}">
+                <a16:creationId xmlns:a16="http://schemas.microsoft.com/office/drawing/2014/main" id="{63B19416-2CEA-445A-9BEE-1B3873C8D1DA}"/>
+              </a:ext>
+            </a:extLst>
+          </p:cNvPr>
+          <p:cNvSpPr>
+            <a:spLocks noGrp="1"/>
+          </p:cNvSpPr>
+          <p:nvPr>
+            <p:ph type="sldNum" sz="quarter" idx="12"/>
+          </p:nvPr>
+        </p:nvSpPr>
+        <p:spPr/>
+        <p:txBody>
+          <a:bodyPr/>
+          <a:lstStyle/>
+          <a:p>
+            <a:fld id="{69E57DC2-970A-4B3E-BB1C-7A09969E49DF}" type="slidenum">
+              <a:rPr lang="en-US" smtClean="0"/>
+              <a:t>13</a:t>
+            </a:fld>
+            <a:endParaRPr lang="en-US" dirty="0"/>
           </a:p>
         </p:txBody>
       </p:sp>
@@ -5476,7 +6447,7 @@
 </p:sld>
 </file>
 
-<file path=ppt/slides/slide13.xml><?xml version="1.0" encoding="utf-8"?>
+<file path=ppt/slides/slide14.xml><?xml version="1.0" encoding="utf-8"?>
 <p:sld xmlns:a="http://schemas.openxmlformats.org/drawingml/2006/main" xmlns:r="http://schemas.openxmlformats.org/officeDocument/2006/relationships" xmlns:p="http://schemas.openxmlformats.org/presentationml/2006/main">
   <p:cSld>
     <p:spTree>
@@ -5907,6 +6878,35 @@
           </a:fontRef>
         </p:style>
       </p:cxnSp>
+      <p:sp>
+        <p:nvSpPr>
+          <p:cNvPr id="4" name="슬라이드 번호 개체 틀 3">
+            <a:extLst>
+              <a:ext uri="{FF2B5EF4-FFF2-40B4-BE49-F238E27FC236}">
+                <a16:creationId xmlns:a16="http://schemas.microsoft.com/office/drawing/2014/main" id="{B94805FB-F6B7-4E23-865D-C8464AC1D3C5}"/>
+              </a:ext>
+            </a:extLst>
+          </p:cNvPr>
+          <p:cNvSpPr>
+            <a:spLocks noGrp="1"/>
+          </p:cNvSpPr>
+          <p:nvPr>
+            <p:ph type="sldNum" sz="quarter" idx="12"/>
+          </p:nvPr>
+        </p:nvSpPr>
+        <p:spPr/>
+        <p:txBody>
+          <a:bodyPr/>
+          <a:lstStyle/>
+          <a:p>
+            <a:fld id="{69E57DC2-970A-4B3E-BB1C-7A09969E49DF}" type="slidenum">
+              <a:rPr lang="en-US" smtClean="0"/>
+              <a:t>14</a:t>
+            </a:fld>
+            <a:endParaRPr lang="en-US" dirty="0"/>
+          </a:p>
+        </p:txBody>
+      </p:sp>
     </p:spTree>
     <p:extLst>
       <p:ext uri="{BB962C8B-B14F-4D97-AF65-F5344CB8AC3E}">
@@ -5920,7 +6920,7 @@
 </p:sld>
 </file>
 
-<file path=ppt/slides/slide14.xml><?xml version="1.0" encoding="utf-8"?>
+<file path=ppt/slides/slide15.xml><?xml version="1.0" encoding="utf-8"?>
 <p:sld xmlns:a="http://schemas.openxmlformats.org/drawingml/2006/main" xmlns:r="http://schemas.openxmlformats.org/officeDocument/2006/relationships" xmlns:p="http://schemas.openxmlformats.org/presentationml/2006/main">
   <p:cSld>
     <p:spTree>
@@ -6128,42 +7128,12 @@
           </a:effectLst>
         </p:spPr>
       </p:pic>
-    </p:spTree>
-    <p:extLst>
-      <p:ext uri="{BB962C8B-B14F-4D97-AF65-F5344CB8AC3E}">
-        <p14:creationId xmlns:p14="http://schemas.microsoft.com/office/powerpoint/2010/main" val="295774260"/>
-      </p:ext>
-    </p:extLst>
-  </p:cSld>
-  <p:clrMapOvr>
-    <a:masterClrMapping/>
-  </p:clrMapOvr>
-</p:sld>
-</file>
-
-<file path=ppt/slides/slide15.xml><?xml version="1.0" encoding="utf-8"?>
-<p:sld xmlns:a="http://schemas.openxmlformats.org/drawingml/2006/main" xmlns:r="http://schemas.openxmlformats.org/officeDocument/2006/relationships" xmlns:p="http://schemas.openxmlformats.org/presentationml/2006/main">
-  <p:cSld>
-    <p:spTree>
-      <p:nvGrpSpPr>
-        <p:cNvPr id="1" name=""/>
-        <p:cNvGrpSpPr/>
-        <p:nvPr/>
-      </p:nvGrpSpPr>
-      <p:grpSpPr>
-        <a:xfrm>
-          <a:off x="0" y="0"/>
-          <a:ext cx="0" cy="0"/>
-          <a:chOff x="0" y="0"/>
-          <a:chExt cx="0" cy="0"/>
-        </a:xfrm>
-      </p:grpSpPr>
-      <p:sp>
-        <p:nvSpPr>
-          <p:cNvPr id="2" name="제목 1">
+      <p:sp>
+        <p:nvSpPr>
+          <p:cNvPr id="5" name="슬라이드 번호 개체 틀 4">
             <a:extLst>
               <a:ext uri="{FF2B5EF4-FFF2-40B4-BE49-F238E27FC236}">
-                <a16:creationId xmlns:a16="http://schemas.microsoft.com/office/drawing/2014/main" id="{CB70AB93-263B-413B-9CE0-70DF5F333A6B}"/>
+                <a16:creationId xmlns:a16="http://schemas.microsoft.com/office/drawing/2014/main" id="{FC1ACA9A-7D72-44DA-ACFD-2B420F3848DD}"/>
               </a:ext>
             </a:extLst>
           </p:cNvPr>
@@ -6171,160 +7141,26 @@
             <a:spLocks noGrp="1"/>
           </p:cNvSpPr>
           <p:nvPr>
-            <p:ph type="title"/>
+            <p:ph type="sldNum" sz="quarter" idx="12"/>
           </p:nvPr>
         </p:nvSpPr>
-        <p:spPr>
-          <a:xfrm>
-            <a:off x="1371600" y="685800"/>
-            <a:ext cx="9601200" cy="733425"/>
-          </a:xfrm>
-        </p:spPr>
+        <p:spPr/>
         <p:txBody>
           <a:bodyPr/>
           <a:lstStyle/>
           <a:p>
-            <a:r>
-              <a:rPr lang="ko-KR" altLang="en-US" dirty="0">
-                <a:latin typeface="HY헤드라인M" panose="02030600000101010101" pitchFamily="18" charset="-127"/>
-                <a:ea typeface="HY헤드라인M" panose="02030600000101010101" pitchFamily="18" charset="-127"/>
-              </a:rPr>
-              <a:t>개선 가능 사항</a:t>
-            </a:r>
-          </a:p>
-        </p:txBody>
-      </p:sp>
-      <p:sp>
-        <p:nvSpPr>
-          <p:cNvPr id="3" name="내용 개체 틀 2">
-            <a:extLst>
-              <a:ext uri="{FF2B5EF4-FFF2-40B4-BE49-F238E27FC236}">
-                <a16:creationId xmlns:a16="http://schemas.microsoft.com/office/drawing/2014/main" id="{F9069CD3-CC94-4163-8EC1-73D5A83C2F3B}"/>
-              </a:ext>
-            </a:extLst>
-          </p:cNvPr>
-          <p:cNvSpPr>
-            <a:spLocks noGrp="1"/>
-          </p:cNvSpPr>
-          <p:nvPr>
-            <p:ph idx="1"/>
-          </p:nvPr>
-        </p:nvSpPr>
-        <p:spPr>
-          <a:xfrm>
-            <a:off x="1371600" y="1695450"/>
-            <a:ext cx="9601200" cy="4171950"/>
-          </a:xfrm>
-        </p:spPr>
-        <p:txBody>
-          <a:bodyPr/>
-          <a:lstStyle/>
-          <a:p>
-            <a:pPr>
-              <a:lnSpc>
-                <a:spcPct val="150000"/>
-              </a:lnSpc>
-            </a:pPr>
-            <a:r>
-              <a:rPr lang="ko-KR" altLang="en-US" dirty="0">
-                <a:latin typeface="HY헤드라인M" panose="02030600000101010101" pitchFamily="18" charset="-127"/>
-                <a:ea typeface="HY헤드라인M" panose="02030600000101010101" pitchFamily="18" charset="-127"/>
-              </a:rPr>
-              <a:t>양질의 데이터 수집으로 인식 정확도 향상</a:t>
-            </a:r>
-            <a:endParaRPr lang="en-US" altLang="ko-KR" dirty="0">
-              <a:latin typeface="HY헤드라인M" panose="02030600000101010101" pitchFamily="18" charset="-127"/>
-              <a:ea typeface="HY헤드라인M" panose="02030600000101010101" pitchFamily="18" charset="-127"/>
-            </a:endParaRPr>
-          </a:p>
-          <a:p>
-            <a:pPr lvl="1">
-              <a:lnSpc>
-                <a:spcPct val="150000"/>
-              </a:lnSpc>
-            </a:pPr>
-            <a:r>
-              <a:rPr lang="ko-KR" altLang="en-US" i="0" dirty="0">
-                <a:latin typeface="HY헤드라인M" panose="02030600000101010101" pitchFamily="18" charset="-127"/>
-                <a:ea typeface="HY헤드라인M" panose="02030600000101010101" pitchFamily="18" charset="-127"/>
-              </a:rPr>
-              <a:t>동전 데이터의 경우 숫자가 분별이 가능할 정도의 화질 데이터를 수집</a:t>
-            </a:r>
-            <a:endParaRPr lang="en-US" altLang="ko-KR" i="0" dirty="0">
-              <a:latin typeface="HY헤드라인M" panose="02030600000101010101" pitchFamily="18" charset="-127"/>
-              <a:ea typeface="HY헤드라인M" panose="02030600000101010101" pitchFamily="18" charset="-127"/>
-            </a:endParaRPr>
-          </a:p>
-          <a:p>
-            <a:pPr lvl="1">
-              <a:lnSpc>
-                <a:spcPct val="150000"/>
-              </a:lnSpc>
-            </a:pPr>
-            <a:r>
-              <a:rPr lang="ko-KR" altLang="en-US" i="0" dirty="0">
-                <a:latin typeface="HY헤드라인M" panose="02030600000101010101" pitchFamily="18" charset="-127"/>
-                <a:ea typeface="HY헤드라인M" panose="02030600000101010101" pitchFamily="18" charset="-127"/>
-              </a:rPr>
-              <a:t>다양한 빛 반사 환경의 데이터 수집</a:t>
-            </a:r>
-            <a:endParaRPr lang="en-US" altLang="ko-KR" i="0" dirty="0">
-              <a:latin typeface="HY헤드라인M" panose="02030600000101010101" pitchFamily="18" charset="-127"/>
-              <a:ea typeface="HY헤드라인M" panose="02030600000101010101" pitchFamily="18" charset="-127"/>
-            </a:endParaRPr>
-          </a:p>
-          <a:p>
-            <a:pPr>
-              <a:lnSpc>
-                <a:spcPct val="150000"/>
-              </a:lnSpc>
-            </a:pPr>
-            <a:r>
-              <a:rPr lang="ko-KR" altLang="en-US" dirty="0">
-                <a:latin typeface="HY헤드라인M" panose="02030600000101010101" pitchFamily="18" charset="-127"/>
-                <a:ea typeface="HY헤드라인M" panose="02030600000101010101" pitchFamily="18" charset="-127"/>
-              </a:rPr>
-              <a:t>실시간 카메라 영상 전송기능 추가</a:t>
-            </a:r>
-            <a:endParaRPr lang="en-US" altLang="ko-KR" dirty="0">
-              <a:latin typeface="HY헤드라인M" panose="02030600000101010101" pitchFamily="18" charset="-127"/>
-              <a:ea typeface="HY헤드라인M" panose="02030600000101010101" pitchFamily="18" charset="-127"/>
-            </a:endParaRPr>
-          </a:p>
-          <a:p>
-            <a:pPr lvl="1">
-              <a:lnSpc>
-                <a:spcPct val="150000"/>
-              </a:lnSpc>
-            </a:pPr>
-            <a:r>
-              <a:rPr lang="ko-KR" altLang="en-US" i="0" dirty="0">
-                <a:latin typeface="HY헤드라인M" panose="02030600000101010101" pitchFamily="18" charset="-127"/>
-                <a:ea typeface="HY헤드라인M" panose="02030600000101010101" pitchFamily="18" charset="-127"/>
-              </a:rPr>
-              <a:t>실시간 영상의 경우 사진에 비해 반응이 빠르기 때문에 화각으로 인해 인식이 안 </a:t>
-            </a:r>
-            <a:r>
-              <a:rPr lang="ko-KR" altLang="en-US" i="0" dirty="0" err="1">
-                <a:latin typeface="HY헤드라인M" panose="02030600000101010101" pitchFamily="18" charset="-127"/>
-                <a:ea typeface="HY헤드라인M" panose="02030600000101010101" pitchFamily="18" charset="-127"/>
-              </a:rPr>
-              <a:t>되었어도</a:t>
-            </a:r>
-            <a:r>
-              <a:rPr lang="ko-KR" altLang="en-US" i="0" dirty="0">
-                <a:latin typeface="HY헤드라인M" panose="02030600000101010101" pitchFamily="18" charset="-127"/>
-                <a:ea typeface="HY헤드라인M" panose="02030600000101010101" pitchFamily="18" charset="-127"/>
-              </a:rPr>
-              <a:t> 조정이 수월하다</a:t>
-            </a:r>
+            <a:fld id="{69E57DC2-970A-4B3E-BB1C-7A09969E49DF}" type="slidenum">
+              <a:rPr lang="en-US" smtClean="0"/>
+              <a:t>15</a:t>
+            </a:fld>
+            <a:endParaRPr lang="en-US" dirty="0"/>
           </a:p>
         </p:txBody>
       </p:sp>
     </p:spTree>
     <p:extLst>
       <p:ext uri="{BB962C8B-B14F-4D97-AF65-F5344CB8AC3E}">
-        <p14:creationId xmlns:p14="http://schemas.microsoft.com/office/powerpoint/2010/main" val="556572912"/>
+        <p14:creationId xmlns:p14="http://schemas.microsoft.com/office/powerpoint/2010/main" val="295774260"/>
       </p:ext>
     </p:extLst>
   </p:cSld>
@@ -6382,7 +7218,7 @@
                 <a:latin typeface="HY헤드라인M" panose="02030600000101010101" pitchFamily="18" charset="-127"/>
                 <a:ea typeface="HY헤드라인M" panose="02030600000101010101" pitchFamily="18" charset="-127"/>
               </a:rPr>
-              <a:t>전체 코드</a:t>
+              <a:t>개선 가능 사항</a:t>
             </a:r>
           </a:p>
         </p:txBody>
@@ -6413,19 +7249,270 @@
           <a:bodyPr/>
           <a:lstStyle/>
           <a:p>
-            <a:pPr lvl="1"/>
-            <a:r>
-              <a:rPr lang="en-US" altLang="ko-KR" i="0" dirty="0">
-                <a:latin typeface="HY헤드라인M" panose="02030600000101010101" pitchFamily="18" charset="-127"/>
-                <a:ea typeface="HY헤드라인M" panose="02030600000101010101" pitchFamily="18" charset="-127"/>
-                <a:hlinkClick r:id="rId2"/>
-              </a:rPr>
-              <a:t>https://github.com/sj84900/koreanCashCounter.git</a:t>
+            <a:pPr>
+              <a:lnSpc>
+                <a:spcPct val="150000"/>
+              </a:lnSpc>
+            </a:pPr>
+            <a:r>
+              <a:rPr lang="ko-KR" altLang="en-US" dirty="0">
+                <a:latin typeface="HY헤드라인M" panose="02030600000101010101" pitchFamily="18" charset="-127"/>
+                <a:ea typeface="HY헤드라인M" panose="02030600000101010101" pitchFamily="18" charset="-127"/>
+              </a:rPr>
+              <a:t>양질의 데이터 수집으로 인식 정확도 향상</a:t>
+            </a:r>
+            <a:endParaRPr lang="en-US" altLang="ko-KR" dirty="0">
+              <a:latin typeface="HY헤드라인M" panose="02030600000101010101" pitchFamily="18" charset="-127"/>
+              <a:ea typeface="HY헤드라인M" panose="02030600000101010101" pitchFamily="18" charset="-127"/>
+            </a:endParaRPr>
+          </a:p>
+          <a:p>
+            <a:pPr lvl="1">
+              <a:lnSpc>
+                <a:spcPct val="150000"/>
+              </a:lnSpc>
+            </a:pPr>
+            <a:r>
+              <a:rPr lang="ko-KR" altLang="en-US" i="0" dirty="0">
+                <a:latin typeface="HY헤드라인M" panose="02030600000101010101" pitchFamily="18" charset="-127"/>
+                <a:ea typeface="HY헤드라인M" panose="02030600000101010101" pitchFamily="18" charset="-127"/>
+              </a:rPr>
+              <a:t>동전 데이터의 경우 숫자가 분별이 가능할 정도의 화질 데이터를 수집</a:t>
             </a:r>
             <a:endParaRPr lang="en-US" altLang="ko-KR" i="0" dirty="0">
               <a:latin typeface="HY헤드라인M" panose="02030600000101010101" pitchFamily="18" charset="-127"/>
               <a:ea typeface="HY헤드라인M" panose="02030600000101010101" pitchFamily="18" charset="-127"/>
             </a:endParaRPr>
+          </a:p>
+          <a:p>
+            <a:pPr lvl="1">
+              <a:lnSpc>
+                <a:spcPct val="150000"/>
+              </a:lnSpc>
+            </a:pPr>
+            <a:r>
+              <a:rPr lang="ko-KR" altLang="en-US" i="0" dirty="0">
+                <a:latin typeface="HY헤드라인M" panose="02030600000101010101" pitchFamily="18" charset="-127"/>
+                <a:ea typeface="HY헤드라인M" panose="02030600000101010101" pitchFamily="18" charset="-127"/>
+              </a:rPr>
+              <a:t>다양한 빛 반사 환경의 데이터 수집</a:t>
+            </a:r>
+            <a:endParaRPr lang="en-US" altLang="ko-KR" i="0" dirty="0">
+              <a:latin typeface="HY헤드라인M" panose="02030600000101010101" pitchFamily="18" charset="-127"/>
+              <a:ea typeface="HY헤드라인M" panose="02030600000101010101" pitchFamily="18" charset="-127"/>
+            </a:endParaRPr>
+          </a:p>
+          <a:p>
+            <a:pPr>
+              <a:lnSpc>
+                <a:spcPct val="150000"/>
+              </a:lnSpc>
+            </a:pPr>
+            <a:r>
+              <a:rPr lang="ko-KR" altLang="en-US" dirty="0">
+                <a:latin typeface="HY헤드라인M" panose="02030600000101010101" pitchFamily="18" charset="-127"/>
+                <a:ea typeface="HY헤드라인M" panose="02030600000101010101" pitchFamily="18" charset="-127"/>
+              </a:rPr>
+              <a:t>실시간 카메라 영상 전송기능 추가</a:t>
+            </a:r>
+            <a:endParaRPr lang="en-US" altLang="ko-KR" dirty="0">
+              <a:latin typeface="HY헤드라인M" panose="02030600000101010101" pitchFamily="18" charset="-127"/>
+              <a:ea typeface="HY헤드라인M" panose="02030600000101010101" pitchFamily="18" charset="-127"/>
+            </a:endParaRPr>
+          </a:p>
+          <a:p>
+            <a:pPr lvl="1">
+              <a:lnSpc>
+                <a:spcPct val="150000"/>
+              </a:lnSpc>
+            </a:pPr>
+            <a:r>
+              <a:rPr lang="ko-KR" altLang="en-US" i="0" dirty="0">
+                <a:latin typeface="HY헤드라인M" panose="02030600000101010101" pitchFamily="18" charset="-127"/>
+                <a:ea typeface="HY헤드라인M" panose="02030600000101010101" pitchFamily="18" charset="-127"/>
+              </a:rPr>
+              <a:t>실시간 영상의 경우 사진에 비해 반응이 빠르기 때문에 화각으로 인해 인식이 안 </a:t>
+            </a:r>
+            <a:r>
+              <a:rPr lang="ko-KR" altLang="en-US" i="0" dirty="0" err="1">
+                <a:latin typeface="HY헤드라인M" panose="02030600000101010101" pitchFamily="18" charset="-127"/>
+                <a:ea typeface="HY헤드라인M" panose="02030600000101010101" pitchFamily="18" charset="-127"/>
+              </a:rPr>
+              <a:t>됐어도</a:t>
+            </a:r>
+            <a:r>
+              <a:rPr lang="ko-KR" altLang="en-US" i="0" dirty="0">
+                <a:latin typeface="HY헤드라인M" panose="02030600000101010101" pitchFamily="18" charset="-127"/>
+                <a:ea typeface="HY헤드라인M" panose="02030600000101010101" pitchFamily="18" charset="-127"/>
+              </a:rPr>
+              <a:t> 조정이 수월하다</a:t>
+            </a:r>
+          </a:p>
+        </p:txBody>
+      </p:sp>
+      <p:sp>
+        <p:nvSpPr>
+          <p:cNvPr id="4" name="슬라이드 번호 개체 틀 3">
+            <a:extLst>
+              <a:ext uri="{FF2B5EF4-FFF2-40B4-BE49-F238E27FC236}">
+                <a16:creationId xmlns:a16="http://schemas.microsoft.com/office/drawing/2014/main" id="{91278B30-79B4-43D8-907B-7E0FBFC51C6B}"/>
+              </a:ext>
+            </a:extLst>
+          </p:cNvPr>
+          <p:cNvSpPr>
+            <a:spLocks noGrp="1"/>
+          </p:cNvSpPr>
+          <p:nvPr>
+            <p:ph type="sldNum" sz="quarter" idx="12"/>
+          </p:nvPr>
+        </p:nvSpPr>
+        <p:spPr/>
+        <p:txBody>
+          <a:bodyPr/>
+          <a:lstStyle/>
+          <a:p>
+            <a:fld id="{69E57DC2-970A-4B3E-BB1C-7A09969E49DF}" type="slidenum">
+              <a:rPr lang="en-US" smtClean="0"/>
+              <a:t>16</a:t>
+            </a:fld>
+            <a:endParaRPr lang="en-US" dirty="0"/>
+          </a:p>
+        </p:txBody>
+      </p:sp>
+    </p:spTree>
+    <p:extLst>
+      <p:ext uri="{BB962C8B-B14F-4D97-AF65-F5344CB8AC3E}">
+        <p14:creationId xmlns:p14="http://schemas.microsoft.com/office/powerpoint/2010/main" val="556572912"/>
+      </p:ext>
+    </p:extLst>
+  </p:cSld>
+  <p:clrMapOvr>
+    <a:masterClrMapping/>
+  </p:clrMapOvr>
+</p:sld>
+</file>
+
+<file path=ppt/slides/slide17.xml><?xml version="1.0" encoding="utf-8"?>
+<p:sld xmlns:a="http://schemas.openxmlformats.org/drawingml/2006/main" xmlns:r="http://schemas.openxmlformats.org/officeDocument/2006/relationships" xmlns:p="http://schemas.openxmlformats.org/presentationml/2006/main">
+  <p:cSld>
+    <p:spTree>
+      <p:nvGrpSpPr>
+        <p:cNvPr id="1" name=""/>
+        <p:cNvGrpSpPr/>
+        <p:nvPr/>
+      </p:nvGrpSpPr>
+      <p:grpSpPr>
+        <a:xfrm>
+          <a:off x="0" y="0"/>
+          <a:ext cx="0" cy="0"/>
+          <a:chOff x="0" y="0"/>
+          <a:chExt cx="0" cy="0"/>
+        </a:xfrm>
+      </p:grpSpPr>
+      <p:sp>
+        <p:nvSpPr>
+          <p:cNvPr id="2" name="제목 1">
+            <a:extLst>
+              <a:ext uri="{FF2B5EF4-FFF2-40B4-BE49-F238E27FC236}">
+                <a16:creationId xmlns:a16="http://schemas.microsoft.com/office/drawing/2014/main" id="{CB70AB93-263B-413B-9CE0-70DF5F333A6B}"/>
+              </a:ext>
+            </a:extLst>
+          </p:cNvPr>
+          <p:cNvSpPr>
+            <a:spLocks noGrp="1"/>
+          </p:cNvSpPr>
+          <p:nvPr>
+            <p:ph type="title"/>
+          </p:nvPr>
+        </p:nvSpPr>
+        <p:spPr>
+          <a:xfrm>
+            <a:off x="1371600" y="685800"/>
+            <a:ext cx="9601200" cy="733425"/>
+          </a:xfrm>
+        </p:spPr>
+        <p:txBody>
+          <a:bodyPr/>
+          <a:lstStyle/>
+          <a:p>
+            <a:r>
+              <a:rPr lang="ko-KR" altLang="en-US" dirty="0">
+                <a:latin typeface="HY헤드라인M" panose="02030600000101010101" pitchFamily="18" charset="-127"/>
+                <a:ea typeface="HY헤드라인M" panose="02030600000101010101" pitchFamily="18" charset="-127"/>
+              </a:rPr>
+              <a:t>전체 코드</a:t>
+            </a:r>
+          </a:p>
+        </p:txBody>
+      </p:sp>
+      <p:sp>
+        <p:nvSpPr>
+          <p:cNvPr id="3" name="내용 개체 틀 2">
+            <a:extLst>
+              <a:ext uri="{FF2B5EF4-FFF2-40B4-BE49-F238E27FC236}">
+                <a16:creationId xmlns:a16="http://schemas.microsoft.com/office/drawing/2014/main" id="{F9069CD3-CC94-4163-8EC1-73D5A83C2F3B}"/>
+              </a:ext>
+            </a:extLst>
+          </p:cNvPr>
+          <p:cNvSpPr>
+            <a:spLocks noGrp="1"/>
+          </p:cNvSpPr>
+          <p:nvPr>
+            <p:ph idx="1"/>
+          </p:nvPr>
+        </p:nvSpPr>
+        <p:spPr>
+          <a:xfrm>
+            <a:off x="1371600" y="1695450"/>
+            <a:ext cx="9601200" cy="4171950"/>
+          </a:xfrm>
+        </p:spPr>
+        <p:txBody>
+          <a:bodyPr/>
+          <a:lstStyle/>
+          <a:p>
+            <a:pPr lvl="1"/>
+            <a:r>
+              <a:rPr lang="en-US" altLang="ko-KR" i="0" dirty="0">
+                <a:latin typeface="HY헤드라인M" panose="02030600000101010101" pitchFamily="18" charset="-127"/>
+                <a:ea typeface="HY헤드라인M" panose="02030600000101010101" pitchFamily="18" charset="-127"/>
+                <a:hlinkClick r:id="rId2"/>
+              </a:rPr>
+              <a:t>https://github.com/sj84900/koreanCashCounter.git</a:t>
+            </a:r>
+            <a:endParaRPr lang="en-US" altLang="ko-KR" i="0" dirty="0">
+              <a:latin typeface="HY헤드라인M" panose="02030600000101010101" pitchFamily="18" charset="-127"/>
+              <a:ea typeface="HY헤드라인M" panose="02030600000101010101" pitchFamily="18" charset="-127"/>
+            </a:endParaRPr>
+          </a:p>
+        </p:txBody>
+      </p:sp>
+      <p:sp>
+        <p:nvSpPr>
+          <p:cNvPr id="4" name="슬라이드 번호 개체 틀 3">
+            <a:extLst>
+              <a:ext uri="{FF2B5EF4-FFF2-40B4-BE49-F238E27FC236}">
+                <a16:creationId xmlns:a16="http://schemas.microsoft.com/office/drawing/2014/main" id="{7FE3C300-5C22-4608-8F54-675C131895B2}"/>
+              </a:ext>
+            </a:extLst>
+          </p:cNvPr>
+          <p:cNvSpPr>
+            <a:spLocks noGrp="1"/>
+          </p:cNvSpPr>
+          <p:nvPr>
+            <p:ph type="sldNum" sz="quarter" idx="12"/>
+          </p:nvPr>
+        </p:nvSpPr>
+        <p:spPr/>
+        <p:txBody>
+          <a:bodyPr/>
+          <a:lstStyle/>
+          <a:p>
+            <a:fld id="{69E57DC2-970A-4B3E-BB1C-7A09969E49DF}" type="slidenum">
+              <a:rPr lang="en-US" smtClean="0"/>
+              <a:t>17</a:t>
+            </a:fld>
+            <a:endParaRPr lang="en-US" dirty="0"/>
           </a:p>
         </p:txBody>
       </p:sp>
@@ -6485,7 +7572,7 @@
                 <a:latin typeface="HY헤드라인M" panose="02030600000101010101" pitchFamily="18" charset="-127"/>
                 <a:ea typeface="HY헤드라인M" panose="02030600000101010101" pitchFamily="18" charset="-127"/>
               </a:rPr>
-              <a:t>목적 및 개요</a:t>
+              <a:t>목차</a:t>
             </a:r>
           </a:p>
         </p:txBody>
@@ -6508,12 +7595,537 @@
         </p:nvSpPr>
         <p:spPr>
           <a:xfrm>
-            <a:off x="1371600" y="2286000"/>
-            <a:ext cx="9766300" cy="3581400"/>
+            <a:off x="2842508" y="1590675"/>
+            <a:ext cx="6506983" cy="5133975"/>
           </a:xfrm>
         </p:spPr>
         <p:txBody>
+          <a:bodyPr>
+            <a:normAutofit fontScale="92500" lnSpcReduction="10000"/>
+          </a:bodyPr>
+          <a:lstStyle/>
+          <a:p>
+            <a:r>
+              <a:rPr lang="ko-KR" altLang="en-US" b="1" dirty="0">
+                <a:latin typeface="HY헤드라인M" panose="02030600000101010101" pitchFamily="18" charset="-127"/>
+                <a:ea typeface="HY헤드라인M" panose="02030600000101010101" pitchFamily="18" charset="-127"/>
+              </a:rPr>
+              <a:t>서론</a:t>
+            </a:r>
+            <a:endParaRPr lang="ko-KR" altLang="en-US" dirty="0">
+              <a:latin typeface="HY헤드라인M" panose="02030600000101010101" pitchFamily="18" charset="-127"/>
+              <a:ea typeface="HY헤드라인M" panose="02030600000101010101" pitchFamily="18" charset="-127"/>
+            </a:endParaRPr>
+          </a:p>
+          <a:p>
+            <a:pPr lvl="1">
+              <a:buFont typeface="Arial" panose="020B0604020202020204" pitchFamily="34" charset="0"/>
+              <a:buChar char="•"/>
+            </a:pPr>
+            <a:r>
+              <a:rPr lang="ko-KR" altLang="en-US" sz="1900" i="0" dirty="0">
+                <a:latin typeface="HY헤드라인M" panose="02030600000101010101" pitchFamily="18" charset="-127"/>
+                <a:ea typeface="HY헤드라인M" panose="02030600000101010101" pitchFamily="18" charset="-127"/>
+              </a:rPr>
+              <a:t>목적 및 개요</a:t>
+            </a:r>
+            <a:r>
+              <a:rPr lang="en-US" altLang="ko-KR" sz="1900" i="0" dirty="0">
+                <a:latin typeface="HY헤드라인M" panose="02030600000101010101" pitchFamily="18" charset="-127"/>
+                <a:ea typeface="HY헤드라인M" panose="02030600000101010101" pitchFamily="18" charset="-127"/>
+              </a:rPr>
+              <a:t>			3</a:t>
+            </a:r>
+            <a:endParaRPr lang="ko-KR" altLang="en-US" sz="1900" i="0" dirty="0">
+              <a:latin typeface="HY헤드라인M" panose="02030600000101010101" pitchFamily="18" charset="-127"/>
+              <a:ea typeface="HY헤드라인M" panose="02030600000101010101" pitchFamily="18" charset="-127"/>
+            </a:endParaRPr>
+          </a:p>
+          <a:p>
+            <a:pPr lvl="1">
+              <a:buFont typeface="Arial" panose="020B0604020202020204" pitchFamily="34" charset="0"/>
+              <a:buChar char="•"/>
+            </a:pPr>
+            <a:r>
+              <a:rPr lang="ko-KR" altLang="en-US" sz="1900" i="0" dirty="0">
+                <a:latin typeface="HY헤드라인M" panose="02030600000101010101" pitchFamily="18" charset="-127"/>
+                <a:ea typeface="HY헤드라인M" panose="02030600000101010101" pitchFamily="18" charset="-127"/>
+              </a:rPr>
+              <a:t>프로그램 전체 흐름도</a:t>
+            </a:r>
+            <a:r>
+              <a:rPr lang="en-US" altLang="ko-KR" sz="1900" i="0" dirty="0">
+                <a:latin typeface="HY헤드라인M" panose="02030600000101010101" pitchFamily="18" charset="-127"/>
+                <a:ea typeface="HY헤드라인M" panose="02030600000101010101" pitchFamily="18" charset="-127"/>
+              </a:rPr>
+              <a:t>		4</a:t>
+            </a:r>
+            <a:endParaRPr lang="ko-KR" altLang="en-US" sz="1900" i="0" dirty="0">
+              <a:latin typeface="HY헤드라인M" panose="02030600000101010101" pitchFamily="18" charset="-127"/>
+              <a:ea typeface="HY헤드라인M" panose="02030600000101010101" pitchFamily="18" charset="-127"/>
+            </a:endParaRPr>
+          </a:p>
+          <a:p>
+            <a:r>
+              <a:rPr lang="ko-KR" altLang="en-US" b="1" dirty="0">
+                <a:latin typeface="HY헤드라인M" panose="02030600000101010101" pitchFamily="18" charset="-127"/>
+                <a:ea typeface="HY헤드라인M" panose="02030600000101010101" pitchFamily="18" charset="-127"/>
+              </a:rPr>
+              <a:t>모델 개발</a:t>
+            </a:r>
+            <a:endParaRPr lang="ko-KR" altLang="en-US" dirty="0">
+              <a:latin typeface="HY헤드라인M" panose="02030600000101010101" pitchFamily="18" charset="-127"/>
+              <a:ea typeface="HY헤드라인M" panose="02030600000101010101" pitchFamily="18" charset="-127"/>
+            </a:endParaRPr>
+          </a:p>
+          <a:p>
+            <a:pPr lvl="1">
+              <a:buFont typeface="Arial" panose="020B0604020202020204" pitchFamily="34" charset="0"/>
+              <a:buChar char="•"/>
+            </a:pPr>
+            <a:r>
+              <a:rPr lang="ko-KR" altLang="en-US" sz="1900" i="0" dirty="0">
+                <a:latin typeface="HY헤드라인M" panose="02030600000101010101" pitchFamily="18" charset="-127"/>
+                <a:ea typeface="HY헤드라인M" panose="02030600000101010101" pitchFamily="18" charset="-127"/>
+              </a:rPr>
+              <a:t>데이터셋</a:t>
+            </a:r>
+            <a:r>
+              <a:rPr lang="en-US" altLang="ko-KR" sz="1900" i="0" dirty="0">
+                <a:latin typeface="HY헤드라인M" panose="02030600000101010101" pitchFamily="18" charset="-127"/>
+                <a:ea typeface="HY헤드라인M" panose="02030600000101010101" pitchFamily="18" charset="-127"/>
+              </a:rPr>
+              <a:t>			5</a:t>
+            </a:r>
+            <a:endParaRPr lang="ko-KR" altLang="en-US" sz="1900" i="0" dirty="0">
+              <a:latin typeface="HY헤드라인M" panose="02030600000101010101" pitchFamily="18" charset="-127"/>
+              <a:ea typeface="HY헤드라인M" panose="02030600000101010101" pitchFamily="18" charset="-127"/>
+            </a:endParaRPr>
+          </a:p>
+          <a:p>
+            <a:pPr lvl="1">
+              <a:buFont typeface="Arial" panose="020B0604020202020204" pitchFamily="34" charset="0"/>
+              <a:buChar char="•"/>
+            </a:pPr>
+            <a:r>
+              <a:rPr lang="en-US" altLang="ko-KR" sz="1900" i="0" dirty="0">
+                <a:latin typeface="HY헤드라인M" panose="02030600000101010101" pitchFamily="18" charset="-127"/>
+                <a:ea typeface="HY헤드라인M" panose="02030600000101010101" pitchFamily="18" charset="-127"/>
+              </a:rPr>
+              <a:t>YOLO </a:t>
+            </a:r>
+            <a:r>
+              <a:rPr lang="ko-KR" altLang="en-US" sz="1900" i="0" dirty="0">
+                <a:latin typeface="HY헤드라인M" panose="02030600000101010101" pitchFamily="18" charset="-127"/>
+                <a:ea typeface="HY헤드라인M" panose="02030600000101010101" pitchFamily="18" charset="-127"/>
+              </a:rPr>
+              <a:t>모델 학습</a:t>
+            </a:r>
+            <a:r>
+              <a:rPr lang="en-US" altLang="ko-KR" sz="1900" i="0" dirty="0">
+                <a:latin typeface="HY헤드라인M" panose="02030600000101010101" pitchFamily="18" charset="-127"/>
+                <a:ea typeface="HY헤드라인M" panose="02030600000101010101" pitchFamily="18" charset="-127"/>
+              </a:rPr>
+              <a:t>/</a:t>
+            </a:r>
+            <a:r>
+              <a:rPr lang="ko-KR" altLang="en-US" sz="1900" i="0" dirty="0">
+                <a:latin typeface="HY헤드라인M" panose="02030600000101010101" pitchFamily="18" charset="-127"/>
+                <a:ea typeface="HY헤드라인M" panose="02030600000101010101" pitchFamily="18" charset="-127"/>
+              </a:rPr>
+              <a:t>예측</a:t>
+            </a:r>
+            <a:r>
+              <a:rPr lang="en-US" altLang="ko-KR" sz="1900" i="0" dirty="0">
+                <a:latin typeface="HY헤드라인M" panose="02030600000101010101" pitchFamily="18" charset="-127"/>
+                <a:ea typeface="HY헤드라인M" panose="02030600000101010101" pitchFamily="18" charset="-127"/>
+              </a:rPr>
+              <a:t>		7</a:t>
+            </a:r>
+            <a:endParaRPr lang="ko-KR" altLang="en-US" sz="1900" i="0" dirty="0">
+              <a:latin typeface="HY헤드라인M" panose="02030600000101010101" pitchFamily="18" charset="-127"/>
+              <a:ea typeface="HY헤드라인M" panose="02030600000101010101" pitchFamily="18" charset="-127"/>
+            </a:endParaRPr>
+          </a:p>
+          <a:p>
+            <a:pPr lvl="1">
+              <a:buFont typeface="Arial" panose="020B0604020202020204" pitchFamily="34" charset="0"/>
+              <a:buChar char="•"/>
+            </a:pPr>
+            <a:r>
+              <a:rPr lang="ko-KR" altLang="en-US" sz="1900" i="0" dirty="0">
+                <a:latin typeface="HY헤드라인M" panose="02030600000101010101" pitchFamily="18" charset="-127"/>
+                <a:ea typeface="HY헤드라인M" panose="02030600000101010101" pitchFamily="18" charset="-127"/>
+              </a:rPr>
+              <a:t>학습 결과</a:t>
+            </a:r>
+            <a:r>
+              <a:rPr lang="en-US" altLang="ko-KR" sz="1900" i="0" dirty="0">
+                <a:latin typeface="HY헤드라인M" panose="02030600000101010101" pitchFamily="18" charset="-127"/>
+                <a:ea typeface="HY헤드라인M" panose="02030600000101010101" pitchFamily="18" charset="-127"/>
+              </a:rPr>
+              <a:t>			8</a:t>
+            </a:r>
+            <a:endParaRPr lang="ko-KR" altLang="en-US" sz="1900" i="0" dirty="0">
+              <a:latin typeface="HY헤드라인M" panose="02030600000101010101" pitchFamily="18" charset="-127"/>
+              <a:ea typeface="HY헤드라인M" panose="02030600000101010101" pitchFamily="18" charset="-127"/>
+            </a:endParaRPr>
+          </a:p>
+          <a:p>
+            <a:r>
+              <a:rPr lang="ko-KR" altLang="en-US" b="1" dirty="0">
+                <a:latin typeface="HY헤드라인M" panose="02030600000101010101" pitchFamily="18" charset="-127"/>
+                <a:ea typeface="HY헤드라인M" panose="02030600000101010101" pitchFamily="18" charset="-127"/>
+              </a:rPr>
+              <a:t>시스템 구현</a:t>
+            </a:r>
+            <a:endParaRPr lang="ko-KR" altLang="en-US" dirty="0">
+              <a:latin typeface="HY헤드라인M" panose="02030600000101010101" pitchFamily="18" charset="-127"/>
+              <a:ea typeface="HY헤드라인M" panose="02030600000101010101" pitchFamily="18" charset="-127"/>
+            </a:endParaRPr>
+          </a:p>
+          <a:p>
+            <a:pPr lvl="1">
+              <a:buFont typeface="Arial" panose="020B0604020202020204" pitchFamily="34" charset="0"/>
+              <a:buChar char="•"/>
+            </a:pPr>
+            <a:r>
+              <a:rPr lang="ko-KR" altLang="en-US" sz="1900" i="0" dirty="0">
+                <a:latin typeface="HY헤드라인M" panose="02030600000101010101" pitchFamily="18" charset="-127"/>
+                <a:ea typeface="HY헤드라인M" panose="02030600000101010101" pitchFamily="18" charset="-127"/>
+              </a:rPr>
+              <a:t>시스템 구성</a:t>
+            </a:r>
+            <a:r>
+              <a:rPr lang="en-US" altLang="ko-KR" sz="1900" i="0" dirty="0">
+                <a:latin typeface="HY헤드라인M" panose="02030600000101010101" pitchFamily="18" charset="-127"/>
+                <a:ea typeface="HY헤드라인M" panose="02030600000101010101" pitchFamily="18" charset="-127"/>
+              </a:rPr>
+              <a:t>			9</a:t>
+            </a:r>
+            <a:endParaRPr lang="ko-KR" altLang="en-US" sz="1900" i="0" dirty="0">
+              <a:latin typeface="HY헤드라인M" panose="02030600000101010101" pitchFamily="18" charset="-127"/>
+              <a:ea typeface="HY헤드라인M" panose="02030600000101010101" pitchFamily="18" charset="-127"/>
+            </a:endParaRPr>
+          </a:p>
+          <a:p>
+            <a:pPr lvl="1">
+              <a:buFont typeface="Arial" panose="020B0604020202020204" pitchFamily="34" charset="0"/>
+              <a:buChar char="•"/>
+            </a:pPr>
+            <a:r>
+              <a:rPr lang="ko-KR" altLang="en-US" sz="1900" i="0" dirty="0">
+                <a:latin typeface="HY헤드라인M" panose="02030600000101010101" pitchFamily="18" charset="-127"/>
+                <a:ea typeface="HY헤드라인M" panose="02030600000101010101" pitchFamily="18" charset="-127"/>
+              </a:rPr>
+              <a:t>웹 애플리케이션</a:t>
+            </a:r>
+            <a:r>
+              <a:rPr lang="en-US" altLang="ko-KR" sz="1900" i="0" dirty="0">
+                <a:latin typeface="HY헤드라인M" panose="02030600000101010101" pitchFamily="18" charset="-127"/>
+                <a:ea typeface="HY헤드라인M" panose="02030600000101010101" pitchFamily="18" charset="-127"/>
+              </a:rPr>
+              <a:t>			10</a:t>
+            </a:r>
+            <a:endParaRPr lang="ko-KR" altLang="en-US" sz="1900" i="0" dirty="0">
+              <a:latin typeface="HY헤드라인M" panose="02030600000101010101" pitchFamily="18" charset="-127"/>
+              <a:ea typeface="HY헤드라인M" panose="02030600000101010101" pitchFamily="18" charset="-127"/>
+            </a:endParaRPr>
+          </a:p>
+          <a:p>
+            <a:pPr lvl="1">
+              <a:buFont typeface="Arial" panose="020B0604020202020204" pitchFamily="34" charset="0"/>
+              <a:buChar char="•"/>
+            </a:pPr>
+            <a:r>
+              <a:rPr lang="en-US" altLang="ko-KR" sz="1900" i="0" dirty="0">
+                <a:latin typeface="HY헤드라인M" panose="02030600000101010101" pitchFamily="18" charset="-127"/>
+                <a:ea typeface="HY헤드라인M" panose="02030600000101010101" pitchFamily="18" charset="-127"/>
+              </a:rPr>
+              <a:t>AWS </a:t>
+            </a:r>
+            <a:r>
+              <a:rPr lang="ko-KR" altLang="en-US" sz="1900" i="0" dirty="0">
+                <a:latin typeface="HY헤드라인M" panose="02030600000101010101" pitchFamily="18" charset="-127"/>
+                <a:ea typeface="HY헤드라인M" panose="02030600000101010101" pitchFamily="18" charset="-127"/>
+              </a:rPr>
+              <a:t>서버 설정</a:t>
+            </a:r>
+            <a:r>
+              <a:rPr lang="en-US" altLang="ko-KR" sz="1900" i="0" dirty="0">
+                <a:latin typeface="HY헤드라인M" panose="02030600000101010101" pitchFamily="18" charset="-127"/>
+                <a:ea typeface="HY헤드라인M" panose="02030600000101010101" pitchFamily="18" charset="-127"/>
+              </a:rPr>
+              <a:t>			11</a:t>
+            </a:r>
+            <a:endParaRPr lang="ko-KR" altLang="en-US" sz="1900" i="0" dirty="0">
+              <a:latin typeface="HY헤드라인M" panose="02030600000101010101" pitchFamily="18" charset="-127"/>
+              <a:ea typeface="HY헤드라인M" panose="02030600000101010101" pitchFamily="18" charset="-127"/>
+            </a:endParaRPr>
+          </a:p>
+          <a:p>
+            <a:r>
+              <a:rPr lang="ko-KR" altLang="en-US" b="1" dirty="0">
+                <a:latin typeface="HY헤드라인M" panose="02030600000101010101" pitchFamily="18" charset="-127"/>
+                <a:ea typeface="HY헤드라인M" panose="02030600000101010101" pitchFamily="18" charset="-127"/>
+              </a:rPr>
+              <a:t>결론 및 부록</a:t>
+            </a:r>
+            <a:endParaRPr lang="ko-KR" altLang="en-US" dirty="0">
+              <a:latin typeface="HY헤드라인M" panose="02030600000101010101" pitchFamily="18" charset="-127"/>
+              <a:ea typeface="HY헤드라인M" panose="02030600000101010101" pitchFamily="18" charset="-127"/>
+            </a:endParaRPr>
+          </a:p>
+          <a:p>
+            <a:pPr lvl="1">
+              <a:buFont typeface="Arial" panose="020B0604020202020204" pitchFamily="34" charset="0"/>
+              <a:buChar char="•"/>
+            </a:pPr>
+            <a:r>
+              <a:rPr lang="ko-KR" altLang="en-US" sz="1900" i="0" dirty="0">
+                <a:latin typeface="HY헤드라인M" panose="02030600000101010101" pitchFamily="18" charset="-127"/>
+                <a:ea typeface="HY헤드라인M" panose="02030600000101010101" pitchFamily="18" charset="-127"/>
+              </a:rPr>
+              <a:t>활용 예시</a:t>
+            </a:r>
+            <a:r>
+              <a:rPr lang="en-US" altLang="ko-KR" sz="1900" i="0" dirty="0">
+                <a:latin typeface="HY헤드라인M" panose="02030600000101010101" pitchFamily="18" charset="-127"/>
+                <a:ea typeface="HY헤드라인M" panose="02030600000101010101" pitchFamily="18" charset="-127"/>
+              </a:rPr>
+              <a:t>			14</a:t>
+            </a:r>
+            <a:endParaRPr lang="ko-KR" altLang="en-US" sz="1900" i="0" dirty="0">
+              <a:latin typeface="HY헤드라인M" panose="02030600000101010101" pitchFamily="18" charset="-127"/>
+              <a:ea typeface="HY헤드라인M" panose="02030600000101010101" pitchFamily="18" charset="-127"/>
+            </a:endParaRPr>
+          </a:p>
+          <a:p>
+            <a:pPr lvl="1">
+              <a:buFont typeface="Arial" panose="020B0604020202020204" pitchFamily="34" charset="0"/>
+              <a:buChar char="•"/>
+            </a:pPr>
+            <a:r>
+              <a:rPr lang="ko-KR" altLang="en-US" sz="1900" i="0" dirty="0">
+                <a:latin typeface="HY헤드라인M" panose="02030600000101010101" pitchFamily="18" charset="-127"/>
+                <a:ea typeface="HY헤드라인M" panose="02030600000101010101" pitchFamily="18" charset="-127"/>
+              </a:rPr>
+              <a:t>개선 가능 사항</a:t>
+            </a:r>
+            <a:r>
+              <a:rPr lang="en-US" altLang="ko-KR" sz="1900" i="0" dirty="0">
+                <a:latin typeface="HY헤드라인M" panose="02030600000101010101" pitchFamily="18" charset="-127"/>
+                <a:ea typeface="HY헤드라인M" panose="02030600000101010101" pitchFamily="18" charset="-127"/>
+              </a:rPr>
+              <a:t>			16</a:t>
+            </a:r>
+            <a:endParaRPr lang="ko-KR" altLang="en-US" sz="1900" i="0" dirty="0">
+              <a:latin typeface="HY헤드라인M" panose="02030600000101010101" pitchFamily="18" charset="-127"/>
+              <a:ea typeface="HY헤드라인M" panose="02030600000101010101" pitchFamily="18" charset="-127"/>
+            </a:endParaRPr>
+          </a:p>
+          <a:p>
+            <a:pPr lvl="1">
+              <a:buFont typeface="Arial" panose="020B0604020202020204" pitchFamily="34" charset="0"/>
+              <a:buChar char="•"/>
+            </a:pPr>
+            <a:r>
+              <a:rPr lang="ko-KR" altLang="en-US" sz="1900" i="0" dirty="0">
+                <a:latin typeface="HY헤드라인M" panose="02030600000101010101" pitchFamily="18" charset="-127"/>
+                <a:ea typeface="HY헤드라인M" panose="02030600000101010101" pitchFamily="18" charset="-127"/>
+              </a:rPr>
+              <a:t>전체 코드</a:t>
+            </a:r>
+            <a:r>
+              <a:rPr lang="en-US" altLang="ko-KR" sz="1900" i="0" dirty="0">
+                <a:latin typeface="HY헤드라인M" panose="02030600000101010101" pitchFamily="18" charset="-127"/>
+                <a:ea typeface="HY헤드라인M" panose="02030600000101010101" pitchFamily="18" charset="-127"/>
+              </a:rPr>
+              <a:t>			17</a:t>
+            </a:r>
+            <a:endParaRPr lang="ko-KR" altLang="en-US" sz="1900" i="0" dirty="0">
+              <a:latin typeface="HY헤드라인M" panose="02030600000101010101" pitchFamily="18" charset="-127"/>
+              <a:ea typeface="HY헤드라인M" panose="02030600000101010101" pitchFamily="18" charset="-127"/>
+            </a:endParaRPr>
+          </a:p>
+        </p:txBody>
+      </p:sp>
+      <p:sp>
+        <p:nvSpPr>
+          <p:cNvPr id="5" name="슬라이드 번호 개체 틀 4">
+            <a:extLst>
+              <a:ext uri="{FF2B5EF4-FFF2-40B4-BE49-F238E27FC236}">
+                <a16:creationId xmlns:a16="http://schemas.microsoft.com/office/drawing/2014/main" id="{3894B3E1-A248-4970-B0CE-D0878D09C979}"/>
+              </a:ext>
+            </a:extLst>
+          </p:cNvPr>
+          <p:cNvSpPr>
+            <a:spLocks noGrp="1"/>
+          </p:cNvSpPr>
+          <p:nvPr>
+            <p:ph type="sldNum" sz="quarter" idx="12"/>
+          </p:nvPr>
+        </p:nvSpPr>
+        <p:spPr/>
+        <p:txBody>
           <a:bodyPr/>
+          <a:lstStyle/>
+          <a:p>
+            <a:fld id="{69E57DC2-970A-4B3E-BB1C-7A09969E49DF}" type="slidenum">
+              <a:rPr lang="en-US" smtClean="0"/>
+              <a:t>2</a:t>
+            </a:fld>
+            <a:endParaRPr lang="en-US" dirty="0"/>
+          </a:p>
+        </p:txBody>
+      </p:sp>
+    </p:spTree>
+    <p:extLst>
+      <p:ext uri="{BB962C8B-B14F-4D97-AF65-F5344CB8AC3E}">
+        <p14:creationId xmlns:p14="http://schemas.microsoft.com/office/powerpoint/2010/main" val="1582826861"/>
+      </p:ext>
+    </p:extLst>
+  </p:cSld>
+  <p:clrMapOvr>
+    <a:masterClrMapping/>
+  </p:clrMapOvr>
+</p:sld>
+</file>
+
+<file path=ppt/slides/slide3.xml><?xml version="1.0" encoding="utf-8"?>
+<p:sld xmlns:a="http://schemas.openxmlformats.org/drawingml/2006/main" xmlns:r="http://schemas.openxmlformats.org/officeDocument/2006/relationships" xmlns:p="http://schemas.openxmlformats.org/presentationml/2006/main">
+  <p:cSld>
+    <p:spTree>
+      <p:nvGrpSpPr>
+        <p:cNvPr id="1" name=""/>
+        <p:cNvGrpSpPr/>
+        <p:nvPr/>
+      </p:nvGrpSpPr>
+      <p:grpSpPr>
+        <a:xfrm>
+          <a:off x="0" y="0"/>
+          <a:ext cx="0" cy="0"/>
+          <a:chOff x="0" y="0"/>
+          <a:chExt cx="0" cy="0"/>
+        </a:xfrm>
+      </p:grpSpPr>
+      <p:pic>
+        <p:nvPicPr>
+          <p:cNvPr id="4" name="그림 3">
+            <a:extLst>
+              <a:ext uri="{FF2B5EF4-FFF2-40B4-BE49-F238E27FC236}">
+                <a16:creationId xmlns:a16="http://schemas.microsoft.com/office/drawing/2014/main" id="{5D0F5B18-5597-452C-AD1A-C8B14907C4E3}"/>
+              </a:ext>
+            </a:extLst>
+          </p:cNvPr>
+          <p:cNvPicPr>
+            <a:picLocks noChangeAspect="1"/>
+          </p:cNvPicPr>
+          <p:nvPr/>
+        </p:nvPicPr>
+        <p:blipFill>
+          <a:blip r:embed="rId2"/>
+          <a:stretch>
+            <a:fillRect/>
+          </a:stretch>
+        </p:blipFill>
+        <p:spPr>
+          <a:xfrm>
+            <a:off x="8080860" y="1461969"/>
+            <a:ext cx="3941550" cy="4645216"/>
+          </a:xfrm>
+          <a:prstGeom prst="rect">
+            <a:avLst/>
+          </a:prstGeom>
+          <a:solidFill>
+            <a:srgbClr val="FFFFFF">
+              <a:shade val="85000"/>
+            </a:srgbClr>
+          </a:solidFill>
+          <a:ln w="88900" cap="sq">
+            <a:solidFill>
+              <a:srgbClr val="FFFFFF"/>
+            </a:solidFill>
+            <a:miter lim="800000"/>
+          </a:ln>
+          <a:effectLst>
+            <a:outerShdw blurRad="55000" dist="18000" dir="5400000" algn="tl" rotWithShape="0">
+              <a:srgbClr val="000000">
+                <a:alpha val="40000"/>
+              </a:srgbClr>
+            </a:outerShdw>
+          </a:effectLst>
+          <a:scene3d>
+            <a:camera prst="orthographicFront"/>
+            <a:lightRig rig="twoPt" dir="t">
+              <a:rot lat="0" lon="0" rev="7200000"/>
+            </a:lightRig>
+          </a:scene3d>
+          <a:sp3d>
+            <a:bevelT w="25400" h="19050"/>
+            <a:contourClr>
+              <a:srgbClr val="FFFFFF"/>
+            </a:contourClr>
+          </a:sp3d>
+        </p:spPr>
+      </p:pic>
+      <p:sp>
+        <p:nvSpPr>
+          <p:cNvPr id="2" name="제목 1">
+            <a:extLst>
+              <a:ext uri="{FF2B5EF4-FFF2-40B4-BE49-F238E27FC236}">
+                <a16:creationId xmlns:a16="http://schemas.microsoft.com/office/drawing/2014/main" id="{CB70AB93-263B-413B-9CE0-70DF5F333A6B}"/>
+              </a:ext>
+            </a:extLst>
+          </p:cNvPr>
+          <p:cNvSpPr>
+            <a:spLocks noGrp="1"/>
+          </p:cNvSpPr>
+          <p:nvPr>
+            <p:ph type="title"/>
+          </p:nvPr>
+        </p:nvSpPr>
+        <p:spPr/>
+        <p:txBody>
+          <a:bodyPr/>
+          <a:lstStyle/>
+          <a:p>
+            <a:r>
+              <a:rPr lang="ko-KR" altLang="en-US" dirty="0">
+                <a:latin typeface="HY헤드라인M" panose="02030600000101010101" pitchFamily="18" charset="-127"/>
+                <a:ea typeface="HY헤드라인M" panose="02030600000101010101" pitchFamily="18" charset="-127"/>
+              </a:rPr>
+              <a:t>목적 및 개요</a:t>
+            </a:r>
+          </a:p>
+        </p:txBody>
+      </p:sp>
+      <p:sp>
+        <p:nvSpPr>
+          <p:cNvPr id="3" name="내용 개체 틀 2">
+            <a:extLst>
+              <a:ext uri="{FF2B5EF4-FFF2-40B4-BE49-F238E27FC236}">
+                <a16:creationId xmlns:a16="http://schemas.microsoft.com/office/drawing/2014/main" id="{F9069CD3-CC94-4163-8EC1-73D5A83C2F3B}"/>
+              </a:ext>
+            </a:extLst>
+          </p:cNvPr>
+          <p:cNvSpPr>
+            <a:spLocks noGrp="1"/>
+          </p:cNvSpPr>
+          <p:nvPr>
+            <p:ph idx="1"/>
+          </p:nvPr>
+        </p:nvSpPr>
+        <p:spPr>
+          <a:xfrm>
+            <a:off x="1371600" y="1816216"/>
+            <a:ext cx="6506983" cy="3581400"/>
+          </a:xfrm>
+        </p:spPr>
+        <p:txBody>
+          <a:bodyPr>
+            <a:normAutofit fontScale="92500" lnSpcReduction="10000"/>
+          </a:bodyPr>
           <a:lstStyle/>
           <a:p>
             <a:pPr>
@@ -6551,21 +8163,7 @@
                 <a:latin typeface="HY헤드라인M" panose="02030600000101010101" pitchFamily="18" charset="-127"/>
                 <a:ea typeface="HY헤드라인M" panose="02030600000101010101" pitchFamily="18" charset="-127"/>
               </a:rPr>
-              <a:t>사용자가 웹에서 카메라로 </a:t>
-            </a:r>
-            <a:r>
-              <a:rPr lang="ko-KR" altLang="en-US" dirty="0" err="1">
-                <a:latin typeface="HY헤드라인M" panose="02030600000101010101" pitchFamily="18" charset="-127"/>
-                <a:ea typeface="HY헤드라인M" panose="02030600000101010101" pitchFamily="18" charset="-127"/>
-              </a:rPr>
-              <a:t>촬영하고나</a:t>
-            </a:r>
-            <a:r>
-              <a:rPr lang="ko-KR" altLang="en-US" dirty="0">
-                <a:latin typeface="HY헤드라인M" panose="02030600000101010101" pitchFamily="18" charset="-127"/>
-                <a:ea typeface="HY헤드라인M" panose="02030600000101010101" pitchFamily="18" charset="-127"/>
-              </a:rPr>
-              <a:t> 갤러리 내의 사진을 선택하여 업로드하면</a:t>
+              <a:t>사용자가 웹에서 카메라로 촬영하거나 갤러리 내의   사진을 선택하여 업로드하면</a:t>
             </a:r>
             <a:r>
               <a:rPr lang="en-US" altLang="ko-KR" dirty="0">
@@ -6669,6 +8267,35 @@
               <a:latin typeface="HY헤드라인M" panose="02030600000101010101" pitchFamily="18" charset="-127"/>
               <a:ea typeface="HY헤드라인M" panose="02030600000101010101" pitchFamily="18" charset="-127"/>
             </a:endParaRPr>
+          </a:p>
+        </p:txBody>
+      </p:sp>
+      <p:sp>
+        <p:nvSpPr>
+          <p:cNvPr id="5" name="슬라이드 번호 개체 틀 4">
+            <a:extLst>
+              <a:ext uri="{FF2B5EF4-FFF2-40B4-BE49-F238E27FC236}">
+                <a16:creationId xmlns:a16="http://schemas.microsoft.com/office/drawing/2014/main" id="{95FBF2EB-1558-49FD-98FE-0BC65A9D8717}"/>
+              </a:ext>
+            </a:extLst>
+          </p:cNvPr>
+          <p:cNvSpPr>
+            <a:spLocks noGrp="1"/>
+          </p:cNvSpPr>
+          <p:nvPr>
+            <p:ph type="sldNum" sz="quarter" idx="12"/>
+          </p:nvPr>
+        </p:nvSpPr>
+        <p:spPr/>
+        <p:txBody>
+          <a:bodyPr/>
+          <a:lstStyle/>
+          <a:p>
+            <a:fld id="{69E57DC2-970A-4B3E-BB1C-7A09969E49DF}" type="slidenum">
+              <a:rPr lang="en-US" smtClean="0"/>
+              <a:t>3</a:t>
+            </a:fld>
+            <a:endParaRPr lang="en-US" dirty="0"/>
           </a:p>
         </p:txBody>
       </p:sp>
@@ -6685,7 +8312,7 @@
 </p:sld>
 </file>
 
-<file path=ppt/slides/slide3.xml><?xml version="1.0" encoding="utf-8"?>
+<file path=ppt/slides/slide4.xml><?xml version="1.0" encoding="utf-8"?>
 <p:sld xmlns:a="http://schemas.openxmlformats.org/drawingml/2006/main" xmlns:r="http://schemas.openxmlformats.org/officeDocument/2006/relationships" xmlns:p="http://schemas.openxmlformats.org/presentationml/2006/main">
   <p:cSld>
     <p:spTree>
@@ -6768,6 +8395,35 @@
           </a:prstGeom>
         </p:spPr>
       </p:pic>
+      <p:sp>
+        <p:nvSpPr>
+          <p:cNvPr id="3" name="슬라이드 번호 개체 틀 2">
+            <a:extLst>
+              <a:ext uri="{FF2B5EF4-FFF2-40B4-BE49-F238E27FC236}">
+                <a16:creationId xmlns:a16="http://schemas.microsoft.com/office/drawing/2014/main" id="{026E7D1E-9C24-479E-8088-98E2AE358F14}"/>
+              </a:ext>
+            </a:extLst>
+          </p:cNvPr>
+          <p:cNvSpPr>
+            <a:spLocks noGrp="1"/>
+          </p:cNvSpPr>
+          <p:nvPr>
+            <p:ph type="sldNum" sz="quarter" idx="12"/>
+          </p:nvPr>
+        </p:nvSpPr>
+        <p:spPr/>
+        <p:txBody>
+          <a:bodyPr/>
+          <a:lstStyle/>
+          <a:p>
+            <a:fld id="{69E57DC2-970A-4B3E-BB1C-7A09969E49DF}" type="slidenum">
+              <a:rPr lang="en-US" smtClean="0"/>
+              <a:t>4</a:t>
+            </a:fld>
+            <a:endParaRPr lang="en-US" dirty="0"/>
+          </a:p>
+        </p:txBody>
+      </p:sp>
     </p:spTree>
     <p:extLst>
       <p:ext uri="{BB962C8B-B14F-4D97-AF65-F5344CB8AC3E}">
@@ -6781,7 +8437,7 @@
 </p:sld>
 </file>
 
-<file path=ppt/slides/slide4.xml><?xml version="1.0" encoding="utf-8"?>
+<file path=ppt/slides/slide5.xml><?xml version="1.0" encoding="utf-8"?>
 <p:sld xmlns:a="http://schemas.openxmlformats.org/drawingml/2006/main" xmlns:r="http://schemas.openxmlformats.org/officeDocument/2006/relationships" xmlns:p="http://schemas.openxmlformats.org/presentationml/2006/main">
   <p:cSld>
     <p:spTree>
@@ -7005,6 +8661,35 @@
           </a:prstGeom>
         </p:spPr>
       </p:pic>
+      <p:sp>
+        <p:nvSpPr>
+          <p:cNvPr id="5" name="슬라이드 번호 개체 틀 4">
+            <a:extLst>
+              <a:ext uri="{FF2B5EF4-FFF2-40B4-BE49-F238E27FC236}">
+                <a16:creationId xmlns:a16="http://schemas.microsoft.com/office/drawing/2014/main" id="{B3895640-5889-4936-9AD2-75EAF95C2955}"/>
+              </a:ext>
+            </a:extLst>
+          </p:cNvPr>
+          <p:cNvSpPr>
+            <a:spLocks noGrp="1"/>
+          </p:cNvSpPr>
+          <p:nvPr>
+            <p:ph type="sldNum" sz="quarter" idx="12"/>
+          </p:nvPr>
+        </p:nvSpPr>
+        <p:spPr/>
+        <p:txBody>
+          <a:bodyPr/>
+          <a:lstStyle/>
+          <a:p>
+            <a:fld id="{69E57DC2-970A-4B3E-BB1C-7A09969E49DF}" type="slidenum">
+              <a:rPr lang="en-US" smtClean="0"/>
+              <a:t>5</a:t>
+            </a:fld>
+            <a:endParaRPr lang="en-US" dirty="0"/>
+          </a:p>
+        </p:txBody>
+      </p:sp>
     </p:spTree>
     <p:extLst>
       <p:ext uri="{BB962C8B-B14F-4D97-AF65-F5344CB8AC3E}">
@@ -7018,7 +8703,7 @@
 </p:sld>
 </file>
 
-<file path=ppt/slides/slide5.xml><?xml version="1.0" encoding="utf-8"?>
+<file path=ppt/slides/slide6.xml><?xml version="1.0" encoding="utf-8"?>
 <p:sld xmlns:a="http://schemas.openxmlformats.org/drawingml/2006/main" xmlns:r="http://schemas.openxmlformats.org/officeDocument/2006/relationships" xmlns:p="http://schemas.openxmlformats.org/presentationml/2006/main">
   <p:cSld>
     <p:spTree>
@@ -7333,6 +9018,35 @@
           </a:p>
         </p:txBody>
       </p:sp>
+      <p:sp>
+        <p:nvSpPr>
+          <p:cNvPr id="3" name="슬라이드 번호 개체 틀 2">
+            <a:extLst>
+              <a:ext uri="{FF2B5EF4-FFF2-40B4-BE49-F238E27FC236}">
+                <a16:creationId xmlns:a16="http://schemas.microsoft.com/office/drawing/2014/main" id="{963602A6-6ED7-42C4-90AF-C55892F7498C}"/>
+              </a:ext>
+            </a:extLst>
+          </p:cNvPr>
+          <p:cNvSpPr>
+            <a:spLocks noGrp="1"/>
+          </p:cNvSpPr>
+          <p:nvPr>
+            <p:ph type="sldNum" sz="quarter" idx="12"/>
+          </p:nvPr>
+        </p:nvSpPr>
+        <p:spPr/>
+        <p:txBody>
+          <a:bodyPr/>
+          <a:lstStyle/>
+          <a:p>
+            <a:fld id="{69E57DC2-970A-4B3E-BB1C-7A09969E49DF}" type="slidenum">
+              <a:rPr lang="en-US" smtClean="0"/>
+              <a:t>6</a:t>
+            </a:fld>
+            <a:endParaRPr lang="en-US" dirty="0"/>
+          </a:p>
+        </p:txBody>
+      </p:sp>
     </p:spTree>
     <p:extLst>
       <p:ext uri="{BB962C8B-B14F-4D97-AF65-F5344CB8AC3E}">
@@ -7346,1318 +9060,7 @@
 </p:sld>
 </file>
 
-<file path=ppt/slides/slide6.xml><?xml version="1.0" encoding="utf-8"?>
-<p:sld xmlns:a="http://schemas.openxmlformats.org/drawingml/2006/main" xmlns:r="http://schemas.openxmlformats.org/officeDocument/2006/relationships" xmlns:p="http://schemas.openxmlformats.org/presentationml/2006/main">
-  <p:cSld>
-    <p:spTree>
-      <p:nvGrpSpPr>
-        <p:cNvPr id="1" name=""/>
-        <p:cNvGrpSpPr/>
-        <p:nvPr/>
-      </p:nvGrpSpPr>
-      <p:grpSpPr>
-        <a:xfrm>
-          <a:off x="0" y="0"/>
-          <a:ext cx="0" cy="0"/>
-          <a:chOff x="0" y="0"/>
-          <a:chExt cx="0" cy="0"/>
-        </a:xfrm>
-      </p:grpSpPr>
-      <p:sp>
-        <p:nvSpPr>
-          <p:cNvPr id="2" name="제목 1">
-            <a:extLst>
-              <a:ext uri="{FF2B5EF4-FFF2-40B4-BE49-F238E27FC236}">
-                <a16:creationId xmlns:a16="http://schemas.microsoft.com/office/drawing/2014/main" id="{CB70AB93-263B-413B-9CE0-70DF5F333A6B}"/>
-              </a:ext>
-            </a:extLst>
-          </p:cNvPr>
-          <p:cNvSpPr>
-            <a:spLocks noGrp="1"/>
-          </p:cNvSpPr>
-          <p:nvPr>
-            <p:ph type="title"/>
-          </p:nvPr>
-        </p:nvSpPr>
-        <p:spPr>
-          <a:xfrm>
-            <a:off x="1371600" y="685800"/>
-            <a:ext cx="9601200" cy="733425"/>
-          </a:xfrm>
-        </p:spPr>
-        <p:txBody>
-          <a:bodyPr/>
-          <a:lstStyle/>
-          <a:p>
-            <a:r>
-              <a:rPr lang="ko-KR" altLang="en-US" dirty="0">
-                <a:latin typeface="HY헤드라인M" panose="02030600000101010101" pitchFamily="18" charset="-127"/>
-                <a:ea typeface="HY헤드라인M" panose="02030600000101010101" pitchFamily="18" charset="-127"/>
-              </a:rPr>
-              <a:t>학습 결과</a:t>
-            </a:r>
-          </a:p>
-        </p:txBody>
-      </p:sp>
-      <p:sp>
-        <p:nvSpPr>
-          <p:cNvPr id="3" name="내용 개체 틀 2">
-            <a:extLst>
-              <a:ext uri="{FF2B5EF4-FFF2-40B4-BE49-F238E27FC236}">
-                <a16:creationId xmlns:a16="http://schemas.microsoft.com/office/drawing/2014/main" id="{F9069CD3-CC94-4163-8EC1-73D5A83C2F3B}"/>
-              </a:ext>
-            </a:extLst>
-          </p:cNvPr>
-          <p:cNvSpPr>
-            <a:spLocks noGrp="1"/>
-          </p:cNvSpPr>
-          <p:nvPr>
-            <p:ph idx="1"/>
-          </p:nvPr>
-        </p:nvSpPr>
-        <p:spPr>
-          <a:xfrm>
-            <a:off x="1371600" y="1695450"/>
-            <a:ext cx="4290337" cy="4171950"/>
-          </a:xfrm>
-        </p:spPr>
-        <p:txBody>
-          <a:bodyPr/>
-          <a:lstStyle/>
-          <a:p>
-            <a:r>
-              <a:rPr lang="ko-KR" altLang="en-US" dirty="0">
-                <a:latin typeface="HY헤드라인M" panose="02030600000101010101" pitchFamily="18" charset="-127"/>
-                <a:ea typeface="HY헤드라인M" panose="02030600000101010101" pitchFamily="18" charset="-127"/>
-              </a:rPr>
-              <a:t>지폐의 학습결과와 달리 동전의 정밀도는 평균 </a:t>
-            </a:r>
-            <a:r>
-              <a:rPr lang="en-US" altLang="ko-KR" dirty="0">
-                <a:latin typeface="HY헤드라인M" panose="02030600000101010101" pitchFamily="18" charset="-127"/>
-                <a:ea typeface="HY헤드라인M" panose="02030600000101010101" pitchFamily="18" charset="-127"/>
-              </a:rPr>
-              <a:t>0.7mAP</a:t>
-            </a:r>
-            <a:r>
-              <a:rPr lang="ko-KR" altLang="en-US" dirty="0">
-                <a:latin typeface="HY헤드라인M" panose="02030600000101010101" pitchFamily="18" charset="-127"/>
-                <a:ea typeface="HY헤드라인M" panose="02030600000101010101" pitchFamily="18" charset="-127"/>
-              </a:rPr>
-              <a:t>로 비교적 낮다 </a:t>
-            </a:r>
-            <a:endParaRPr lang="en-US" altLang="ko-KR" dirty="0">
-              <a:latin typeface="HY헤드라인M" panose="02030600000101010101" pitchFamily="18" charset="-127"/>
-              <a:ea typeface="HY헤드라인M" panose="02030600000101010101" pitchFamily="18" charset="-127"/>
-            </a:endParaRPr>
-          </a:p>
-          <a:p>
-            <a:r>
-              <a:rPr lang="ko-KR" altLang="en-US" dirty="0">
-                <a:latin typeface="HY헤드라인M" panose="02030600000101010101" pitchFamily="18" charset="-127"/>
-                <a:ea typeface="HY헤드라인M" panose="02030600000101010101" pitchFamily="18" charset="-127"/>
-              </a:rPr>
-              <a:t>이는 금속재질 특유의 빛 반사로 인해 이미지에서 특징이 왜곡되었을 가능성이 있다</a:t>
-            </a:r>
-            <a:endParaRPr lang="en-US" altLang="ko-KR" dirty="0">
-              <a:latin typeface="HY헤드라인M" panose="02030600000101010101" pitchFamily="18" charset="-127"/>
-              <a:ea typeface="HY헤드라인M" panose="02030600000101010101" pitchFamily="18" charset="-127"/>
-            </a:endParaRPr>
-          </a:p>
-          <a:p>
-            <a:r>
-              <a:rPr lang="ko-KR" altLang="en-US" dirty="0">
-                <a:latin typeface="HY헤드라인M" panose="02030600000101010101" pitchFamily="18" charset="-127"/>
-                <a:ea typeface="HY헤드라인M" panose="02030600000101010101" pitchFamily="18" charset="-127"/>
-              </a:rPr>
-              <a:t>또한 학습 데이터의 품질</a:t>
-            </a:r>
-            <a:r>
-              <a:rPr lang="en-US" altLang="ko-KR" dirty="0">
-                <a:latin typeface="HY헤드라인M" panose="02030600000101010101" pitchFamily="18" charset="-127"/>
-                <a:ea typeface="HY헤드라인M" panose="02030600000101010101" pitchFamily="18" charset="-127"/>
-              </a:rPr>
-              <a:t>(</a:t>
-            </a:r>
-            <a:r>
-              <a:rPr lang="ko-KR" altLang="en-US" dirty="0" err="1">
-                <a:latin typeface="HY헤드라인M" panose="02030600000101010101" pitchFamily="18" charset="-127"/>
-                <a:ea typeface="HY헤드라인M" panose="02030600000101010101" pitchFamily="18" charset="-127"/>
-              </a:rPr>
-              <a:t>저화질</a:t>
-            </a:r>
-            <a:r>
-              <a:rPr lang="en-US" altLang="ko-KR" dirty="0">
-                <a:latin typeface="HY헤드라인M" panose="02030600000101010101" pitchFamily="18" charset="-127"/>
-                <a:ea typeface="HY헤드라인M" panose="02030600000101010101" pitchFamily="18" charset="-127"/>
-              </a:rPr>
-              <a:t>)</a:t>
-            </a:r>
-            <a:r>
-              <a:rPr lang="ko-KR" altLang="en-US" dirty="0">
-                <a:latin typeface="HY헤드라인M" panose="02030600000101010101" pitchFamily="18" charset="-127"/>
-                <a:ea typeface="HY헤드라인M" panose="02030600000101010101" pitchFamily="18" charset="-127"/>
-              </a:rPr>
-              <a:t> 문제가 있어 보인다</a:t>
-            </a:r>
-          </a:p>
-        </p:txBody>
-      </p:sp>
-      <p:pic>
-        <p:nvPicPr>
-          <p:cNvPr id="7" name="그림 6">
-            <a:extLst>
-              <a:ext uri="{FF2B5EF4-FFF2-40B4-BE49-F238E27FC236}">
-                <a16:creationId xmlns:a16="http://schemas.microsoft.com/office/drawing/2014/main" id="{3A2A11A3-0A07-4DB9-871C-96924C85E33A}"/>
-              </a:ext>
-            </a:extLst>
-          </p:cNvPr>
-          <p:cNvPicPr>
-            <a:picLocks noChangeAspect="1"/>
-          </p:cNvPicPr>
-          <p:nvPr/>
-        </p:nvPicPr>
-        <p:blipFill>
-          <a:blip r:embed="rId2"/>
-          <a:stretch>
-            <a:fillRect/>
-          </a:stretch>
-        </p:blipFill>
-        <p:spPr>
-          <a:xfrm>
-            <a:off x="5800725" y="1695450"/>
-            <a:ext cx="6153150" cy="4787900"/>
-          </a:xfrm>
-          <a:prstGeom prst="rect">
-            <a:avLst/>
-          </a:prstGeom>
-        </p:spPr>
-      </p:pic>
-      <p:cxnSp>
-        <p:nvCxnSpPr>
-          <p:cNvPr id="9" name="직선 연결선 8">
-            <a:extLst>
-              <a:ext uri="{FF2B5EF4-FFF2-40B4-BE49-F238E27FC236}">
-                <a16:creationId xmlns:a16="http://schemas.microsoft.com/office/drawing/2014/main" id="{F6463975-767F-4F79-B49C-E048BB4D2C4A}"/>
-              </a:ext>
-            </a:extLst>
-          </p:cNvPr>
-          <p:cNvCxnSpPr/>
-          <p:nvPr/>
-        </p:nvCxnSpPr>
-        <p:spPr>
-          <a:xfrm>
-            <a:off x="10039350" y="2769395"/>
-            <a:ext cx="1714500" cy="0"/>
-          </a:xfrm>
-          <a:prstGeom prst="line">
-            <a:avLst/>
-          </a:prstGeom>
-          <a:ln w="34925"/>
-        </p:spPr>
-        <p:style>
-          <a:lnRef idx="1">
-            <a:schemeClr val="accent6"/>
-          </a:lnRef>
-          <a:fillRef idx="0">
-            <a:schemeClr val="accent6"/>
-          </a:fillRef>
-          <a:effectRef idx="0">
-            <a:schemeClr val="accent6"/>
-          </a:effectRef>
-          <a:fontRef idx="minor">
-            <a:schemeClr val="tx1"/>
-          </a:fontRef>
-        </p:style>
-      </p:cxnSp>
-      <p:sp>
-        <p:nvSpPr>
-          <p:cNvPr id="10" name="TextBox 9">
-            <a:extLst>
-              <a:ext uri="{FF2B5EF4-FFF2-40B4-BE49-F238E27FC236}">
-                <a16:creationId xmlns:a16="http://schemas.microsoft.com/office/drawing/2014/main" id="{A58D05AC-C61F-448E-9D0D-9F93A668087C}"/>
-              </a:ext>
-            </a:extLst>
-          </p:cNvPr>
-          <p:cNvSpPr txBox="1"/>
-          <p:nvPr/>
-        </p:nvSpPr>
-        <p:spPr>
-          <a:xfrm>
-            <a:off x="11425237" y="2585799"/>
-            <a:ext cx="389850" cy="215444"/>
-          </a:xfrm>
-          <a:prstGeom prst="rect">
-            <a:avLst/>
-          </a:prstGeom>
-          <a:noFill/>
-        </p:spPr>
-        <p:txBody>
-          <a:bodyPr wrap="none" rtlCol="0">
-            <a:spAutoFit/>
-          </a:bodyPr>
-          <a:lstStyle/>
-          <a:p>
-            <a:r>
-              <a:rPr lang="ko-KR" altLang="en-US" sz="800" dirty="0">
-                <a:latin typeface="HY헤드라인M" panose="02030600000101010101" pitchFamily="18" charset="-127"/>
-                <a:ea typeface="HY헤드라인M" panose="02030600000101010101" pitchFamily="18" charset="-127"/>
-              </a:rPr>
-              <a:t>동전</a:t>
-            </a:r>
-          </a:p>
-        </p:txBody>
-      </p:sp>
-      <p:sp>
-        <p:nvSpPr>
-          <p:cNvPr id="11" name="TextBox 10">
-            <a:extLst>
-              <a:ext uri="{FF2B5EF4-FFF2-40B4-BE49-F238E27FC236}">
-                <a16:creationId xmlns:a16="http://schemas.microsoft.com/office/drawing/2014/main" id="{562532BB-A96F-4C66-A6C3-52F489A419D5}"/>
-              </a:ext>
-            </a:extLst>
-          </p:cNvPr>
-          <p:cNvSpPr txBox="1"/>
-          <p:nvPr/>
-        </p:nvSpPr>
-        <p:spPr>
-          <a:xfrm>
-            <a:off x="11425237" y="2761117"/>
-            <a:ext cx="389850" cy="215444"/>
-          </a:xfrm>
-          <a:prstGeom prst="rect">
-            <a:avLst/>
-          </a:prstGeom>
-          <a:noFill/>
-        </p:spPr>
-        <p:txBody>
-          <a:bodyPr wrap="none" rtlCol="0">
-            <a:spAutoFit/>
-          </a:bodyPr>
-          <a:lstStyle/>
-          <a:p>
-            <a:r>
-              <a:rPr lang="ko-KR" altLang="en-US" sz="800" dirty="0">
-                <a:latin typeface="HY헤드라인M" panose="02030600000101010101" pitchFamily="18" charset="-127"/>
-                <a:ea typeface="HY헤드라인M" panose="02030600000101010101" pitchFamily="18" charset="-127"/>
-              </a:rPr>
-              <a:t>지폐</a:t>
-            </a:r>
-          </a:p>
-        </p:txBody>
-      </p:sp>
-      <p:pic>
-        <p:nvPicPr>
-          <p:cNvPr id="1026" name="Picture 2">
-            <a:extLst>
-              <a:ext uri="{FF2B5EF4-FFF2-40B4-BE49-F238E27FC236}">
-                <a16:creationId xmlns:a16="http://schemas.microsoft.com/office/drawing/2014/main" id="{F81C12ED-6583-46CE-892D-A9E3EE0D89A1}"/>
-              </a:ext>
-            </a:extLst>
-          </p:cNvPr>
-          <p:cNvPicPr>
-            <a:picLocks noChangeAspect="1" noChangeArrowheads="1"/>
-          </p:cNvPicPr>
-          <p:nvPr/>
-        </p:nvPicPr>
-        <p:blipFill rotWithShape="1">
-          <a:blip r:embed="rId3">
-            <a:extLst>
-              <a:ext uri="{28A0092B-C50C-407E-A947-70E740481C1C}">
-                <a14:useLocalDpi xmlns:a14="http://schemas.microsoft.com/office/drawing/2010/main" val="0"/>
-              </a:ext>
-            </a:extLst>
-          </a:blip>
-          <a:srcRect l="47982" t="29811" r="-804" b="12918"/>
-          <a:stretch/>
-        </p:blipFill>
-        <p:spPr bwMode="auto">
-          <a:xfrm>
-            <a:off x="1232813" y="4449266"/>
-            <a:ext cx="2221588" cy="2408734"/>
-          </a:xfrm>
-          <a:prstGeom prst="rect">
-            <a:avLst/>
-          </a:prstGeom>
-          <a:noFill/>
-          <a:extLst>
-            <a:ext uri="{909E8E84-426E-40DD-AFC4-6F175D3DCCD1}">
-              <a14:hiddenFill xmlns:a14="http://schemas.microsoft.com/office/drawing/2010/main">
-                <a:solidFill>
-                  <a:srgbClr val="FFFFFF"/>
-                </a:solidFill>
-              </a14:hiddenFill>
-            </a:ext>
-          </a:extLst>
-        </p:spPr>
-      </p:pic>
-      <p:pic>
-        <p:nvPicPr>
-          <p:cNvPr id="1028" name="Picture 4">
-            <a:extLst>
-              <a:ext uri="{FF2B5EF4-FFF2-40B4-BE49-F238E27FC236}">
-                <a16:creationId xmlns:a16="http://schemas.microsoft.com/office/drawing/2014/main" id="{F23A458C-FFBB-41D1-9840-FC8D1FACC955}"/>
-              </a:ext>
-            </a:extLst>
-          </p:cNvPr>
-          <p:cNvPicPr>
-            <a:picLocks noChangeAspect="1" noChangeArrowheads="1"/>
-          </p:cNvPicPr>
-          <p:nvPr/>
-        </p:nvPicPr>
-        <p:blipFill rotWithShape="1">
-          <a:blip r:embed="rId4">
-            <a:extLst>
-              <a:ext uri="{28A0092B-C50C-407E-A947-70E740481C1C}">
-                <a14:useLocalDpi xmlns:a14="http://schemas.microsoft.com/office/drawing/2010/main" val="0"/>
-              </a:ext>
-            </a:extLst>
-          </a:blip>
-          <a:srcRect l="52094" t="13019" r="17759" b="29626"/>
-          <a:stretch/>
-        </p:blipFill>
-        <p:spPr bwMode="auto">
-          <a:xfrm>
-            <a:off x="3401062" y="4449266"/>
-            <a:ext cx="2260875" cy="2408734"/>
-          </a:xfrm>
-          <a:prstGeom prst="rect">
-            <a:avLst/>
-          </a:prstGeom>
-          <a:noFill/>
-          <a:extLst>
-            <a:ext uri="{909E8E84-426E-40DD-AFC4-6F175D3DCCD1}">
-              <a14:hiddenFill xmlns:a14="http://schemas.microsoft.com/office/drawing/2010/main">
-                <a:solidFill>
-                  <a:srgbClr val="FFFFFF"/>
-                </a:solidFill>
-              </a14:hiddenFill>
-            </a:ext>
-          </a:extLst>
-        </p:spPr>
-      </p:pic>
-    </p:spTree>
-    <p:extLst>
-      <p:ext uri="{BB962C8B-B14F-4D97-AF65-F5344CB8AC3E}">
-        <p14:creationId xmlns:p14="http://schemas.microsoft.com/office/powerpoint/2010/main" val="3410366329"/>
-      </p:ext>
-    </p:extLst>
-  </p:cSld>
-  <p:clrMapOvr>
-    <a:masterClrMapping/>
-  </p:clrMapOvr>
-</p:sld>
-</file>
-
 <file path=ppt/slides/slide7.xml><?xml version="1.0" encoding="utf-8"?>
-<p:sld xmlns:a="http://schemas.openxmlformats.org/drawingml/2006/main" xmlns:r="http://schemas.openxmlformats.org/officeDocument/2006/relationships" xmlns:p="http://schemas.openxmlformats.org/presentationml/2006/main">
-  <p:cSld>
-    <p:spTree>
-      <p:nvGrpSpPr>
-        <p:cNvPr id="1" name=""/>
-        <p:cNvGrpSpPr/>
-        <p:nvPr/>
-      </p:nvGrpSpPr>
-      <p:grpSpPr>
-        <a:xfrm>
-          <a:off x="0" y="0"/>
-          <a:ext cx="0" cy="0"/>
-          <a:chOff x="0" y="0"/>
-          <a:chExt cx="0" cy="0"/>
-        </a:xfrm>
-      </p:grpSpPr>
-      <p:sp>
-        <p:nvSpPr>
-          <p:cNvPr id="2" name="제목 1">
-            <a:extLst>
-              <a:ext uri="{FF2B5EF4-FFF2-40B4-BE49-F238E27FC236}">
-                <a16:creationId xmlns:a16="http://schemas.microsoft.com/office/drawing/2014/main" id="{CB70AB93-263B-413B-9CE0-70DF5F333A6B}"/>
-              </a:ext>
-            </a:extLst>
-          </p:cNvPr>
-          <p:cNvSpPr>
-            <a:spLocks noGrp="1"/>
-          </p:cNvSpPr>
-          <p:nvPr>
-            <p:ph type="title"/>
-          </p:nvPr>
-        </p:nvSpPr>
-        <p:spPr>
-          <a:xfrm>
-            <a:off x="1371600" y="685800"/>
-            <a:ext cx="9601200" cy="749300"/>
-          </a:xfrm>
-        </p:spPr>
-        <p:txBody>
-          <a:bodyPr/>
-          <a:lstStyle/>
-          <a:p>
-            <a:r>
-              <a:rPr lang="ko-KR" altLang="en-US" dirty="0">
-                <a:latin typeface="HY헤드라인M" panose="02030600000101010101" pitchFamily="18" charset="-127"/>
-                <a:ea typeface="HY헤드라인M" panose="02030600000101010101" pitchFamily="18" charset="-127"/>
-              </a:rPr>
-              <a:t>시스템 구성</a:t>
-            </a:r>
-          </a:p>
-        </p:txBody>
-      </p:sp>
-      <p:sp>
-        <p:nvSpPr>
-          <p:cNvPr id="3" name="내용 개체 틀 2">
-            <a:extLst>
-              <a:ext uri="{FF2B5EF4-FFF2-40B4-BE49-F238E27FC236}">
-                <a16:creationId xmlns:a16="http://schemas.microsoft.com/office/drawing/2014/main" id="{F9069CD3-CC94-4163-8EC1-73D5A83C2F3B}"/>
-              </a:ext>
-            </a:extLst>
-          </p:cNvPr>
-          <p:cNvSpPr>
-            <a:spLocks noGrp="1"/>
-          </p:cNvSpPr>
-          <p:nvPr>
-            <p:ph idx="1"/>
-          </p:nvPr>
-        </p:nvSpPr>
-        <p:spPr>
-          <a:xfrm>
-            <a:off x="1371600" y="1574800"/>
-            <a:ext cx="4724400" cy="4292600"/>
-          </a:xfrm>
-        </p:spPr>
-        <p:txBody>
-          <a:bodyPr/>
-          <a:lstStyle/>
-          <a:p>
-            <a:r>
-              <a:rPr lang="ko-KR" altLang="en-US" dirty="0">
-                <a:latin typeface="HY헤드라인M" panose="02030600000101010101" pitchFamily="18" charset="-127"/>
-                <a:ea typeface="HY헤드라인M" panose="02030600000101010101" pitchFamily="18" charset="-127"/>
-              </a:rPr>
-              <a:t>사용 라이브러리</a:t>
-            </a:r>
-            <a:endParaRPr lang="en-US" altLang="ko-KR" dirty="0">
-              <a:latin typeface="HY헤드라인M" panose="02030600000101010101" pitchFamily="18" charset="-127"/>
-              <a:ea typeface="HY헤드라인M" panose="02030600000101010101" pitchFamily="18" charset="-127"/>
-            </a:endParaRPr>
-          </a:p>
-          <a:p>
-            <a:pPr marL="530352" lvl="1" indent="0">
-              <a:buNone/>
-            </a:pPr>
-            <a:r>
-              <a:rPr lang="en-US" altLang="ko-KR" sz="1400" i="0" dirty="0">
-                <a:latin typeface="HY헤드라인M" panose="02030600000101010101" pitchFamily="18" charset="-127"/>
-                <a:ea typeface="HY헤드라인M" panose="02030600000101010101" pitchFamily="18" charset="-127"/>
-              </a:rPr>
-              <a:t>- YOLOv11		 - Torch(</a:t>
-            </a:r>
-            <a:r>
-              <a:rPr lang="ko-KR" altLang="en-US" sz="1400" i="0" dirty="0">
-                <a:latin typeface="HY헤드라인M" panose="02030600000101010101" pitchFamily="18" charset="-127"/>
-                <a:ea typeface="HY헤드라인M" panose="02030600000101010101" pitchFamily="18" charset="-127"/>
-              </a:rPr>
-              <a:t>모델 학습</a:t>
-            </a:r>
-            <a:r>
-              <a:rPr lang="en-US" altLang="ko-KR" sz="1400" i="0" dirty="0">
-                <a:latin typeface="HY헤드라인M" panose="02030600000101010101" pitchFamily="18" charset="-127"/>
-                <a:ea typeface="HY헤드라인M" panose="02030600000101010101" pitchFamily="18" charset="-127"/>
-              </a:rPr>
-              <a:t>)</a:t>
-            </a:r>
-          </a:p>
-          <a:p>
-            <a:pPr marL="530352" lvl="1" indent="0">
-              <a:buNone/>
-            </a:pPr>
-            <a:r>
-              <a:rPr lang="en-US" altLang="ko-KR" sz="1400" i="0" dirty="0">
-                <a:latin typeface="HY헤드라인M" panose="02030600000101010101" pitchFamily="18" charset="-127"/>
-                <a:ea typeface="HY헤드라인M" panose="02030600000101010101" pitchFamily="18" charset="-127"/>
-              </a:rPr>
-              <a:t>- </a:t>
-            </a:r>
-            <a:r>
-              <a:rPr lang="en-US" altLang="ko-KR" sz="1400" i="0" dirty="0" err="1">
-                <a:latin typeface="HY헤드라인M" panose="02030600000101010101" pitchFamily="18" charset="-127"/>
-                <a:ea typeface="HY헤드라인M" panose="02030600000101010101" pitchFamily="18" charset="-127"/>
-              </a:rPr>
-              <a:t>FastAPI</a:t>
-            </a:r>
-            <a:r>
-              <a:rPr lang="en-US" altLang="ko-KR" sz="1400" i="0" dirty="0">
-                <a:latin typeface="HY헤드라인M" panose="02030600000101010101" pitchFamily="18" charset="-127"/>
-                <a:ea typeface="HY헤드라인M" panose="02030600000101010101" pitchFamily="18" charset="-127"/>
-              </a:rPr>
-              <a:t>(</a:t>
-            </a:r>
-            <a:r>
-              <a:rPr lang="ko-KR" altLang="en-US" sz="1400" i="0" dirty="0">
-                <a:latin typeface="HY헤드라인M" panose="02030600000101010101" pitchFamily="18" charset="-127"/>
-                <a:ea typeface="HY헤드라인M" panose="02030600000101010101" pitchFamily="18" charset="-127"/>
-              </a:rPr>
-              <a:t>웹 프레임워크</a:t>
-            </a:r>
-            <a:r>
-              <a:rPr lang="en-US" altLang="ko-KR" sz="1400" i="0" dirty="0">
-                <a:latin typeface="HY헤드라인M" panose="02030600000101010101" pitchFamily="18" charset="-127"/>
-                <a:ea typeface="HY헤드라인M" panose="02030600000101010101" pitchFamily="18" charset="-127"/>
-              </a:rPr>
-              <a:t>)	 - </a:t>
-            </a:r>
-            <a:r>
-              <a:rPr lang="en-US" altLang="ko-KR" sz="1400" i="0" dirty="0" err="1">
-                <a:latin typeface="HY헤드라인M" panose="02030600000101010101" pitchFamily="18" charset="-127"/>
-                <a:ea typeface="HY헤드라인M" panose="02030600000101010101" pitchFamily="18" charset="-127"/>
-              </a:rPr>
-              <a:t>Torchvision</a:t>
-            </a:r>
-            <a:endParaRPr lang="en-US" altLang="ko-KR" sz="1400" i="0" dirty="0">
-              <a:latin typeface="HY헤드라인M" panose="02030600000101010101" pitchFamily="18" charset="-127"/>
-              <a:ea typeface="HY헤드라인M" panose="02030600000101010101" pitchFamily="18" charset="-127"/>
-            </a:endParaRPr>
-          </a:p>
-          <a:p>
-            <a:pPr marL="530352" lvl="1" indent="0">
-              <a:buNone/>
-            </a:pPr>
-            <a:r>
-              <a:rPr lang="en-US" altLang="ko-KR" sz="1400" i="0" dirty="0">
-                <a:latin typeface="HY헤드라인M" panose="02030600000101010101" pitchFamily="18" charset="-127"/>
-                <a:ea typeface="HY헤드라인M" panose="02030600000101010101" pitchFamily="18" charset="-127"/>
-              </a:rPr>
-              <a:t>- </a:t>
-            </a:r>
-            <a:r>
-              <a:rPr lang="en-US" altLang="ko-KR" sz="1400" i="0" dirty="0" err="1">
-                <a:latin typeface="HY헤드라인M" panose="02030600000101010101" pitchFamily="18" charset="-127"/>
-                <a:ea typeface="HY헤드라인M" panose="02030600000101010101" pitchFamily="18" charset="-127"/>
-              </a:rPr>
-              <a:t>Uvicorn</a:t>
-            </a:r>
-            <a:r>
-              <a:rPr lang="en-US" altLang="ko-KR" sz="1400" i="0" dirty="0">
-                <a:latin typeface="HY헤드라인M" panose="02030600000101010101" pitchFamily="18" charset="-127"/>
-                <a:ea typeface="HY헤드라인M" panose="02030600000101010101" pitchFamily="18" charset="-127"/>
-              </a:rPr>
-              <a:t>(</a:t>
-            </a:r>
-            <a:r>
-              <a:rPr lang="ko-KR" altLang="en-US" sz="1400" i="0" dirty="0">
-                <a:latin typeface="HY헤드라인M" panose="02030600000101010101" pitchFamily="18" charset="-127"/>
-                <a:ea typeface="HY헤드라인M" panose="02030600000101010101" pitchFamily="18" charset="-127"/>
-              </a:rPr>
-              <a:t>웹 서버</a:t>
-            </a:r>
-            <a:r>
-              <a:rPr lang="en-US" altLang="ko-KR" sz="1400" i="0" dirty="0">
-                <a:latin typeface="HY헤드라인M" panose="02030600000101010101" pitchFamily="18" charset="-127"/>
-                <a:ea typeface="HY헤드라인M" panose="02030600000101010101" pitchFamily="18" charset="-127"/>
-              </a:rPr>
-              <a:t>)	 </a:t>
-            </a:r>
-          </a:p>
-          <a:p>
-            <a:pPr marL="530352" lvl="1" indent="0">
-              <a:buNone/>
-            </a:pPr>
-            <a:r>
-              <a:rPr lang="en-US" altLang="ko-KR" sz="1400" i="0" dirty="0">
-                <a:latin typeface="HY헤드라인M" panose="02030600000101010101" pitchFamily="18" charset="-127"/>
-                <a:ea typeface="HY헤드라인M" panose="02030600000101010101" pitchFamily="18" charset="-127"/>
-              </a:rPr>
-              <a:t>- OpenCV(</a:t>
-            </a:r>
-            <a:r>
-              <a:rPr lang="ko-KR" altLang="en-US" sz="1400" i="0" dirty="0">
-                <a:latin typeface="HY헤드라인M" panose="02030600000101010101" pitchFamily="18" charset="-127"/>
-                <a:ea typeface="HY헤드라인M" panose="02030600000101010101" pitchFamily="18" charset="-127"/>
-              </a:rPr>
-              <a:t>이미지 처리</a:t>
-            </a:r>
-            <a:r>
-              <a:rPr lang="en-US" altLang="ko-KR" sz="1400" i="0" dirty="0">
-                <a:latin typeface="HY헤드라인M" panose="02030600000101010101" pitchFamily="18" charset="-127"/>
-                <a:ea typeface="HY헤드라인M" panose="02030600000101010101" pitchFamily="18" charset="-127"/>
-              </a:rPr>
-              <a:t>)</a:t>
-            </a:r>
-          </a:p>
-          <a:p>
-            <a:pPr marL="530352" lvl="1" indent="0">
-              <a:buNone/>
-            </a:pPr>
-            <a:r>
-              <a:rPr lang="en-US" altLang="ko-KR" sz="1400" i="0" dirty="0">
-                <a:latin typeface="HY헤드라인M" panose="02030600000101010101" pitchFamily="18" charset="-127"/>
-                <a:ea typeface="HY헤드라인M" panose="02030600000101010101" pitchFamily="18" charset="-127"/>
-              </a:rPr>
-              <a:t>- Jinja2 (</a:t>
-            </a:r>
-            <a:r>
-              <a:rPr lang="ko-KR" altLang="en-US" sz="1400" i="0" dirty="0">
-                <a:latin typeface="HY헤드라인M" panose="02030600000101010101" pitchFamily="18" charset="-127"/>
-                <a:ea typeface="HY헤드라인M" panose="02030600000101010101" pitchFamily="18" charset="-127"/>
-              </a:rPr>
-              <a:t>웹 페이지 렌더링</a:t>
-            </a:r>
-            <a:r>
-              <a:rPr lang="en-US" altLang="ko-KR" sz="1400" i="0" dirty="0">
-                <a:latin typeface="HY헤드라인M" panose="02030600000101010101" pitchFamily="18" charset="-127"/>
-                <a:ea typeface="HY헤드라인M" panose="02030600000101010101" pitchFamily="18" charset="-127"/>
-              </a:rPr>
-              <a:t>)</a:t>
-            </a:r>
-          </a:p>
-          <a:p>
-            <a:r>
-              <a:rPr lang="ko-KR" altLang="en-US" i="0" dirty="0">
-                <a:latin typeface="HY헤드라인M" panose="02030600000101010101" pitchFamily="18" charset="-127"/>
-                <a:ea typeface="HY헤드라인M" panose="02030600000101010101" pitchFamily="18" charset="-127"/>
-              </a:rPr>
-              <a:t>깃 다운로드</a:t>
-            </a:r>
-            <a:endParaRPr lang="en-US" altLang="ko-KR" i="0" dirty="0">
-              <a:latin typeface="HY헤드라인M" panose="02030600000101010101" pitchFamily="18" charset="-127"/>
-              <a:ea typeface="HY헤드라인M" panose="02030600000101010101" pitchFamily="18" charset="-127"/>
-            </a:endParaRPr>
-          </a:p>
-          <a:p>
-            <a:endParaRPr lang="en-US" altLang="ko-KR" i="0" dirty="0">
-              <a:latin typeface="HY헤드라인M" panose="02030600000101010101" pitchFamily="18" charset="-127"/>
-              <a:ea typeface="HY헤드라인M" panose="02030600000101010101" pitchFamily="18" charset="-127"/>
-            </a:endParaRPr>
-          </a:p>
-          <a:p>
-            <a:endParaRPr lang="en-US" altLang="ko-KR" i="0" dirty="0">
-              <a:latin typeface="HY헤드라인M" panose="02030600000101010101" pitchFamily="18" charset="-127"/>
-              <a:ea typeface="HY헤드라인M" panose="02030600000101010101" pitchFamily="18" charset="-127"/>
-            </a:endParaRPr>
-          </a:p>
-          <a:p>
-            <a:r>
-              <a:rPr lang="ko-KR" altLang="en-US" dirty="0">
-                <a:latin typeface="HY헤드라인M" panose="02030600000101010101" pitchFamily="18" charset="-127"/>
-                <a:ea typeface="HY헤드라인M" panose="02030600000101010101" pitchFamily="18" charset="-127"/>
-              </a:rPr>
-              <a:t>라이브러리 설치 </a:t>
-            </a:r>
-            <a:endParaRPr lang="ko-KR" altLang="en-US" i="0" dirty="0">
-              <a:latin typeface="HY헤드라인M" panose="02030600000101010101" pitchFamily="18" charset="-127"/>
-              <a:ea typeface="HY헤드라인M" panose="02030600000101010101" pitchFamily="18" charset="-127"/>
-            </a:endParaRPr>
-          </a:p>
-        </p:txBody>
-      </p:sp>
-      <p:sp>
-        <p:nvSpPr>
-          <p:cNvPr id="4" name="사각형: 둥근 모서리 3">
-            <a:extLst>
-              <a:ext uri="{FF2B5EF4-FFF2-40B4-BE49-F238E27FC236}">
-                <a16:creationId xmlns:a16="http://schemas.microsoft.com/office/drawing/2014/main" id="{E1776305-CC13-4CAC-93E8-CF594A8C2401}"/>
-              </a:ext>
-            </a:extLst>
-          </p:cNvPr>
-          <p:cNvSpPr/>
-          <p:nvPr/>
-        </p:nvSpPr>
-        <p:spPr>
-          <a:xfrm>
-            <a:off x="6331940" y="1574800"/>
-            <a:ext cx="4640860" cy="4292600"/>
-          </a:xfrm>
-          <a:prstGeom prst="roundRect">
-            <a:avLst>
-              <a:gd name="adj" fmla="val 7763"/>
-            </a:avLst>
-          </a:prstGeom>
-          <a:solidFill>
-            <a:srgbClr val="1D1B1A"/>
-          </a:solidFill>
-          <a:ln>
-            <a:noFill/>
-          </a:ln>
-        </p:spPr>
-        <p:style>
-          <a:lnRef idx="2">
-            <a:schemeClr val="accent1">
-              <a:shade val="50000"/>
-            </a:schemeClr>
-          </a:lnRef>
-          <a:fillRef idx="1">
-            <a:schemeClr val="accent1"/>
-          </a:fillRef>
-          <a:effectRef idx="0">
-            <a:schemeClr val="accent1"/>
-          </a:effectRef>
-          <a:fontRef idx="minor">
-            <a:schemeClr val="lt1"/>
-          </a:fontRef>
-        </p:style>
-        <p:txBody>
-          <a:bodyPr rtlCol="0" anchor="ctr"/>
-          <a:lstStyle/>
-          <a:p>
-            <a:r>
-              <a:rPr lang="en-US" altLang="ko-KR" sz="1000" dirty="0" err="1"/>
-              <a:t>moneycounter</a:t>
-            </a:r>
-            <a:r>
-              <a:rPr lang="en-US" altLang="ko-KR" sz="1000" dirty="0"/>
-              <a:t>/</a:t>
-            </a:r>
-          </a:p>
-          <a:p>
-            <a:r>
-              <a:rPr lang="en-US" altLang="ko-KR" sz="1000" dirty="0"/>
-              <a:t>│</a:t>
-            </a:r>
-          </a:p>
-          <a:p>
-            <a:r>
-              <a:rPr lang="en-US" altLang="ko-KR" sz="1000" dirty="0"/>
-              <a:t>├── runs/ 		# YOLO </a:t>
-            </a:r>
-            <a:r>
-              <a:rPr lang="ko-KR" altLang="en-US" sz="1000" dirty="0"/>
-              <a:t>실행 결과 저장 폴더</a:t>
-            </a:r>
-          </a:p>
-          <a:p>
-            <a:r>
-              <a:rPr lang="ko-KR" altLang="en-US" sz="1000" dirty="0"/>
-              <a:t>│   └── </a:t>
-            </a:r>
-            <a:r>
-              <a:rPr lang="en-US" altLang="ko-KR" sz="1000" dirty="0"/>
-              <a:t>detect/		# YOLO </a:t>
-            </a:r>
-            <a:r>
-              <a:rPr lang="ko-KR" altLang="en-US" sz="1000" dirty="0"/>
-              <a:t>감지 결과 폴더</a:t>
-            </a:r>
-          </a:p>
-          <a:p>
-            <a:r>
-              <a:rPr lang="ko-KR" altLang="en-US" sz="1000" dirty="0"/>
-              <a:t>│        ├── </a:t>
-            </a:r>
-            <a:r>
-              <a:rPr lang="en-US" altLang="ko-KR" sz="1000" dirty="0"/>
-              <a:t>latest/	# </a:t>
-            </a:r>
-            <a:r>
-              <a:rPr lang="ko-KR" altLang="en-US" sz="1000" dirty="0"/>
-              <a:t>최신 감지 결과 저장 폴더</a:t>
-            </a:r>
-          </a:p>
-          <a:p>
-            <a:r>
-              <a:rPr lang="ko-KR" altLang="en-US" sz="1000" dirty="0"/>
-              <a:t>│        ├── </a:t>
-            </a:r>
-            <a:r>
-              <a:rPr lang="en-US" altLang="ko-KR" sz="1000" dirty="0"/>
-              <a:t>predict/	# </a:t>
-            </a:r>
-            <a:r>
-              <a:rPr lang="ko-KR" altLang="en-US" sz="1000" dirty="0"/>
-              <a:t>예측 결과 저장 폴더</a:t>
-            </a:r>
-          </a:p>
-          <a:p>
-            <a:r>
-              <a:rPr lang="ko-KR" altLang="en-US" sz="1000" dirty="0"/>
-              <a:t>│        └── </a:t>
-            </a:r>
-            <a:r>
-              <a:rPr lang="en-US" altLang="ko-KR" sz="1000" dirty="0"/>
-              <a:t>train/	# </a:t>
-            </a:r>
-            <a:r>
-              <a:rPr lang="ko-KR" altLang="en-US" sz="1000" dirty="0"/>
-              <a:t>학습 결과 저장 폴더</a:t>
-            </a:r>
-          </a:p>
-          <a:p>
-            <a:r>
-              <a:rPr lang="ko-KR" altLang="en-US" sz="1000" dirty="0"/>
-              <a:t>│</a:t>
-            </a:r>
-          </a:p>
-          <a:p>
-            <a:r>
-              <a:rPr lang="ko-KR" altLang="en-US" sz="1000" dirty="0"/>
-              <a:t>├── </a:t>
-            </a:r>
-            <a:r>
-              <a:rPr lang="en-US" altLang="ko-KR" sz="1000" dirty="0"/>
-              <a:t>templates/		# </a:t>
-            </a:r>
-            <a:r>
-              <a:rPr lang="ko-KR" altLang="en-US" sz="1000" dirty="0"/>
-              <a:t>웹 애플리케이션 템플릿 폴더</a:t>
-            </a:r>
-          </a:p>
-          <a:p>
-            <a:r>
-              <a:rPr lang="ko-KR" altLang="en-US" sz="1000" dirty="0"/>
-              <a:t>│   └── </a:t>
-            </a:r>
-            <a:r>
-              <a:rPr lang="en-US" altLang="ko-KR" sz="1000" dirty="0"/>
-              <a:t>index.html 	# </a:t>
-            </a:r>
-            <a:r>
-              <a:rPr lang="ko-KR" altLang="en-US" sz="1000" dirty="0"/>
-              <a:t>웹 페이지 템플릿 파일</a:t>
-            </a:r>
-          </a:p>
-          <a:p>
-            <a:r>
-              <a:rPr lang="ko-KR" altLang="en-US" sz="1000" dirty="0"/>
-              <a:t>│</a:t>
-            </a:r>
-          </a:p>
-          <a:p>
-            <a:r>
-              <a:rPr lang="ko-KR" altLang="en-US" sz="1000" dirty="0"/>
-              <a:t>├── </a:t>
-            </a:r>
-            <a:r>
-              <a:rPr lang="en-US" altLang="ko-KR" sz="1000" dirty="0"/>
-              <a:t>test/           # </a:t>
-            </a:r>
-            <a:r>
-              <a:rPr lang="ko-KR" altLang="en-US" sz="1000" dirty="0"/>
-              <a:t>테스트 데이터셋 폴더</a:t>
-            </a:r>
-            <a:r>
-              <a:rPr lang="en-US" altLang="ko-KR" sz="1000" u="sng" dirty="0"/>
-              <a:t>/ train, valid</a:t>
-            </a:r>
-            <a:r>
-              <a:rPr lang="ko-KR" altLang="en-US" sz="1000" u="sng" dirty="0"/>
-              <a:t>도 동일하므로 이하 중략</a:t>
-            </a:r>
-          </a:p>
-          <a:p>
-            <a:r>
-              <a:rPr lang="ko-KR" altLang="en-US" sz="1000" dirty="0"/>
-              <a:t>│   ├── </a:t>
-            </a:r>
-            <a:r>
-              <a:rPr lang="en-US" altLang="ko-KR" sz="1000" dirty="0"/>
-              <a:t>images/               # </a:t>
-            </a:r>
-            <a:r>
-              <a:rPr lang="ko-KR" altLang="en-US" sz="1000" dirty="0"/>
-              <a:t>테스트 이미지 저장 폴더 </a:t>
-            </a:r>
-          </a:p>
-          <a:p>
-            <a:r>
-              <a:rPr lang="ko-KR" altLang="en-US" sz="1000" dirty="0"/>
-              <a:t>│   └── </a:t>
-            </a:r>
-            <a:r>
-              <a:rPr lang="en-US" altLang="ko-KR" sz="1000" dirty="0"/>
-              <a:t>labels/                 # </a:t>
-            </a:r>
-            <a:r>
-              <a:rPr lang="ko-KR" altLang="en-US" sz="1000" dirty="0"/>
-              <a:t>테스트 이미지 라벨 파일 저장 폴더</a:t>
-            </a:r>
-          </a:p>
-          <a:p>
-            <a:r>
-              <a:rPr lang="ko-KR" altLang="en-US" sz="1000" dirty="0"/>
-              <a:t>├── </a:t>
-            </a:r>
-            <a:r>
-              <a:rPr lang="en-US" altLang="ko-KR" sz="1000" dirty="0"/>
-              <a:t>train/…</a:t>
-            </a:r>
-          </a:p>
-          <a:p>
-            <a:r>
-              <a:rPr lang="ko-KR" altLang="en-US" sz="1000" dirty="0"/>
-              <a:t>├── </a:t>
-            </a:r>
-            <a:r>
-              <a:rPr lang="en-US" altLang="ko-KR" sz="1000" dirty="0"/>
-              <a:t>valid/…</a:t>
-            </a:r>
-          </a:p>
-          <a:p>
-            <a:r>
-              <a:rPr lang="en-US" altLang="ko-KR" sz="1000" dirty="0"/>
-              <a:t>├── </a:t>
-            </a:r>
-            <a:r>
-              <a:rPr lang="en-US" altLang="ko-KR" sz="1000" dirty="0" err="1"/>
-              <a:t>usingModel</a:t>
-            </a:r>
-            <a:r>
-              <a:rPr lang="en-US" altLang="ko-KR" sz="1000" dirty="0"/>
-              <a:t>/	# YOLO </a:t>
-            </a:r>
-            <a:r>
-              <a:rPr lang="ko-KR" altLang="en-US" sz="1000" dirty="0"/>
-              <a:t>모델 저장 폴더</a:t>
-            </a:r>
-          </a:p>
-          <a:p>
-            <a:r>
-              <a:rPr lang="ko-KR" altLang="en-US" sz="1000" dirty="0"/>
-              <a:t>│   ├── </a:t>
-            </a:r>
-            <a:r>
-              <a:rPr lang="en-US" altLang="ko-KR" sz="1000" dirty="0"/>
-              <a:t>last.pt 		# </a:t>
-            </a:r>
-            <a:r>
-              <a:rPr lang="ko-KR" altLang="en-US" sz="1000" dirty="0"/>
-              <a:t>최신 학습된 </a:t>
-            </a:r>
-            <a:r>
-              <a:rPr lang="en-US" altLang="ko-KR" sz="1000" dirty="0"/>
-              <a:t>YOLO </a:t>
-            </a:r>
-            <a:r>
-              <a:rPr lang="ko-KR" altLang="en-US" sz="1000" dirty="0"/>
-              <a:t>모델 파일</a:t>
-            </a:r>
-          </a:p>
-          <a:p>
-            <a:r>
-              <a:rPr lang="ko-KR" altLang="en-US" sz="1000" dirty="0"/>
-              <a:t>│   └── </a:t>
-            </a:r>
-            <a:r>
-              <a:rPr lang="en-US" altLang="ko-KR" sz="1000" dirty="0"/>
-              <a:t>last_before.pt	# </a:t>
-            </a:r>
-            <a:r>
-              <a:rPr lang="ko-KR" altLang="en-US" sz="1000" dirty="0"/>
-              <a:t>이전 학습된 </a:t>
-            </a:r>
-            <a:r>
-              <a:rPr lang="en-US" altLang="ko-KR" sz="1000" dirty="0"/>
-              <a:t>YOLO </a:t>
-            </a:r>
-            <a:r>
-              <a:rPr lang="ko-KR" altLang="en-US" sz="1000" dirty="0"/>
-              <a:t>모델 파일</a:t>
-            </a:r>
-          </a:p>
-          <a:p>
-            <a:r>
-              <a:rPr lang="ko-KR" altLang="en-US" sz="1000" dirty="0"/>
-              <a:t>│</a:t>
-            </a:r>
-          </a:p>
-          <a:p>
-            <a:r>
-              <a:rPr lang="ko-KR" altLang="en-US" sz="1000" dirty="0"/>
-              <a:t>├── </a:t>
-            </a:r>
-            <a:r>
-              <a:rPr lang="en-US" altLang="ko-KR" sz="1000" dirty="0"/>
-              <a:t>main.py 		# </a:t>
-            </a:r>
-            <a:r>
-              <a:rPr lang="en-US" altLang="ko-KR" sz="1000" dirty="0" err="1"/>
-              <a:t>FastAPI</a:t>
-            </a:r>
-            <a:r>
-              <a:rPr lang="en-US" altLang="ko-KR" sz="1000" dirty="0"/>
-              <a:t> </a:t>
-            </a:r>
-            <a:r>
-              <a:rPr lang="ko-KR" altLang="en-US" sz="1000" dirty="0"/>
-              <a:t>서버 실행 파일</a:t>
-            </a:r>
-          </a:p>
-          <a:p>
-            <a:r>
-              <a:rPr lang="ko-KR" altLang="en-US" sz="1000" dirty="0"/>
-              <a:t>├── </a:t>
-            </a:r>
-            <a:r>
-              <a:rPr lang="en-US" altLang="ko-KR" sz="1000" dirty="0"/>
-              <a:t>train.py  		# YOLO </a:t>
-            </a:r>
-            <a:r>
-              <a:rPr lang="ko-KR" altLang="en-US" sz="1000" dirty="0"/>
-              <a:t>모델 학습 스크립트</a:t>
-            </a:r>
-          </a:p>
-          <a:p>
-            <a:r>
-              <a:rPr lang="ko-KR" altLang="en-US" sz="1000" dirty="0"/>
-              <a:t>├── </a:t>
-            </a:r>
-            <a:r>
-              <a:rPr lang="en-US" altLang="ko-KR" sz="1000" dirty="0"/>
-              <a:t>predict.py  		# YOLO </a:t>
-            </a:r>
-            <a:r>
-              <a:rPr lang="ko-KR" altLang="en-US" sz="1000" dirty="0"/>
-              <a:t>모델 예측 스크립트</a:t>
-            </a:r>
-          </a:p>
-          <a:p>
-            <a:r>
-              <a:rPr lang="ko-KR" altLang="en-US" sz="1000" dirty="0"/>
-              <a:t>└── </a:t>
-            </a:r>
-            <a:r>
-              <a:rPr lang="en-US" altLang="ko-KR" sz="1000" dirty="0" err="1"/>
-              <a:t>data.yaml</a:t>
-            </a:r>
-            <a:r>
-              <a:rPr lang="en-US" altLang="ko-KR" sz="1000" dirty="0"/>
-              <a:t> 		# YOLO </a:t>
-            </a:r>
-            <a:r>
-              <a:rPr lang="ko-KR" altLang="en-US" sz="1000" dirty="0"/>
-              <a:t>학습 데이터 설정 파일</a:t>
-            </a:r>
-          </a:p>
-        </p:txBody>
-      </p:sp>
-      <p:sp>
-        <p:nvSpPr>
-          <p:cNvPr id="15" name="사각형: 둥근 모서리 14">
-            <a:extLst>
-              <a:ext uri="{FF2B5EF4-FFF2-40B4-BE49-F238E27FC236}">
-                <a16:creationId xmlns:a16="http://schemas.microsoft.com/office/drawing/2014/main" id="{2D01443C-54EB-4B20-8DA6-951E26C3C607}"/>
-              </a:ext>
-            </a:extLst>
-          </p:cNvPr>
-          <p:cNvSpPr/>
-          <p:nvPr/>
-        </p:nvSpPr>
-        <p:spPr>
-          <a:xfrm>
-            <a:off x="1531340" y="5118102"/>
-            <a:ext cx="4640860" cy="749299"/>
-          </a:xfrm>
-          <a:prstGeom prst="roundRect">
-            <a:avLst>
-              <a:gd name="adj" fmla="val 7763"/>
-            </a:avLst>
-          </a:prstGeom>
-          <a:solidFill>
-            <a:srgbClr val="1D1B1A"/>
-          </a:solidFill>
-          <a:ln>
-            <a:noFill/>
-          </a:ln>
-        </p:spPr>
-        <p:style>
-          <a:lnRef idx="2">
-            <a:schemeClr val="accent1">
-              <a:shade val="50000"/>
-            </a:schemeClr>
-          </a:lnRef>
-          <a:fillRef idx="1">
-            <a:schemeClr val="accent1"/>
-          </a:fillRef>
-          <a:effectRef idx="0">
-            <a:schemeClr val="accent1"/>
-          </a:effectRef>
-          <a:fontRef idx="minor">
-            <a:schemeClr val="lt1"/>
-          </a:fontRef>
-        </p:style>
-        <p:txBody>
-          <a:bodyPr rtlCol="0" anchor="ctr"/>
-          <a:lstStyle/>
-          <a:p>
-            <a:r>
-              <a:rPr lang="en-US" altLang="ko-KR" sz="1400" dirty="0"/>
-              <a:t>pip install </a:t>
-            </a:r>
-            <a:r>
-              <a:rPr lang="en-US" altLang="ko-KR" sz="1400" dirty="0" err="1"/>
-              <a:t>fastapi</a:t>
-            </a:r>
-            <a:r>
-              <a:rPr lang="en-US" altLang="ko-KR" sz="1400" dirty="0"/>
-              <a:t> </a:t>
-            </a:r>
-            <a:r>
-              <a:rPr lang="en-US" altLang="ko-KR" sz="1400" dirty="0" err="1"/>
-              <a:t>uvicorn</a:t>
-            </a:r>
-            <a:r>
-              <a:rPr lang="en-US" altLang="ko-KR" sz="1400" dirty="0"/>
-              <a:t> jinja2 </a:t>
-            </a:r>
-            <a:r>
-              <a:rPr lang="en-US" altLang="ko-KR" sz="1400" dirty="0" err="1"/>
-              <a:t>opencv</a:t>
-            </a:r>
-            <a:r>
-              <a:rPr lang="en-US" altLang="ko-KR" sz="1400" dirty="0"/>
-              <a:t>-python </a:t>
-            </a:r>
-            <a:r>
-              <a:rPr lang="en-US" altLang="ko-KR" sz="1400" dirty="0" err="1"/>
-              <a:t>ultralytics</a:t>
-            </a:r>
-            <a:br>
-              <a:rPr lang="en-US" altLang="ko-KR" sz="1400" dirty="0"/>
-            </a:br>
-            <a:r>
-              <a:rPr lang="en-US" altLang="ko-KR" sz="1400" dirty="0"/>
-              <a:t>pip install torch </a:t>
-            </a:r>
-            <a:r>
-              <a:rPr lang="en-US" altLang="ko-KR" sz="1400" dirty="0" err="1"/>
-              <a:t>torchvision</a:t>
-            </a:r>
-            <a:r>
-              <a:rPr lang="en-US" altLang="ko-KR" sz="1400" dirty="0"/>
-              <a:t> --index-</a:t>
-            </a:r>
-            <a:r>
-              <a:rPr lang="en-US" altLang="ko-KR" sz="1400" dirty="0" err="1"/>
-              <a:t>url</a:t>
-            </a:r>
-            <a:r>
-              <a:rPr lang="en-US" altLang="ko-KR" sz="1400" dirty="0"/>
-              <a:t> </a:t>
-            </a:r>
-            <a:r>
-              <a:rPr lang="en-US" altLang="ko-KR" sz="1400" dirty="0">
-                <a:hlinkClick r:id="rId2"/>
-              </a:rPr>
-              <a:t>https://download.pytorch.org/whl/cu118</a:t>
-            </a:r>
-            <a:r>
-              <a:rPr lang="en-US" altLang="ko-KR" sz="1400" dirty="0"/>
-              <a:t> </a:t>
-            </a:r>
-            <a:r>
-              <a:rPr lang="en-US" altLang="ko-KR" sz="1400" dirty="0">
-                <a:solidFill>
-                  <a:schemeClr val="accent4">
-                    <a:lumMod val="75000"/>
-                  </a:schemeClr>
-                </a:solidFill>
-              </a:rPr>
-              <a:t>#cuda 11.8 </a:t>
-            </a:r>
-            <a:r>
-              <a:rPr lang="ko-KR" altLang="en-US" sz="1400" dirty="0">
-                <a:solidFill>
-                  <a:schemeClr val="accent4">
-                    <a:lumMod val="75000"/>
-                  </a:schemeClr>
-                </a:solidFill>
-              </a:rPr>
-              <a:t>기준</a:t>
-            </a:r>
-            <a:endParaRPr lang="en-US" altLang="ko-KR" sz="1400" dirty="0">
-              <a:solidFill>
-                <a:schemeClr val="accent4">
-                  <a:lumMod val="75000"/>
-                </a:schemeClr>
-              </a:solidFill>
-            </a:endParaRPr>
-          </a:p>
-        </p:txBody>
-      </p:sp>
-      <p:sp>
-        <p:nvSpPr>
-          <p:cNvPr id="19" name="사각형: 둥근 모서리 18">
-            <a:extLst>
-              <a:ext uri="{FF2B5EF4-FFF2-40B4-BE49-F238E27FC236}">
-                <a16:creationId xmlns:a16="http://schemas.microsoft.com/office/drawing/2014/main" id="{B5A3385A-88F1-4A88-9719-EF30D6DCAD34}"/>
-              </a:ext>
-            </a:extLst>
-          </p:cNvPr>
-          <p:cNvSpPr/>
-          <p:nvPr/>
-        </p:nvSpPr>
-        <p:spPr>
-          <a:xfrm>
-            <a:off x="1531340" y="3959225"/>
-            <a:ext cx="4640860" cy="749299"/>
-          </a:xfrm>
-          <a:prstGeom prst="roundRect">
-            <a:avLst>
-              <a:gd name="adj" fmla="val 7763"/>
-            </a:avLst>
-          </a:prstGeom>
-          <a:solidFill>
-            <a:srgbClr val="1D1B1A"/>
-          </a:solidFill>
-          <a:ln>
-            <a:noFill/>
-          </a:ln>
-        </p:spPr>
-        <p:style>
-          <a:lnRef idx="2">
-            <a:schemeClr val="accent1">
-              <a:shade val="50000"/>
-            </a:schemeClr>
-          </a:lnRef>
-          <a:fillRef idx="1">
-            <a:schemeClr val="accent1"/>
-          </a:fillRef>
-          <a:effectRef idx="0">
-            <a:schemeClr val="accent1"/>
-          </a:effectRef>
-          <a:fontRef idx="minor">
-            <a:schemeClr val="lt1"/>
-          </a:fontRef>
-        </p:style>
-        <p:txBody>
-          <a:bodyPr rtlCol="0" anchor="ctr"/>
-          <a:lstStyle/>
-          <a:p>
-            <a:r>
-              <a:rPr lang="en-US" altLang="ko-KR" sz="1400" spc="-80" dirty="0"/>
-              <a:t>git clone</a:t>
-            </a:r>
-          </a:p>
-          <a:p>
-            <a:r>
-              <a:rPr lang="en-US" altLang="ko-KR" sz="1400" spc="-80" dirty="0">
-                <a:hlinkClick r:id="rId3"/>
-              </a:rPr>
-              <a:t>https://github.com/sj84900/koreanCashCounter.git</a:t>
-            </a:r>
-            <a:r>
-              <a:rPr lang="en-US" altLang="ko-KR" sz="1400" spc="-80" dirty="0"/>
-              <a:t> </a:t>
-            </a:r>
-            <a:r>
-              <a:rPr lang="en-US" altLang="ko-KR" sz="1400" spc="-80" dirty="0" err="1"/>
-              <a:t>moneycounter</a:t>
-            </a:r>
-            <a:endParaRPr lang="en-US" altLang="ko-KR" sz="1400" spc="-80" dirty="0"/>
-          </a:p>
-        </p:txBody>
-      </p:sp>
-    </p:spTree>
-    <p:extLst>
-      <p:ext uri="{BB962C8B-B14F-4D97-AF65-F5344CB8AC3E}">
-        <p14:creationId xmlns:p14="http://schemas.microsoft.com/office/powerpoint/2010/main" val="2818931954"/>
-      </p:ext>
-    </p:extLst>
-  </p:cSld>
-  <p:clrMapOvr>
-    <a:masterClrMapping/>
-  </p:clrMapOvr>
-</p:sld>
-</file>
-
-<file path=ppt/slides/slide8.xml><?xml version="1.0" encoding="utf-8"?>
 <p:sld xmlns:a="http://schemas.openxmlformats.org/drawingml/2006/main" xmlns:r="http://schemas.openxmlformats.org/officeDocument/2006/relationships" xmlns:p="http://schemas.openxmlformats.org/presentationml/2006/main">
   <p:cSld>
     <p:spTree>
@@ -9839,10 +10242,471 @@
           </a:p>
         </p:txBody>
       </p:sp>
+      <p:sp>
+        <p:nvSpPr>
+          <p:cNvPr id="3" name="슬라이드 번호 개체 틀 2">
+            <a:extLst>
+              <a:ext uri="{FF2B5EF4-FFF2-40B4-BE49-F238E27FC236}">
+                <a16:creationId xmlns:a16="http://schemas.microsoft.com/office/drawing/2014/main" id="{C4FDEDDC-1918-4968-9688-C42F3AAB07A4}"/>
+              </a:ext>
+            </a:extLst>
+          </p:cNvPr>
+          <p:cNvSpPr>
+            <a:spLocks noGrp="1"/>
+          </p:cNvSpPr>
+          <p:nvPr>
+            <p:ph type="sldNum" sz="quarter" idx="12"/>
+          </p:nvPr>
+        </p:nvSpPr>
+        <p:spPr/>
+        <p:txBody>
+          <a:bodyPr/>
+          <a:lstStyle/>
+          <a:p>
+            <a:fld id="{69E57DC2-970A-4B3E-BB1C-7A09969E49DF}" type="slidenum">
+              <a:rPr lang="en-US" smtClean="0"/>
+              <a:t>7</a:t>
+            </a:fld>
+            <a:endParaRPr lang="en-US" dirty="0"/>
+          </a:p>
+        </p:txBody>
+      </p:sp>
     </p:spTree>
     <p:extLst>
       <p:ext uri="{BB962C8B-B14F-4D97-AF65-F5344CB8AC3E}">
         <p14:creationId xmlns:p14="http://schemas.microsoft.com/office/powerpoint/2010/main" val="377515228"/>
+      </p:ext>
+    </p:extLst>
+  </p:cSld>
+  <p:clrMapOvr>
+    <a:masterClrMapping/>
+  </p:clrMapOvr>
+</p:sld>
+</file>
+
+<file path=ppt/slides/slide8.xml><?xml version="1.0" encoding="utf-8"?>
+<p:sld xmlns:a="http://schemas.openxmlformats.org/drawingml/2006/main" xmlns:r="http://schemas.openxmlformats.org/officeDocument/2006/relationships" xmlns:p="http://schemas.openxmlformats.org/presentationml/2006/main">
+  <p:cSld>
+    <p:spTree>
+      <p:nvGrpSpPr>
+        <p:cNvPr id="1" name=""/>
+        <p:cNvGrpSpPr/>
+        <p:nvPr/>
+      </p:nvGrpSpPr>
+      <p:grpSpPr>
+        <a:xfrm>
+          <a:off x="0" y="0"/>
+          <a:ext cx="0" cy="0"/>
+          <a:chOff x="0" y="0"/>
+          <a:chExt cx="0" cy="0"/>
+        </a:xfrm>
+      </p:grpSpPr>
+      <p:sp>
+        <p:nvSpPr>
+          <p:cNvPr id="2" name="제목 1">
+            <a:extLst>
+              <a:ext uri="{FF2B5EF4-FFF2-40B4-BE49-F238E27FC236}">
+                <a16:creationId xmlns:a16="http://schemas.microsoft.com/office/drawing/2014/main" id="{CB70AB93-263B-413B-9CE0-70DF5F333A6B}"/>
+              </a:ext>
+            </a:extLst>
+          </p:cNvPr>
+          <p:cNvSpPr>
+            <a:spLocks noGrp="1"/>
+          </p:cNvSpPr>
+          <p:nvPr>
+            <p:ph type="title"/>
+          </p:nvPr>
+        </p:nvSpPr>
+        <p:spPr>
+          <a:xfrm>
+            <a:off x="1371600" y="685800"/>
+            <a:ext cx="9601200" cy="733425"/>
+          </a:xfrm>
+        </p:spPr>
+        <p:txBody>
+          <a:bodyPr/>
+          <a:lstStyle/>
+          <a:p>
+            <a:r>
+              <a:rPr lang="ko-KR" altLang="en-US" dirty="0">
+                <a:latin typeface="HY헤드라인M" panose="02030600000101010101" pitchFamily="18" charset="-127"/>
+                <a:ea typeface="HY헤드라인M" panose="02030600000101010101" pitchFamily="18" charset="-127"/>
+              </a:rPr>
+              <a:t>학습 결과</a:t>
+            </a:r>
+          </a:p>
+        </p:txBody>
+      </p:sp>
+      <p:sp>
+        <p:nvSpPr>
+          <p:cNvPr id="3" name="내용 개체 틀 2">
+            <a:extLst>
+              <a:ext uri="{FF2B5EF4-FFF2-40B4-BE49-F238E27FC236}">
+                <a16:creationId xmlns:a16="http://schemas.microsoft.com/office/drawing/2014/main" id="{F9069CD3-CC94-4163-8EC1-73D5A83C2F3B}"/>
+              </a:ext>
+            </a:extLst>
+          </p:cNvPr>
+          <p:cNvSpPr>
+            <a:spLocks noGrp="1"/>
+          </p:cNvSpPr>
+          <p:nvPr>
+            <p:ph idx="1"/>
+          </p:nvPr>
+        </p:nvSpPr>
+        <p:spPr>
+          <a:xfrm>
+            <a:off x="1371600" y="1695450"/>
+            <a:ext cx="4290337" cy="4171950"/>
+          </a:xfrm>
+        </p:spPr>
+        <p:txBody>
+          <a:bodyPr/>
+          <a:lstStyle/>
+          <a:p>
+            <a:r>
+              <a:rPr lang="ko-KR" altLang="en-US" dirty="0">
+                <a:latin typeface="HY헤드라인M" panose="02030600000101010101" pitchFamily="18" charset="-127"/>
+                <a:ea typeface="HY헤드라인M" panose="02030600000101010101" pitchFamily="18" charset="-127"/>
+              </a:rPr>
+              <a:t>지폐의 학습결과와 달리 동전의 정밀도는 평균 </a:t>
+            </a:r>
+            <a:r>
+              <a:rPr lang="en-US" altLang="ko-KR" dirty="0">
+                <a:latin typeface="HY헤드라인M" panose="02030600000101010101" pitchFamily="18" charset="-127"/>
+                <a:ea typeface="HY헤드라인M" panose="02030600000101010101" pitchFamily="18" charset="-127"/>
+              </a:rPr>
+              <a:t>0.7mAP</a:t>
+            </a:r>
+            <a:r>
+              <a:rPr lang="ko-KR" altLang="en-US" dirty="0">
+                <a:latin typeface="HY헤드라인M" panose="02030600000101010101" pitchFamily="18" charset="-127"/>
+                <a:ea typeface="HY헤드라인M" panose="02030600000101010101" pitchFamily="18" charset="-127"/>
+              </a:rPr>
+              <a:t>로 비교적 낮다 </a:t>
+            </a:r>
+            <a:endParaRPr lang="en-US" altLang="ko-KR" dirty="0">
+              <a:latin typeface="HY헤드라인M" panose="02030600000101010101" pitchFamily="18" charset="-127"/>
+              <a:ea typeface="HY헤드라인M" panose="02030600000101010101" pitchFamily="18" charset="-127"/>
+            </a:endParaRPr>
+          </a:p>
+          <a:p>
+            <a:r>
+              <a:rPr lang="ko-KR" altLang="en-US" dirty="0">
+                <a:latin typeface="HY헤드라인M" panose="02030600000101010101" pitchFamily="18" charset="-127"/>
+                <a:ea typeface="HY헤드라인M" panose="02030600000101010101" pitchFamily="18" charset="-127"/>
+              </a:rPr>
+              <a:t>이는 금속재질 특유의 빛 반사로 인해 이미지에서 특징이 왜곡되었을 가능성이 있다</a:t>
+            </a:r>
+            <a:endParaRPr lang="en-US" altLang="ko-KR" dirty="0">
+              <a:latin typeface="HY헤드라인M" panose="02030600000101010101" pitchFamily="18" charset="-127"/>
+              <a:ea typeface="HY헤드라인M" panose="02030600000101010101" pitchFamily="18" charset="-127"/>
+            </a:endParaRPr>
+          </a:p>
+          <a:p>
+            <a:r>
+              <a:rPr lang="ko-KR" altLang="en-US" dirty="0">
+                <a:latin typeface="HY헤드라인M" panose="02030600000101010101" pitchFamily="18" charset="-127"/>
+                <a:ea typeface="HY헤드라인M" panose="02030600000101010101" pitchFamily="18" charset="-127"/>
+              </a:rPr>
+              <a:t>또한 학습 데이터의 품질</a:t>
+            </a:r>
+            <a:r>
+              <a:rPr lang="en-US" altLang="ko-KR" dirty="0">
+                <a:latin typeface="HY헤드라인M" panose="02030600000101010101" pitchFamily="18" charset="-127"/>
+                <a:ea typeface="HY헤드라인M" panose="02030600000101010101" pitchFamily="18" charset="-127"/>
+              </a:rPr>
+              <a:t>(</a:t>
+            </a:r>
+            <a:r>
+              <a:rPr lang="ko-KR" altLang="en-US" dirty="0" err="1">
+                <a:latin typeface="HY헤드라인M" panose="02030600000101010101" pitchFamily="18" charset="-127"/>
+                <a:ea typeface="HY헤드라인M" panose="02030600000101010101" pitchFamily="18" charset="-127"/>
+              </a:rPr>
+              <a:t>저화질</a:t>
+            </a:r>
+            <a:r>
+              <a:rPr lang="en-US" altLang="ko-KR" dirty="0">
+                <a:latin typeface="HY헤드라인M" panose="02030600000101010101" pitchFamily="18" charset="-127"/>
+                <a:ea typeface="HY헤드라인M" panose="02030600000101010101" pitchFamily="18" charset="-127"/>
+              </a:rPr>
+              <a:t>)</a:t>
+            </a:r>
+            <a:r>
+              <a:rPr lang="ko-KR" altLang="en-US" dirty="0">
+                <a:latin typeface="HY헤드라인M" panose="02030600000101010101" pitchFamily="18" charset="-127"/>
+                <a:ea typeface="HY헤드라인M" panose="02030600000101010101" pitchFamily="18" charset="-127"/>
+              </a:rPr>
+              <a:t> 문제가 있어 보인다</a:t>
+            </a:r>
+          </a:p>
+        </p:txBody>
+      </p:sp>
+      <p:pic>
+        <p:nvPicPr>
+          <p:cNvPr id="7" name="그림 6">
+            <a:extLst>
+              <a:ext uri="{FF2B5EF4-FFF2-40B4-BE49-F238E27FC236}">
+                <a16:creationId xmlns:a16="http://schemas.microsoft.com/office/drawing/2014/main" id="{3A2A11A3-0A07-4DB9-871C-96924C85E33A}"/>
+              </a:ext>
+            </a:extLst>
+          </p:cNvPr>
+          <p:cNvPicPr>
+            <a:picLocks noChangeAspect="1"/>
+          </p:cNvPicPr>
+          <p:nvPr/>
+        </p:nvPicPr>
+        <p:blipFill>
+          <a:blip r:embed="rId2"/>
+          <a:stretch>
+            <a:fillRect/>
+          </a:stretch>
+        </p:blipFill>
+        <p:spPr>
+          <a:xfrm>
+            <a:off x="5800725" y="1695450"/>
+            <a:ext cx="6153150" cy="4787900"/>
+          </a:xfrm>
+          <a:prstGeom prst="rect">
+            <a:avLst/>
+          </a:prstGeom>
+        </p:spPr>
+      </p:pic>
+      <p:cxnSp>
+        <p:nvCxnSpPr>
+          <p:cNvPr id="9" name="직선 연결선 8">
+            <a:extLst>
+              <a:ext uri="{FF2B5EF4-FFF2-40B4-BE49-F238E27FC236}">
+                <a16:creationId xmlns:a16="http://schemas.microsoft.com/office/drawing/2014/main" id="{F6463975-767F-4F79-B49C-E048BB4D2C4A}"/>
+              </a:ext>
+            </a:extLst>
+          </p:cNvPr>
+          <p:cNvCxnSpPr/>
+          <p:nvPr/>
+        </p:nvCxnSpPr>
+        <p:spPr>
+          <a:xfrm>
+            <a:off x="10039350" y="2769395"/>
+            <a:ext cx="1714500" cy="0"/>
+          </a:xfrm>
+          <a:prstGeom prst="line">
+            <a:avLst/>
+          </a:prstGeom>
+          <a:ln w="34925"/>
+        </p:spPr>
+        <p:style>
+          <a:lnRef idx="1">
+            <a:schemeClr val="accent6"/>
+          </a:lnRef>
+          <a:fillRef idx="0">
+            <a:schemeClr val="accent6"/>
+          </a:fillRef>
+          <a:effectRef idx="0">
+            <a:schemeClr val="accent6"/>
+          </a:effectRef>
+          <a:fontRef idx="minor">
+            <a:schemeClr val="tx1"/>
+          </a:fontRef>
+        </p:style>
+      </p:cxnSp>
+      <p:sp>
+        <p:nvSpPr>
+          <p:cNvPr id="10" name="TextBox 9">
+            <a:extLst>
+              <a:ext uri="{FF2B5EF4-FFF2-40B4-BE49-F238E27FC236}">
+                <a16:creationId xmlns:a16="http://schemas.microsoft.com/office/drawing/2014/main" id="{A58D05AC-C61F-448E-9D0D-9F93A668087C}"/>
+              </a:ext>
+            </a:extLst>
+          </p:cNvPr>
+          <p:cNvSpPr txBox="1"/>
+          <p:nvPr/>
+        </p:nvSpPr>
+        <p:spPr>
+          <a:xfrm>
+            <a:off x="11425237" y="2585799"/>
+            <a:ext cx="389850" cy="215444"/>
+          </a:xfrm>
+          <a:prstGeom prst="rect">
+            <a:avLst/>
+          </a:prstGeom>
+          <a:noFill/>
+        </p:spPr>
+        <p:txBody>
+          <a:bodyPr wrap="none" rtlCol="0">
+            <a:spAutoFit/>
+          </a:bodyPr>
+          <a:lstStyle/>
+          <a:p>
+            <a:r>
+              <a:rPr lang="ko-KR" altLang="en-US" sz="800" dirty="0">
+                <a:latin typeface="HY헤드라인M" panose="02030600000101010101" pitchFamily="18" charset="-127"/>
+                <a:ea typeface="HY헤드라인M" panose="02030600000101010101" pitchFamily="18" charset="-127"/>
+              </a:rPr>
+              <a:t>동전</a:t>
+            </a:r>
+          </a:p>
+        </p:txBody>
+      </p:sp>
+      <p:sp>
+        <p:nvSpPr>
+          <p:cNvPr id="11" name="TextBox 10">
+            <a:extLst>
+              <a:ext uri="{FF2B5EF4-FFF2-40B4-BE49-F238E27FC236}">
+                <a16:creationId xmlns:a16="http://schemas.microsoft.com/office/drawing/2014/main" id="{562532BB-A96F-4C66-A6C3-52F489A419D5}"/>
+              </a:ext>
+            </a:extLst>
+          </p:cNvPr>
+          <p:cNvSpPr txBox="1"/>
+          <p:nvPr/>
+        </p:nvSpPr>
+        <p:spPr>
+          <a:xfrm>
+            <a:off x="11425237" y="2761117"/>
+            <a:ext cx="389850" cy="215444"/>
+          </a:xfrm>
+          <a:prstGeom prst="rect">
+            <a:avLst/>
+          </a:prstGeom>
+          <a:noFill/>
+        </p:spPr>
+        <p:txBody>
+          <a:bodyPr wrap="none" rtlCol="0">
+            <a:spAutoFit/>
+          </a:bodyPr>
+          <a:lstStyle/>
+          <a:p>
+            <a:r>
+              <a:rPr lang="ko-KR" altLang="en-US" sz="800" dirty="0">
+                <a:latin typeface="HY헤드라인M" panose="02030600000101010101" pitchFamily="18" charset="-127"/>
+                <a:ea typeface="HY헤드라인M" panose="02030600000101010101" pitchFamily="18" charset="-127"/>
+              </a:rPr>
+              <a:t>지폐</a:t>
+            </a:r>
+          </a:p>
+        </p:txBody>
+      </p:sp>
+      <p:pic>
+        <p:nvPicPr>
+          <p:cNvPr id="1026" name="Picture 2">
+            <a:extLst>
+              <a:ext uri="{FF2B5EF4-FFF2-40B4-BE49-F238E27FC236}">
+                <a16:creationId xmlns:a16="http://schemas.microsoft.com/office/drawing/2014/main" id="{F81C12ED-6583-46CE-892D-A9E3EE0D89A1}"/>
+              </a:ext>
+            </a:extLst>
+          </p:cNvPr>
+          <p:cNvPicPr>
+            <a:picLocks noChangeAspect="1" noChangeArrowheads="1"/>
+          </p:cNvPicPr>
+          <p:nvPr/>
+        </p:nvPicPr>
+        <p:blipFill rotWithShape="1">
+          <a:blip r:embed="rId3">
+            <a:extLst>
+              <a:ext uri="{28A0092B-C50C-407E-A947-70E740481C1C}">
+                <a14:useLocalDpi xmlns:a14="http://schemas.microsoft.com/office/drawing/2010/main" val="0"/>
+              </a:ext>
+            </a:extLst>
+          </a:blip>
+          <a:srcRect l="47982" t="29811" r="-804" b="12918"/>
+          <a:stretch/>
+        </p:blipFill>
+        <p:spPr bwMode="auto">
+          <a:xfrm>
+            <a:off x="1232813" y="4449266"/>
+            <a:ext cx="2221588" cy="2408734"/>
+          </a:xfrm>
+          <a:prstGeom prst="rect">
+            <a:avLst/>
+          </a:prstGeom>
+          <a:noFill/>
+          <a:extLst>
+            <a:ext uri="{909E8E84-426E-40DD-AFC4-6F175D3DCCD1}">
+              <a14:hiddenFill xmlns:a14="http://schemas.microsoft.com/office/drawing/2010/main">
+                <a:solidFill>
+                  <a:srgbClr val="FFFFFF"/>
+                </a:solidFill>
+              </a14:hiddenFill>
+            </a:ext>
+          </a:extLst>
+        </p:spPr>
+      </p:pic>
+      <p:pic>
+        <p:nvPicPr>
+          <p:cNvPr id="1028" name="Picture 4">
+            <a:extLst>
+              <a:ext uri="{FF2B5EF4-FFF2-40B4-BE49-F238E27FC236}">
+                <a16:creationId xmlns:a16="http://schemas.microsoft.com/office/drawing/2014/main" id="{F23A458C-FFBB-41D1-9840-FC8D1FACC955}"/>
+              </a:ext>
+            </a:extLst>
+          </p:cNvPr>
+          <p:cNvPicPr>
+            <a:picLocks noChangeAspect="1" noChangeArrowheads="1"/>
+          </p:cNvPicPr>
+          <p:nvPr/>
+        </p:nvPicPr>
+        <p:blipFill rotWithShape="1">
+          <a:blip r:embed="rId4">
+            <a:extLst>
+              <a:ext uri="{28A0092B-C50C-407E-A947-70E740481C1C}">
+                <a14:useLocalDpi xmlns:a14="http://schemas.microsoft.com/office/drawing/2010/main" val="0"/>
+              </a:ext>
+            </a:extLst>
+          </a:blip>
+          <a:srcRect l="52094" t="13019" r="17759" b="29626"/>
+          <a:stretch/>
+        </p:blipFill>
+        <p:spPr bwMode="auto">
+          <a:xfrm>
+            <a:off x="3401062" y="4449266"/>
+            <a:ext cx="2260875" cy="2408734"/>
+          </a:xfrm>
+          <a:prstGeom prst="rect">
+            <a:avLst/>
+          </a:prstGeom>
+          <a:noFill/>
+          <a:extLst>
+            <a:ext uri="{909E8E84-426E-40DD-AFC4-6F175D3DCCD1}">
+              <a14:hiddenFill xmlns:a14="http://schemas.microsoft.com/office/drawing/2010/main">
+                <a:solidFill>
+                  <a:srgbClr val="FFFFFF"/>
+                </a:solidFill>
+              </a14:hiddenFill>
+            </a:ext>
+          </a:extLst>
+        </p:spPr>
+      </p:pic>
+      <p:sp>
+        <p:nvSpPr>
+          <p:cNvPr id="5" name="슬라이드 번호 개체 틀 4">
+            <a:extLst>
+              <a:ext uri="{FF2B5EF4-FFF2-40B4-BE49-F238E27FC236}">
+                <a16:creationId xmlns:a16="http://schemas.microsoft.com/office/drawing/2014/main" id="{E2E224ED-EA93-4721-8B7F-3CE9DB034965}"/>
+              </a:ext>
+            </a:extLst>
+          </p:cNvPr>
+          <p:cNvSpPr>
+            <a:spLocks noGrp="1"/>
+          </p:cNvSpPr>
+          <p:nvPr>
+            <p:ph type="sldNum" sz="quarter" idx="12"/>
+          </p:nvPr>
+        </p:nvSpPr>
+        <p:spPr/>
+        <p:txBody>
+          <a:bodyPr/>
+          <a:lstStyle/>
+          <a:p>
+            <a:fld id="{69E57DC2-970A-4B3E-BB1C-7A09969E49DF}" type="slidenum">
+              <a:rPr lang="en-US" smtClean="0"/>
+              <a:t>8</a:t>
+            </a:fld>
+            <a:endParaRPr lang="en-US" dirty="0"/>
+          </a:p>
+        </p:txBody>
+      </p:sp>
+    </p:spTree>
+    <p:extLst>
+      <p:ext uri="{BB962C8B-B14F-4D97-AF65-F5344CB8AC3E}">
+        <p14:creationId xmlns:p14="http://schemas.microsoft.com/office/powerpoint/2010/main" val="3410366329"/>
       </p:ext>
     </p:extLst>
   </p:cSld>
@@ -9888,7 +10752,7 @@
         <p:spPr>
           <a:xfrm>
             <a:off x="1371600" y="685800"/>
-            <a:ext cx="9601200" cy="733425"/>
+            <a:ext cx="9601200" cy="749300"/>
           </a:xfrm>
         </p:spPr>
         <p:txBody>
@@ -9900,7 +10764,7 @@
                 <a:latin typeface="HY헤드라인M" panose="02030600000101010101" pitchFamily="18" charset="-127"/>
                 <a:ea typeface="HY헤드라인M" panose="02030600000101010101" pitchFamily="18" charset="-127"/>
               </a:rPr>
-              <a:t>웹 애플리케이션</a:t>
+              <a:t>시스템 구성</a:t>
             </a:r>
           </a:p>
         </p:txBody>
@@ -9923,317 +10787,241 @@
         </p:nvSpPr>
         <p:spPr>
           <a:xfrm>
-            <a:off x="1371600" y="1695450"/>
-            <a:ext cx="5534025" cy="4171950"/>
+            <a:off x="1371600" y="1574800"/>
+            <a:ext cx="4724400" cy="4292600"/>
           </a:xfrm>
         </p:spPr>
         <p:txBody>
-          <a:bodyPr>
-            <a:normAutofit/>
-          </a:bodyPr>
+          <a:bodyPr/>
           <a:lstStyle/>
           <a:p>
             <a:r>
-              <a:rPr lang="ko-KR" altLang="en-US" sz="1800" dirty="0">
-                <a:latin typeface="HY헤드라인M" panose="02030600000101010101" pitchFamily="18" charset="-127"/>
-                <a:ea typeface="HY헤드라인M" panose="02030600000101010101" pitchFamily="18" charset="-127"/>
-              </a:rPr>
-              <a:t>기능</a:t>
-            </a:r>
-            <a:endParaRPr lang="en-US" altLang="ko-KR" sz="1800" dirty="0">
+              <a:rPr lang="ko-KR" altLang="en-US" dirty="0">
+                <a:latin typeface="HY헤드라인M" panose="02030600000101010101" pitchFamily="18" charset="-127"/>
+                <a:ea typeface="HY헤드라인M" panose="02030600000101010101" pitchFamily="18" charset="-127"/>
+              </a:rPr>
+              <a:t>사용 라이브러리</a:t>
+            </a:r>
+            <a:endParaRPr lang="en-US" altLang="ko-KR" dirty="0">
               <a:latin typeface="HY헤드라인M" panose="02030600000101010101" pitchFamily="18" charset="-127"/>
               <a:ea typeface="HY헤드라인M" panose="02030600000101010101" pitchFamily="18" charset="-127"/>
             </a:endParaRPr>
           </a:p>
           <a:p>
-            <a:pPr lvl="1"/>
-            <a:r>
-              <a:rPr lang="ko-KR" altLang="en-US" sz="1800" i="0" dirty="0">
-                <a:latin typeface="HY헤드라인M" panose="02030600000101010101" pitchFamily="18" charset="-127"/>
-                <a:ea typeface="HY헤드라인M" panose="02030600000101010101" pitchFamily="18" charset="-127"/>
-              </a:rPr>
-              <a:t>파일 업로드 폼 제공</a:t>
-            </a:r>
-            <a:endParaRPr lang="en-US" altLang="ko-KR" sz="1800" i="0" dirty="0">
+            <a:pPr marL="530352" lvl="1" indent="0">
+              <a:buNone/>
+            </a:pPr>
+            <a:r>
+              <a:rPr lang="en-US" altLang="ko-KR" sz="1400" i="0" dirty="0">
+                <a:latin typeface="HY헤드라인M" panose="02030600000101010101" pitchFamily="18" charset="-127"/>
+                <a:ea typeface="HY헤드라인M" panose="02030600000101010101" pitchFamily="18" charset="-127"/>
+              </a:rPr>
+              <a:t>- YOLOv11		 - Torch(</a:t>
+            </a:r>
+            <a:r>
+              <a:rPr lang="ko-KR" altLang="en-US" sz="1400" i="0" dirty="0">
+                <a:latin typeface="HY헤드라인M" panose="02030600000101010101" pitchFamily="18" charset="-127"/>
+                <a:ea typeface="HY헤드라인M" panose="02030600000101010101" pitchFamily="18" charset="-127"/>
+              </a:rPr>
+              <a:t>모델 학습</a:t>
+            </a:r>
+            <a:r>
+              <a:rPr lang="en-US" altLang="ko-KR" sz="1400" i="0" dirty="0">
+                <a:latin typeface="HY헤드라인M" panose="02030600000101010101" pitchFamily="18" charset="-127"/>
+                <a:ea typeface="HY헤드라인M" panose="02030600000101010101" pitchFamily="18" charset="-127"/>
+              </a:rPr>
+              <a:t>)</a:t>
+            </a:r>
+          </a:p>
+          <a:p>
+            <a:pPr marL="530352" lvl="1" indent="0">
+              <a:buNone/>
+            </a:pPr>
+            <a:r>
+              <a:rPr lang="en-US" altLang="ko-KR" sz="1400" i="0" dirty="0">
+                <a:latin typeface="HY헤드라인M" panose="02030600000101010101" pitchFamily="18" charset="-127"/>
+                <a:ea typeface="HY헤드라인M" panose="02030600000101010101" pitchFamily="18" charset="-127"/>
+              </a:rPr>
+              <a:t>- </a:t>
+            </a:r>
+            <a:r>
+              <a:rPr lang="en-US" altLang="ko-KR" sz="1400" i="0" dirty="0" err="1">
+                <a:latin typeface="HY헤드라인M" panose="02030600000101010101" pitchFamily="18" charset="-127"/>
+                <a:ea typeface="HY헤드라인M" panose="02030600000101010101" pitchFamily="18" charset="-127"/>
+              </a:rPr>
+              <a:t>FastAPI</a:t>
+            </a:r>
+            <a:r>
+              <a:rPr lang="en-US" altLang="ko-KR" sz="1400" i="0" dirty="0">
+                <a:latin typeface="HY헤드라인M" panose="02030600000101010101" pitchFamily="18" charset="-127"/>
+                <a:ea typeface="HY헤드라인M" panose="02030600000101010101" pitchFamily="18" charset="-127"/>
+              </a:rPr>
+              <a:t>(</a:t>
+            </a:r>
+            <a:r>
+              <a:rPr lang="ko-KR" altLang="en-US" sz="1400" i="0" dirty="0">
+                <a:latin typeface="HY헤드라인M" panose="02030600000101010101" pitchFamily="18" charset="-127"/>
+                <a:ea typeface="HY헤드라인M" panose="02030600000101010101" pitchFamily="18" charset="-127"/>
+              </a:rPr>
+              <a:t>웹 프레임워크</a:t>
+            </a:r>
+            <a:r>
+              <a:rPr lang="en-US" altLang="ko-KR" sz="1400" i="0" dirty="0">
+                <a:latin typeface="HY헤드라인M" panose="02030600000101010101" pitchFamily="18" charset="-127"/>
+                <a:ea typeface="HY헤드라인M" panose="02030600000101010101" pitchFamily="18" charset="-127"/>
+              </a:rPr>
+              <a:t>)	 - </a:t>
+            </a:r>
+            <a:r>
+              <a:rPr lang="en-US" altLang="ko-KR" sz="1400" i="0" dirty="0" err="1">
+                <a:latin typeface="HY헤드라인M" panose="02030600000101010101" pitchFamily="18" charset="-127"/>
+                <a:ea typeface="HY헤드라인M" panose="02030600000101010101" pitchFamily="18" charset="-127"/>
+              </a:rPr>
+              <a:t>Torchvision</a:t>
+            </a:r>
+            <a:endParaRPr lang="en-US" altLang="ko-KR" sz="1400" i="0" dirty="0">
               <a:latin typeface="HY헤드라인M" panose="02030600000101010101" pitchFamily="18" charset="-127"/>
               <a:ea typeface="HY헤드라인M" panose="02030600000101010101" pitchFamily="18" charset="-127"/>
             </a:endParaRPr>
           </a:p>
           <a:p>
-            <a:pPr lvl="1"/>
-            <a:r>
-              <a:rPr lang="en-US" altLang="ko-KR" sz="1800" i="0" dirty="0">
-                <a:latin typeface="HY헤드라인M" panose="02030600000101010101" pitchFamily="18" charset="-127"/>
-                <a:ea typeface="HY헤드라인M" panose="02030600000101010101" pitchFamily="18" charset="-127"/>
-              </a:rPr>
-              <a:t>YOLO</a:t>
-            </a:r>
-            <a:r>
-              <a:rPr lang="ko-KR" altLang="en-US" sz="1800" i="0" dirty="0">
-                <a:latin typeface="HY헤드라인M" panose="02030600000101010101" pitchFamily="18" charset="-127"/>
-                <a:ea typeface="HY헤드라인M" panose="02030600000101010101" pitchFamily="18" charset="-127"/>
-              </a:rPr>
-              <a:t>분석 결과</a:t>
-            </a:r>
-            <a:r>
-              <a:rPr lang="en-US" altLang="ko-KR" sz="1800" i="0" dirty="0">
+            <a:pPr marL="530352" lvl="1" indent="0">
+              <a:buNone/>
+            </a:pPr>
+            <a:r>
+              <a:rPr lang="en-US" altLang="ko-KR" sz="1400" i="0" dirty="0">
+                <a:latin typeface="HY헤드라인M" panose="02030600000101010101" pitchFamily="18" charset="-127"/>
+                <a:ea typeface="HY헤드라인M" panose="02030600000101010101" pitchFamily="18" charset="-127"/>
+              </a:rPr>
+              <a:t>- </a:t>
+            </a:r>
+            <a:r>
+              <a:rPr lang="en-US" altLang="ko-KR" sz="1400" i="0" dirty="0" err="1">
+                <a:latin typeface="HY헤드라인M" panose="02030600000101010101" pitchFamily="18" charset="-127"/>
+                <a:ea typeface="HY헤드라인M" panose="02030600000101010101" pitchFamily="18" charset="-127"/>
+              </a:rPr>
+              <a:t>Uvicorn</a:t>
+            </a:r>
+            <a:r>
+              <a:rPr lang="en-US" altLang="ko-KR" sz="1400" i="0" dirty="0">
                 <a:latin typeface="HY헤드라인M" panose="02030600000101010101" pitchFamily="18" charset="-127"/>
                 <a:ea typeface="HY헤드라인M" panose="02030600000101010101" pitchFamily="18" charset="-127"/>
               </a:rPr>
               <a:t>(</a:t>
             </a:r>
             <a:r>
-              <a:rPr lang="ko-KR" altLang="en-US" sz="1800" i="0" dirty="0">
-                <a:latin typeface="HY헤드라인M" panose="02030600000101010101" pitchFamily="18" charset="-127"/>
-                <a:ea typeface="HY헤드라인M" panose="02030600000101010101" pitchFamily="18" charset="-127"/>
-              </a:rPr>
-              <a:t>총 금액 및 화폐 개수 출력</a:t>
-            </a:r>
-            <a:endParaRPr lang="en-US" altLang="ko-KR" sz="1800" i="0" dirty="0">
+              <a:rPr lang="ko-KR" altLang="en-US" sz="1400" i="0" dirty="0">
+                <a:latin typeface="HY헤드라인M" panose="02030600000101010101" pitchFamily="18" charset="-127"/>
+                <a:ea typeface="HY헤드라인M" panose="02030600000101010101" pitchFamily="18" charset="-127"/>
+              </a:rPr>
+              <a:t>웹 서버</a:t>
+            </a:r>
+            <a:r>
+              <a:rPr lang="en-US" altLang="ko-KR" sz="1400" i="0" dirty="0">
+                <a:latin typeface="HY헤드라인M" panose="02030600000101010101" pitchFamily="18" charset="-127"/>
+                <a:ea typeface="HY헤드라인M" panose="02030600000101010101" pitchFamily="18" charset="-127"/>
+              </a:rPr>
+              <a:t>)	 </a:t>
+            </a:r>
+          </a:p>
+          <a:p>
+            <a:pPr marL="530352" lvl="1" indent="0">
+              <a:buNone/>
+            </a:pPr>
+            <a:r>
+              <a:rPr lang="en-US" altLang="ko-KR" sz="1400" i="0" dirty="0">
+                <a:latin typeface="HY헤드라인M" panose="02030600000101010101" pitchFamily="18" charset="-127"/>
+                <a:ea typeface="HY헤드라인M" panose="02030600000101010101" pitchFamily="18" charset="-127"/>
+              </a:rPr>
+              <a:t>- OpenCV(</a:t>
+            </a:r>
+            <a:r>
+              <a:rPr lang="ko-KR" altLang="en-US" sz="1400" i="0" dirty="0">
+                <a:latin typeface="HY헤드라인M" panose="02030600000101010101" pitchFamily="18" charset="-127"/>
+                <a:ea typeface="HY헤드라인M" panose="02030600000101010101" pitchFamily="18" charset="-127"/>
+              </a:rPr>
+              <a:t>이미지 처리</a:t>
+            </a:r>
+            <a:r>
+              <a:rPr lang="en-US" altLang="ko-KR" sz="1400" i="0" dirty="0">
+                <a:latin typeface="HY헤드라인M" panose="02030600000101010101" pitchFamily="18" charset="-127"/>
+                <a:ea typeface="HY헤드라인M" panose="02030600000101010101" pitchFamily="18" charset="-127"/>
+              </a:rPr>
+              <a:t>)</a:t>
+            </a:r>
+          </a:p>
+          <a:p>
+            <a:pPr marL="530352" lvl="1" indent="0">
+              <a:buNone/>
+            </a:pPr>
+            <a:r>
+              <a:rPr lang="en-US" altLang="ko-KR" sz="1400" i="0" dirty="0">
+                <a:latin typeface="HY헤드라인M" panose="02030600000101010101" pitchFamily="18" charset="-127"/>
+                <a:ea typeface="HY헤드라인M" panose="02030600000101010101" pitchFamily="18" charset="-127"/>
+              </a:rPr>
+              <a:t>- Jinja2 (</a:t>
+            </a:r>
+            <a:r>
+              <a:rPr lang="ko-KR" altLang="en-US" sz="1400" i="0" dirty="0">
+                <a:latin typeface="HY헤드라인M" panose="02030600000101010101" pitchFamily="18" charset="-127"/>
+                <a:ea typeface="HY헤드라인M" panose="02030600000101010101" pitchFamily="18" charset="-127"/>
+              </a:rPr>
+              <a:t>웹 페이지 렌더링</a:t>
+            </a:r>
+            <a:r>
+              <a:rPr lang="en-US" altLang="ko-KR" sz="1400" i="0" dirty="0">
+                <a:latin typeface="HY헤드라인M" panose="02030600000101010101" pitchFamily="18" charset="-127"/>
+                <a:ea typeface="HY헤드라인M" panose="02030600000101010101" pitchFamily="18" charset="-127"/>
+              </a:rPr>
+              <a:t>)</a:t>
+            </a:r>
+          </a:p>
+          <a:p>
+            <a:r>
+              <a:rPr lang="ko-KR" altLang="en-US" i="0" dirty="0">
+                <a:latin typeface="HY헤드라인M" panose="02030600000101010101" pitchFamily="18" charset="-127"/>
+                <a:ea typeface="HY헤드라인M" panose="02030600000101010101" pitchFamily="18" charset="-127"/>
+              </a:rPr>
+              <a:t>깃 다운로드</a:t>
+            </a:r>
+            <a:endParaRPr lang="en-US" altLang="ko-KR" i="0" dirty="0">
               <a:latin typeface="HY헤드라인M" panose="02030600000101010101" pitchFamily="18" charset="-127"/>
               <a:ea typeface="HY헤드라인M" panose="02030600000101010101" pitchFamily="18" charset="-127"/>
             </a:endParaRPr>
           </a:p>
           <a:p>
-            <a:pPr lvl="1"/>
-            <a:r>
-              <a:rPr lang="ko-KR" altLang="en-US" sz="1800" i="0" dirty="0">
-                <a:latin typeface="HY헤드라인M" panose="02030600000101010101" pitchFamily="18" charset="-127"/>
-                <a:ea typeface="HY헤드라인M" panose="02030600000101010101" pitchFamily="18" charset="-127"/>
-              </a:rPr>
-              <a:t>감지된 화폐가 표시된 이미지 제공</a:t>
-            </a:r>
-            <a:endParaRPr lang="en-US" altLang="ko-KR" sz="1800" i="0" dirty="0">
+            <a:endParaRPr lang="en-US" altLang="ko-KR" i="0" dirty="0">
               <a:latin typeface="HY헤드라인M" panose="02030600000101010101" pitchFamily="18" charset="-127"/>
               <a:ea typeface="HY헤드라인M" panose="02030600000101010101" pitchFamily="18" charset="-127"/>
             </a:endParaRPr>
           </a:p>
           <a:p>
-            <a:pPr lvl="1"/>
-            <a:r>
-              <a:rPr lang="ko-KR" altLang="en-US" sz="1800" i="0" dirty="0">
-                <a:latin typeface="HY헤드라인M" panose="02030600000101010101" pitchFamily="18" charset="-127"/>
-                <a:ea typeface="HY헤드라인M" panose="02030600000101010101" pitchFamily="18" charset="-127"/>
-              </a:rPr>
-              <a:t>모바일 유저를 위한 카메라 및 갤러리 탐색 기능 지원</a:t>
-            </a:r>
-            <a:endParaRPr lang="en-US" altLang="ko-KR" sz="1800" i="0" dirty="0">
+            <a:endParaRPr lang="en-US" altLang="ko-KR" i="0" dirty="0">
               <a:latin typeface="HY헤드라인M" panose="02030600000101010101" pitchFamily="18" charset="-127"/>
               <a:ea typeface="HY헤드라인M" panose="02030600000101010101" pitchFamily="18" charset="-127"/>
             </a:endParaRPr>
           </a:p>
           <a:p>
-            <a:pPr marL="384048" marR="0" lvl="0" indent="-384048" algn="l" defTabSz="914400" rtl="0" eaLnBrk="1" fontAlgn="auto" latinLnBrk="1" hangingPunct="1">
-              <a:lnSpc>
-                <a:spcPct val="94000"/>
-              </a:lnSpc>
-              <a:spcBef>
-                <a:spcPts val="1000"/>
-              </a:spcBef>
-              <a:spcAft>
-                <a:spcPts val="200"/>
-              </a:spcAft>
-              <a:buClrTx/>
-              <a:buSzTx/>
-              <a:buFont typeface="Franklin Gothic Book" panose="020B0503020102020204" pitchFamily="34" charset="0"/>
-              <a:buChar char="■"/>
-              <a:tabLst/>
-              <a:defRPr/>
-            </a:pPr>
-            <a:r>
-              <a:rPr lang="ko-KR" altLang="en-US" sz="1800" dirty="0">
-                <a:solidFill>
-                  <a:srgbClr val="191B0E"/>
-                </a:solidFill>
-                <a:latin typeface="HY헤드라인M" panose="02030600000101010101" pitchFamily="18" charset="-127"/>
-                <a:ea typeface="HY헤드라인M" panose="02030600000101010101" pitchFamily="18" charset="-127"/>
-              </a:rPr>
-              <a:t>서버 실행 방법</a:t>
-            </a:r>
-            <a:r>
-              <a:rPr lang="en-US" altLang="ko-KR" sz="1800" dirty="0">
-                <a:solidFill>
-                  <a:srgbClr val="191B0E"/>
-                </a:solidFill>
-                <a:latin typeface="HY헤드라인M" panose="02030600000101010101" pitchFamily="18" charset="-127"/>
-                <a:ea typeface="HY헤드라인M" panose="02030600000101010101" pitchFamily="18" charset="-127"/>
-              </a:rPr>
-              <a:t>(</a:t>
-            </a:r>
-            <a:r>
-              <a:rPr lang="ko-KR" altLang="en-US" sz="1800" dirty="0">
-                <a:solidFill>
-                  <a:srgbClr val="191B0E"/>
-                </a:solidFill>
-                <a:latin typeface="HY헤드라인M" panose="02030600000101010101" pitchFamily="18" charset="-127"/>
-                <a:ea typeface="HY헤드라인M" panose="02030600000101010101" pitchFamily="18" charset="-127"/>
-              </a:rPr>
-              <a:t>로컬</a:t>
-            </a:r>
-            <a:r>
-              <a:rPr lang="en-US" altLang="ko-KR" sz="1800" dirty="0">
-                <a:solidFill>
-                  <a:srgbClr val="191B0E"/>
-                </a:solidFill>
-                <a:latin typeface="HY헤드라인M" panose="02030600000101010101" pitchFamily="18" charset="-127"/>
-                <a:ea typeface="HY헤드라인M" panose="02030600000101010101" pitchFamily="18" charset="-127"/>
-              </a:rPr>
-              <a:t>)</a:t>
-            </a:r>
-          </a:p>
-          <a:p>
-            <a:pPr marL="384048" marR="0" lvl="0" indent="-384048" algn="l" defTabSz="914400" rtl="0" eaLnBrk="1" fontAlgn="auto" latinLnBrk="1" hangingPunct="1">
-              <a:lnSpc>
-                <a:spcPct val="94000"/>
-              </a:lnSpc>
-              <a:spcBef>
-                <a:spcPts val="1000"/>
-              </a:spcBef>
-              <a:spcAft>
-                <a:spcPts val="200"/>
-              </a:spcAft>
-              <a:buClrTx/>
-              <a:buSzTx/>
-              <a:buFont typeface="Franklin Gothic Book" panose="020B0503020102020204" pitchFamily="34" charset="0"/>
-              <a:buChar char="■"/>
-              <a:tabLst/>
-              <a:defRPr/>
-            </a:pPr>
-            <a:endParaRPr kumimoji="0" lang="en-US" altLang="ko-KR" b="0" i="0" u="none" strike="noStrike" kern="1200" cap="none" spc="0" normalizeH="0" baseline="0" noProof="0" dirty="0">
-              <a:ln>
-                <a:noFill/>
-              </a:ln>
-              <a:solidFill>
-                <a:srgbClr val="191B0E"/>
-              </a:solidFill>
-              <a:effectLst/>
-              <a:uLnTx/>
-              <a:uFillTx/>
-              <a:latin typeface="HY헤드라인M" panose="02030600000101010101" pitchFamily="18" charset="-127"/>
-              <a:ea typeface="HY헤드라인M" panose="02030600000101010101" pitchFamily="18" charset="-127"/>
-              <a:cs typeface="+mn-cs"/>
-            </a:endParaRPr>
-          </a:p>
-          <a:p>
-            <a:pPr marL="0" marR="0" lvl="0" indent="0" algn="l" defTabSz="914400" rtl="0" eaLnBrk="1" fontAlgn="auto" latinLnBrk="1" hangingPunct="1">
-              <a:lnSpc>
-                <a:spcPct val="94000"/>
-              </a:lnSpc>
-              <a:spcBef>
-                <a:spcPts val="1000"/>
-              </a:spcBef>
-              <a:spcAft>
-                <a:spcPts val="200"/>
-              </a:spcAft>
-              <a:buClrTx/>
-              <a:buSzTx/>
-              <a:buNone/>
-              <a:tabLst/>
-              <a:defRPr/>
-            </a:pPr>
-            <a:r>
-              <a:rPr lang="en-US" altLang="ko-KR" dirty="0">
-                <a:solidFill>
-                  <a:srgbClr val="191B0E"/>
-                </a:solidFill>
-                <a:latin typeface="HY헤드라인M" panose="02030600000101010101" pitchFamily="18" charset="-127"/>
-                <a:ea typeface="HY헤드라인M" panose="02030600000101010101" pitchFamily="18" charset="-127"/>
-              </a:rPr>
-              <a:t>	</a:t>
-            </a:r>
-          </a:p>
-          <a:p>
-            <a:pPr lvl="1"/>
-            <a:r>
-              <a:rPr lang="en-US" altLang="ko-KR" sz="1800" i="0" dirty="0">
-                <a:latin typeface="HY헤드라인M" panose="02030600000101010101" pitchFamily="18" charset="-127"/>
-                <a:ea typeface="HY헤드라인M" panose="02030600000101010101" pitchFamily="18" charset="-127"/>
-              </a:rPr>
-              <a:t>http://127.0.0.1:8000/ </a:t>
-            </a:r>
-            <a:r>
-              <a:rPr lang="ko-KR" altLang="en-US" sz="1800" i="0" dirty="0">
-                <a:latin typeface="HY헤드라인M" panose="02030600000101010101" pitchFamily="18" charset="-127"/>
-                <a:ea typeface="HY헤드라인M" panose="02030600000101010101" pitchFamily="18" charset="-127"/>
-              </a:rPr>
-              <a:t>로 접속</a:t>
-            </a:r>
-          </a:p>
-          <a:p>
-            <a:pPr lvl="1"/>
-            <a:endParaRPr lang="en-US" altLang="ko-KR" sz="1800" dirty="0">
+            <a:r>
+              <a:rPr lang="ko-KR" altLang="en-US" dirty="0">
+                <a:latin typeface="HY헤드라인M" panose="02030600000101010101" pitchFamily="18" charset="-127"/>
+                <a:ea typeface="HY헤드라인M" panose="02030600000101010101" pitchFamily="18" charset="-127"/>
+              </a:rPr>
+              <a:t>라이브러리 설치 </a:t>
+            </a:r>
+            <a:endParaRPr lang="ko-KR" altLang="en-US" i="0" dirty="0">
               <a:latin typeface="HY헤드라인M" panose="02030600000101010101" pitchFamily="18" charset="-127"/>
               <a:ea typeface="HY헤드라인M" panose="02030600000101010101" pitchFamily="18" charset="-127"/>
             </a:endParaRPr>
           </a:p>
         </p:txBody>
       </p:sp>
-      <p:pic>
-        <p:nvPicPr>
-          <p:cNvPr id="5" name="그림 4">
+      <p:sp>
+        <p:nvSpPr>
+          <p:cNvPr id="4" name="사각형: 둥근 모서리 3">
             <a:extLst>
               <a:ext uri="{FF2B5EF4-FFF2-40B4-BE49-F238E27FC236}">
-                <a16:creationId xmlns:a16="http://schemas.microsoft.com/office/drawing/2014/main" id="{F7D40406-94D5-4AA9-9BB3-D3D4C4FC033B}"/>
-              </a:ext>
-            </a:extLst>
-          </p:cNvPr>
-          <p:cNvPicPr>
-            <a:picLocks noChangeAspect="1"/>
-          </p:cNvPicPr>
-          <p:nvPr/>
-        </p:nvPicPr>
-        <p:blipFill>
-          <a:blip r:embed="rId2"/>
-          <a:stretch>
-            <a:fillRect/>
-          </a:stretch>
-        </p:blipFill>
-        <p:spPr>
-          <a:xfrm>
-            <a:off x="7090774" y="983796"/>
-            <a:ext cx="4889692" cy="5762625"/>
-          </a:xfrm>
-          <a:prstGeom prst="rect">
-            <a:avLst/>
-          </a:prstGeom>
-          <a:solidFill>
-            <a:srgbClr val="FFFFFF">
-              <a:shade val="85000"/>
-            </a:srgbClr>
-          </a:solidFill>
-          <a:ln w="88900" cap="sq">
-            <a:solidFill>
-              <a:srgbClr val="FFFFFF"/>
-            </a:solidFill>
-            <a:miter lim="800000"/>
-          </a:ln>
-          <a:effectLst>
-            <a:outerShdw blurRad="55000" dist="18000" dir="5400000" algn="tl" rotWithShape="0">
-              <a:srgbClr val="000000">
-                <a:alpha val="40000"/>
-              </a:srgbClr>
-            </a:outerShdw>
-          </a:effectLst>
-          <a:scene3d>
-            <a:camera prst="orthographicFront"/>
-            <a:lightRig rig="twoPt" dir="t">
-              <a:rot lat="0" lon="0" rev="7200000"/>
-            </a:lightRig>
-          </a:scene3d>
-          <a:sp3d>
-            <a:bevelT w="25400" h="19050"/>
-            <a:contourClr>
-              <a:srgbClr val="FFFFFF"/>
-            </a:contourClr>
-          </a:sp3d>
-        </p:spPr>
-      </p:pic>
-      <p:sp>
-        <p:nvSpPr>
-          <p:cNvPr id="6" name="사각형: 둥근 모서리 5">
-            <a:extLst>
-              <a:ext uri="{FF2B5EF4-FFF2-40B4-BE49-F238E27FC236}">
-                <a16:creationId xmlns:a16="http://schemas.microsoft.com/office/drawing/2014/main" id="{683D6245-730E-4AE4-BF2F-FCAF06CD5921}"/>
+                <a16:creationId xmlns:a16="http://schemas.microsoft.com/office/drawing/2014/main" id="{E1776305-CC13-4CAC-93E8-CF594A8C2401}"/>
               </a:ext>
             </a:extLst>
           </p:cNvPr>
@@ -10242,8 +11030,8 @@
         </p:nvSpPr>
         <p:spPr>
           <a:xfrm>
-            <a:off x="1590676" y="4283076"/>
-            <a:ext cx="5181600" cy="403224"/>
+            <a:off x="6331940" y="1574800"/>
+            <a:ext cx="4640860" cy="4292600"/>
           </a:xfrm>
           <a:prstGeom prst="roundRect">
             <a:avLst>
@@ -10278,28 +11066,584 @@
           <a:lstStyle/>
           <a:p>
             <a:r>
+              <a:rPr lang="en-US" altLang="ko-KR" sz="1000" dirty="0" err="1"/>
+              <a:t>moneycounter</a:t>
+            </a:r>
+            <a:r>
+              <a:rPr lang="en-US" altLang="ko-KR" sz="1000" dirty="0"/>
+              <a:t>/</a:t>
+            </a:r>
+          </a:p>
+          <a:p>
+            <a:r>
+              <a:rPr lang="en-US" altLang="ko-KR" sz="1000" dirty="0"/>
+              <a:t>│</a:t>
+            </a:r>
+          </a:p>
+          <a:p>
+            <a:r>
+              <a:rPr lang="en-US" altLang="ko-KR" sz="1000" dirty="0"/>
+              <a:t>├── runs/ 		# YOLO </a:t>
+            </a:r>
+            <a:r>
+              <a:rPr lang="ko-KR" altLang="en-US" sz="1000" dirty="0"/>
+              <a:t>실행 결과 저장 폴더</a:t>
+            </a:r>
+          </a:p>
+          <a:p>
+            <a:r>
+              <a:rPr lang="ko-KR" altLang="en-US" sz="1000" dirty="0"/>
+              <a:t>│   └── </a:t>
+            </a:r>
+            <a:r>
+              <a:rPr lang="en-US" altLang="ko-KR" sz="1000" dirty="0"/>
+              <a:t>detect/		# YOLO </a:t>
+            </a:r>
+            <a:r>
+              <a:rPr lang="ko-KR" altLang="en-US" sz="1000" dirty="0"/>
+              <a:t>감지 결과 폴더</a:t>
+            </a:r>
+          </a:p>
+          <a:p>
+            <a:r>
+              <a:rPr lang="ko-KR" altLang="en-US" sz="1000" dirty="0"/>
+              <a:t>│        ├── </a:t>
+            </a:r>
+            <a:r>
+              <a:rPr lang="en-US" altLang="ko-KR" sz="1000" dirty="0"/>
+              <a:t>latest/	# </a:t>
+            </a:r>
+            <a:r>
+              <a:rPr lang="ko-KR" altLang="en-US" sz="1000" dirty="0"/>
+              <a:t>최신 감지 결과 저장 폴더</a:t>
+            </a:r>
+          </a:p>
+          <a:p>
+            <a:r>
+              <a:rPr lang="ko-KR" altLang="en-US" sz="1000" dirty="0"/>
+              <a:t>│        ├── </a:t>
+            </a:r>
+            <a:r>
+              <a:rPr lang="en-US" altLang="ko-KR" sz="1000" dirty="0"/>
+              <a:t>predict/	# </a:t>
+            </a:r>
+            <a:r>
+              <a:rPr lang="ko-KR" altLang="en-US" sz="1000" dirty="0"/>
+              <a:t>예측 결과 저장 폴더</a:t>
+            </a:r>
+          </a:p>
+          <a:p>
+            <a:r>
+              <a:rPr lang="ko-KR" altLang="en-US" sz="1000" dirty="0"/>
+              <a:t>│        └── </a:t>
+            </a:r>
+            <a:r>
+              <a:rPr lang="en-US" altLang="ko-KR" sz="1000" dirty="0"/>
+              <a:t>train/	# </a:t>
+            </a:r>
+            <a:r>
+              <a:rPr lang="ko-KR" altLang="en-US" sz="1000" dirty="0"/>
+              <a:t>학습 결과 저장 폴더</a:t>
+            </a:r>
+          </a:p>
+          <a:p>
+            <a:r>
+              <a:rPr lang="ko-KR" altLang="en-US" sz="1000" dirty="0"/>
+              <a:t>│</a:t>
+            </a:r>
+          </a:p>
+          <a:p>
+            <a:r>
+              <a:rPr lang="ko-KR" altLang="en-US" sz="1000" dirty="0"/>
+              <a:t>├── </a:t>
+            </a:r>
+            <a:r>
+              <a:rPr lang="en-US" altLang="ko-KR" sz="1000" dirty="0"/>
+              <a:t>templates/		# </a:t>
+            </a:r>
+            <a:r>
+              <a:rPr lang="ko-KR" altLang="en-US" sz="1000" dirty="0"/>
+              <a:t>웹 애플리케이션 템플릿 폴더</a:t>
+            </a:r>
+          </a:p>
+          <a:p>
+            <a:r>
+              <a:rPr lang="ko-KR" altLang="en-US" sz="1000" dirty="0"/>
+              <a:t>│   └── </a:t>
+            </a:r>
+            <a:r>
+              <a:rPr lang="en-US" altLang="ko-KR" sz="1000" dirty="0"/>
+              <a:t>index.html 	# </a:t>
+            </a:r>
+            <a:r>
+              <a:rPr lang="ko-KR" altLang="en-US" sz="1000" dirty="0"/>
+              <a:t>웹 페이지 템플릿 파일</a:t>
+            </a:r>
+          </a:p>
+          <a:p>
+            <a:r>
+              <a:rPr lang="ko-KR" altLang="en-US" sz="1000" dirty="0"/>
+              <a:t>│</a:t>
+            </a:r>
+          </a:p>
+          <a:p>
+            <a:r>
+              <a:rPr lang="ko-KR" altLang="en-US" sz="1000" dirty="0"/>
+              <a:t>├── </a:t>
+            </a:r>
+            <a:r>
+              <a:rPr lang="en-US" altLang="ko-KR" sz="1000" dirty="0"/>
+              <a:t>test/           # </a:t>
+            </a:r>
+            <a:r>
+              <a:rPr lang="ko-KR" altLang="en-US" sz="1000" dirty="0"/>
+              <a:t>테스트 데이터셋 폴더</a:t>
+            </a:r>
+            <a:r>
+              <a:rPr lang="en-US" altLang="ko-KR" sz="1000" u="sng" dirty="0"/>
+              <a:t>/ train, valid</a:t>
+            </a:r>
+            <a:r>
+              <a:rPr lang="ko-KR" altLang="en-US" sz="1000" u="sng" dirty="0"/>
+              <a:t>도 동일하므로 이하 중략</a:t>
+            </a:r>
+          </a:p>
+          <a:p>
+            <a:r>
+              <a:rPr lang="ko-KR" altLang="en-US" sz="1000" dirty="0"/>
+              <a:t>│   ├── </a:t>
+            </a:r>
+            <a:r>
+              <a:rPr lang="en-US" altLang="ko-KR" sz="1000" dirty="0"/>
+              <a:t>images/               # </a:t>
+            </a:r>
+            <a:r>
+              <a:rPr lang="ko-KR" altLang="en-US" sz="1000" dirty="0"/>
+              <a:t>테스트 이미지 저장 폴더 </a:t>
+            </a:r>
+          </a:p>
+          <a:p>
+            <a:r>
+              <a:rPr lang="ko-KR" altLang="en-US" sz="1000" dirty="0"/>
+              <a:t>│   └── </a:t>
+            </a:r>
+            <a:r>
+              <a:rPr lang="en-US" altLang="ko-KR" sz="1000" dirty="0"/>
+              <a:t>labels/                 # </a:t>
+            </a:r>
+            <a:r>
+              <a:rPr lang="ko-KR" altLang="en-US" sz="1000" dirty="0"/>
+              <a:t>테스트 이미지 라벨 파일 저장 폴더</a:t>
+            </a:r>
+          </a:p>
+          <a:p>
+            <a:r>
+              <a:rPr lang="ko-KR" altLang="en-US" sz="1000" dirty="0"/>
+              <a:t>├── </a:t>
+            </a:r>
+            <a:r>
+              <a:rPr lang="en-US" altLang="ko-KR" sz="1000" dirty="0"/>
+              <a:t>train/…</a:t>
+            </a:r>
+          </a:p>
+          <a:p>
+            <a:r>
+              <a:rPr lang="ko-KR" altLang="en-US" sz="1000" dirty="0"/>
+              <a:t>├── </a:t>
+            </a:r>
+            <a:r>
+              <a:rPr lang="en-US" altLang="ko-KR" sz="1000" dirty="0"/>
+              <a:t>valid/…</a:t>
+            </a:r>
+          </a:p>
+          <a:p>
+            <a:r>
+              <a:rPr lang="en-US" altLang="ko-KR" sz="1000" dirty="0"/>
+              <a:t>├── </a:t>
+            </a:r>
+            <a:r>
+              <a:rPr lang="en-US" altLang="ko-KR" sz="1000" dirty="0" err="1"/>
+              <a:t>usingModel</a:t>
+            </a:r>
+            <a:r>
+              <a:rPr lang="en-US" altLang="ko-KR" sz="1000" dirty="0"/>
+              <a:t>/	# YOLO </a:t>
+            </a:r>
+            <a:r>
+              <a:rPr lang="ko-KR" altLang="en-US" sz="1000" dirty="0"/>
+              <a:t>모델 저장 폴더</a:t>
+            </a:r>
+          </a:p>
+          <a:p>
+            <a:r>
+              <a:rPr lang="ko-KR" altLang="en-US" sz="1000" dirty="0"/>
+              <a:t>│   ├── </a:t>
+            </a:r>
+            <a:r>
+              <a:rPr lang="en-US" altLang="ko-KR" sz="1000" dirty="0"/>
+              <a:t>last.pt 		# </a:t>
+            </a:r>
+            <a:r>
+              <a:rPr lang="ko-KR" altLang="en-US" sz="1000" dirty="0"/>
+              <a:t>최신 학습된 </a:t>
+            </a:r>
+            <a:r>
+              <a:rPr lang="en-US" altLang="ko-KR" sz="1000" dirty="0"/>
+              <a:t>YOLO </a:t>
+            </a:r>
+            <a:r>
+              <a:rPr lang="ko-KR" altLang="en-US" sz="1000" dirty="0"/>
+              <a:t>모델 파일</a:t>
+            </a:r>
+          </a:p>
+          <a:p>
+            <a:r>
+              <a:rPr lang="ko-KR" altLang="en-US" sz="1000" dirty="0"/>
+              <a:t>│   └── </a:t>
+            </a:r>
+            <a:r>
+              <a:rPr lang="en-US" altLang="ko-KR" sz="1000" dirty="0"/>
+              <a:t>last_before.pt	# </a:t>
+            </a:r>
+            <a:r>
+              <a:rPr lang="ko-KR" altLang="en-US" sz="1000" dirty="0"/>
+              <a:t>이전 학습된 </a:t>
+            </a:r>
+            <a:r>
+              <a:rPr lang="en-US" altLang="ko-KR" sz="1000" dirty="0"/>
+              <a:t>YOLO </a:t>
+            </a:r>
+            <a:r>
+              <a:rPr lang="ko-KR" altLang="en-US" sz="1000" dirty="0"/>
+              <a:t>모델 파일</a:t>
+            </a:r>
+          </a:p>
+          <a:p>
+            <a:r>
+              <a:rPr lang="ko-KR" altLang="en-US" sz="1000" dirty="0"/>
+              <a:t>│</a:t>
+            </a:r>
+          </a:p>
+          <a:p>
+            <a:r>
+              <a:rPr lang="ko-KR" altLang="en-US" sz="1000" dirty="0"/>
+              <a:t>├── </a:t>
+            </a:r>
+            <a:r>
+              <a:rPr lang="en-US" altLang="ko-KR" sz="1000" dirty="0"/>
+              <a:t>main.py 		# </a:t>
+            </a:r>
+            <a:r>
+              <a:rPr lang="en-US" altLang="ko-KR" sz="1000" dirty="0" err="1"/>
+              <a:t>FastAPI</a:t>
+            </a:r>
+            <a:r>
+              <a:rPr lang="en-US" altLang="ko-KR" sz="1000" dirty="0"/>
+              <a:t> </a:t>
+            </a:r>
+            <a:r>
+              <a:rPr lang="ko-KR" altLang="en-US" sz="1000" dirty="0"/>
+              <a:t>서버 실행 파일</a:t>
+            </a:r>
+          </a:p>
+          <a:p>
+            <a:r>
+              <a:rPr lang="ko-KR" altLang="en-US" sz="1000" dirty="0"/>
+              <a:t>├── </a:t>
+            </a:r>
+            <a:r>
+              <a:rPr lang="en-US" altLang="ko-KR" sz="1000" dirty="0"/>
+              <a:t>train.py  		# YOLO </a:t>
+            </a:r>
+            <a:r>
+              <a:rPr lang="ko-KR" altLang="en-US" sz="1000" dirty="0"/>
+              <a:t>모델 학습 스크립트</a:t>
+            </a:r>
+          </a:p>
+          <a:p>
+            <a:r>
+              <a:rPr lang="ko-KR" altLang="en-US" sz="1000" dirty="0"/>
+              <a:t>├── </a:t>
+            </a:r>
+            <a:r>
+              <a:rPr lang="en-US" altLang="ko-KR" sz="1000" dirty="0"/>
+              <a:t>predict.py  		# YOLO </a:t>
+            </a:r>
+            <a:r>
+              <a:rPr lang="ko-KR" altLang="en-US" sz="1000" dirty="0"/>
+              <a:t>모델 예측 스크립트</a:t>
+            </a:r>
+          </a:p>
+          <a:p>
+            <a:r>
+              <a:rPr lang="ko-KR" altLang="en-US" sz="1000" dirty="0"/>
+              <a:t>└── </a:t>
+            </a:r>
+            <a:r>
+              <a:rPr lang="en-US" altLang="ko-KR" sz="1000" dirty="0" err="1"/>
+              <a:t>data.yaml</a:t>
+            </a:r>
+            <a:r>
+              <a:rPr lang="en-US" altLang="ko-KR" sz="1000" dirty="0"/>
+              <a:t> 		# YOLO </a:t>
+            </a:r>
+            <a:r>
+              <a:rPr lang="ko-KR" altLang="en-US" sz="1000" dirty="0"/>
+              <a:t>학습 데이터 설정 파일</a:t>
+            </a:r>
+          </a:p>
+        </p:txBody>
+      </p:sp>
+      <p:sp>
+        <p:nvSpPr>
+          <p:cNvPr id="15" name="사각형: 둥근 모서리 14">
+            <a:extLst>
+              <a:ext uri="{FF2B5EF4-FFF2-40B4-BE49-F238E27FC236}">
+                <a16:creationId xmlns:a16="http://schemas.microsoft.com/office/drawing/2014/main" id="{2D01443C-54EB-4B20-8DA6-951E26C3C607}"/>
+              </a:ext>
+            </a:extLst>
+          </p:cNvPr>
+          <p:cNvSpPr/>
+          <p:nvPr/>
+        </p:nvSpPr>
+        <p:spPr>
+          <a:xfrm>
+            <a:off x="1531340" y="5118102"/>
+            <a:ext cx="4640860" cy="749299"/>
+          </a:xfrm>
+          <a:prstGeom prst="roundRect">
+            <a:avLst>
+              <a:gd name="adj" fmla="val 7763"/>
+            </a:avLst>
+          </a:prstGeom>
+          <a:solidFill>
+            <a:srgbClr val="1D1B1A"/>
+          </a:solidFill>
+          <a:ln>
+            <a:noFill/>
+          </a:ln>
+        </p:spPr>
+        <p:style>
+          <a:lnRef idx="2">
+            <a:schemeClr val="accent1">
+              <a:shade val="50000"/>
+            </a:schemeClr>
+          </a:lnRef>
+          <a:fillRef idx="1">
+            <a:schemeClr val="accent1"/>
+          </a:fillRef>
+          <a:effectRef idx="0">
+            <a:schemeClr val="accent1"/>
+          </a:effectRef>
+          <a:fontRef idx="minor">
+            <a:schemeClr val="lt1"/>
+          </a:fontRef>
+        </p:style>
+        <p:txBody>
+          <a:bodyPr rtlCol="0" anchor="ctr"/>
+          <a:lstStyle/>
+          <a:p>
+            <a:r>
+              <a:rPr lang="en-US" altLang="ko-KR" sz="1400" dirty="0"/>
+              <a:t>pip install </a:t>
+            </a:r>
+            <a:r>
+              <a:rPr lang="en-US" altLang="ko-KR" sz="1400" dirty="0" err="1"/>
+              <a:t>fastapi</a:t>
+            </a:r>
+            <a:r>
+              <a:rPr lang="en-US" altLang="ko-KR" sz="1400" dirty="0"/>
+              <a:t> </a:t>
+            </a:r>
+            <a:r>
               <a:rPr lang="en-US" altLang="ko-KR" sz="1400" dirty="0" err="1"/>
               <a:t>uvicorn</a:t>
             </a:r>
             <a:r>
               <a:rPr lang="en-US" altLang="ko-KR" sz="1400" dirty="0"/>
+              <a:t> jinja2 </a:t>
+            </a:r>
+            <a:r>
+              <a:rPr lang="en-US" altLang="ko-KR" sz="1400" dirty="0" err="1"/>
+              <a:t>opencv</a:t>
+            </a:r>
+            <a:r>
+              <a:rPr lang="en-US" altLang="ko-KR" sz="1400" dirty="0"/>
+              <a:t>-python </a:t>
+            </a:r>
+            <a:r>
+              <a:rPr lang="en-US" altLang="ko-KR" sz="1400" dirty="0" err="1"/>
+              <a:t>ultralytics</a:t>
+            </a:r>
+            <a:br>
+              <a:rPr lang="en-US" altLang="ko-KR" sz="1400" dirty="0"/>
+            </a:br>
+            <a:r>
+              <a:rPr lang="en-US" altLang="ko-KR" sz="1400" dirty="0"/>
+              <a:t>pip install torch </a:t>
+            </a:r>
+            <a:r>
+              <a:rPr lang="en-US" altLang="ko-KR" sz="1400" dirty="0" err="1"/>
+              <a:t>torchvision</a:t>
+            </a:r>
+            <a:r>
+              <a:rPr lang="en-US" altLang="ko-KR" sz="1400" dirty="0"/>
+              <a:t> --index-</a:t>
+            </a:r>
+            <a:r>
+              <a:rPr lang="en-US" altLang="ko-KR" sz="1400" dirty="0" err="1"/>
+              <a:t>url</a:t>
+            </a:r>
+            <a:r>
+              <a:rPr lang="en-US" altLang="ko-KR" sz="1400" dirty="0"/>
               <a:t> </a:t>
             </a:r>
             <a:r>
-              <a:rPr lang="en-US" altLang="ko-KR" sz="1400" dirty="0" err="1"/>
-              <a:t>main:app</a:t>
+              <a:rPr lang="en-US" altLang="ko-KR" sz="1400" dirty="0">
+                <a:hlinkClick r:id="rId2"/>
+              </a:rPr>
+              <a:t>https://download.pytorch.org/whl/cu118</a:t>
             </a:r>
             <a:r>
               <a:rPr lang="en-US" altLang="ko-KR" sz="1400" dirty="0"/>
-              <a:t> --reload</a:t>
-            </a:r>
+              <a:t> </a:t>
+            </a:r>
+            <a:r>
+              <a:rPr lang="en-US" altLang="ko-KR" sz="1400" dirty="0">
+                <a:solidFill>
+                  <a:schemeClr val="accent4">
+                    <a:lumMod val="75000"/>
+                  </a:schemeClr>
+                </a:solidFill>
+              </a:rPr>
+              <a:t>#cuda 11.8 </a:t>
+            </a:r>
+            <a:r>
+              <a:rPr lang="ko-KR" altLang="en-US" sz="1400" dirty="0">
+                <a:solidFill>
+                  <a:schemeClr val="accent4">
+                    <a:lumMod val="75000"/>
+                  </a:schemeClr>
+                </a:solidFill>
+              </a:rPr>
+              <a:t>기준</a:t>
+            </a:r>
+            <a:endParaRPr lang="en-US" altLang="ko-KR" sz="1400" dirty="0">
+              <a:solidFill>
+                <a:schemeClr val="accent4">
+                  <a:lumMod val="75000"/>
+                </a:schemeClr>
+              </a:solidFill>
+            </a:endParaRPr>
+          </a:p>
+        </p:txBody>
+      </p:sp>
+      <p:sp>
+        <p:nvSpPr>
+          <p:cNvPr id="19" name="사각형: 둥근 모서리 18">
+            <a:extLst>
+              <a:ext uri="{FF2B5EF4-FFF2-40B4-BE49-F238E27FC236}">
+                <a16:creationId xmlns:a16="http://schemas.microsoft.com/office/drawing/2014/main" id="{B5A3385A-88F1-4A88-9719-EF30D6DCAD34}"/>
+              </a:ext>
+            </a:extLst>
+          </p:cNvPr>
+          <p:cNvSpPr/>
+          <p:nvPr/>
+        </p:nvSpPr>
+        <p:spPr>
+          <a:xfrm>
+            <a:off x="1531340" y="3959225"/>
+            <a:ext cx="4640860" cy="749299"/>
+          </a:xfrm>
+          <a:prstGeom prst="roundRect">
+            <a:avLst>
+              <a:gd name="adj" fmla="val 7763"/>
+            </a:avLst>
+          </a:prstGeom>
+          <a:solidFill>
+            <a:srgbClr val="1D1B1A"/>
+          </a:solidFill>
+          <a:ln>
+            <a:noFill/>
+          </a:ln>
+        </p:spPr>
+        <p:style>
+          <a:lnRef idx="2">
+            <a:schemeClr val="accent1">
+              <a:shade val="50000"/>
+            </a:schemeClr>
+          </a:lnRef>
+          <a:fillRef idx="1">
+            <a:schemeClr val="accent1"/>
+          </a:fillRef>
+          <a:effectRef idx="0">
+            <a:schemeClr val="accent1"/>
+          </a:effectRef>
+          <a:fontRef idx="minor">
+            <a:schemeClr val="lt1"/>
+          </a:fontRef>
+        </p:style>
+        <p:txBody>
+          <a:bodyPr rtlCol="0" anchor="ctr"/>
+          <a:lstStyle/>
+          <a:p>
+            <a:r>
+              <a:rPr lang="en-US" altLang="ko-KR" sz="1400" spc="-80" dirty="0"/>
+              <a:t>git clone</a:t>
+            </a:r>
+          </a:p>
+          <a:p>
+            <a:r>
+              <a:rPr lang="en-US" altLang="ko-KR" sz="1400" spc="-80" dirty="0">
+                <a:hlinkClick r:id="rId3"/>
+              </a:rPr>
+              <a:t>https://github.com/sj84900/koreanCashCounter.git</a:t>
+            </a:r>
+            <a:r>
+              <a:rPr lang="en-US" altLang="ko-KR" sz="1400" spc="-80" dirty="0"/>
+              <a:t> </a:t>
+            </a:r>
+            <a:r>
+              <a:rPr lang="en-US" altLang="ko-KR" sz="1400" spc="-80" dirty="0" err="1"/>
+              <a:t>moneycounter</a:t>
+            </a:r>
+            <a:endParaRPr lang="en-US" altLang="ko-KR" sz="1400" spc="-80" dirty="0"/>
+          </a:p>
+        </p:txBody>
+      </p:sp>
+      <p:sp>
+        <p:nvSpPr>
+          <p:cNvPr id="5" name="슬라이드 번호 개체 틀 4">
+            <a:extLst>
+              <a:ext uri="{FF2B5EF4-FFF2-40B4-BE49-F238E27FC236}">
+                <a16:creationId xmlns:a16="http://schemas.microsoft.com/office/drawing/2014/main" id="{7CDD5433-89A8-4620-89C4-7C647EDD97DB}"/>
+              </a:ext>
+            </a:extLst>
+          </p:cNvPr>
+          <p:cNvSpPr>
+            <a:spLocks noGrp="1"/>
+          </p:cNvSpPr>
+          <p:nvPr>
+            <p:ph type="sldNum" sz="quarter" idx="12"/>
+          </p:nvPr>
+        </p:nvSpPr>
+        <p:spPr/>
+        <p:txBody>
+          <a:bodyPr/>
+          <a:lstStyle/>
+          <a:p>
+            <a:fld id="{69E57DC2-970A-4B3E-BB1C-7A09969E49DF}" type="slidenum">
+              <a:rPr lang="en-US" smtClean="0"/>
+              <a:t>9</a:t>
+            </a:fld>
+            <a:endParaRPr lang="en-US" dirty="0"/>
           </a:p>
         </p:txBody>
       </p:sp>
     </p:spTree>
     <p:extLst>
       <p:ext uri="{BB962C8B-B14F-4D97-AF65-F5344CB8AC3E}">
-        <p14:creationId xmlns:p14="http://schemas.microsoft.com/office/powerpoint/2010/main" val="4255918678"/>
+        <p14:creationId xmlns:p14="http://schemas.microsoft.com/office/powerpoint/2010/main" val="2818931954"/>
       </p:ext>
     </p:extLst>
   </p:cSld>
@@ -10565,4 +11909,299 @@
     </a:ext>
   </a:extLst>
 </a:theme>
+</file>
+
+<file path=ppt/theme/theme2.xml><?xml version="1.0" encoding="utf-8"?>
+<a:theme xmlns:a="http://schemas.openxmlformats.org/drawingml/2006/main" name="Office 테마">
+  <a:themeElements>
+    <a:clrScheme name="Office">
+      <a:dk1>
+        <a:sysClr val="windowText" lastClr="000000"/>
+      </a:dk1>
+      <a:lt1>
+        <a:sysClr val="window" lastClr="FFFFFF"/>
+      </a:lt1>
+      <a:dk2>
+        <a:srgbClr val="44546A"/>
+      </a:dk2>
+      <a:lt2>
+        <a:srgbClr val="E7E6E6"/>
+      </a:lt2>
+      <a:accent1>
+        <a:srgbClr val="4472C4"/>
+      </a:accent1>
+      <a:accent2>
+        <a:srgbClr val="ED7D31"/>
+      </a:accent2>
+      <a:accent3>
+        <a:srgbClr val="A5A5A5"/>
+      </a:accent3>
+      <a:accent4>
+        <a:srgbClr val="FFC000"/>
+      </a:accent4>
+      <a:accent5>
+        <a:srgbClr val="5B9BD5"/>
+      </a:accent5>
+      <a:accent6>
+        <a:srgbClr val="70AD47"/>
+      </a:accent6>
+      <a:hlink>
+        <a:srgbClr val="0563C1"/>
+      </a:hlink>
+      <a:folHlink>
+        <a:srgbClr val="954F72"/>
+      </a:folHlink>
+    </a:clrScheme>
+    <a:fontScheme name="Office">
+      <a:majorFont>
+        <a:latin typeface="맑은 고딕" panose="020F0302020204030204"/>
+        <a:ea typeface=""/>
+        <a:cs typeface=""/>
+        <a:font script="Jpan" typeface="游ゴシック Light"/>
+        <a:font script="Hang" typeface="맑은 고딕"/>
+        <a:font script="Hans" typeface="等线 Light"/>
+        <a:font script="Hant" typeface="新細明體"/>
+        <a:font script="Arab" typeface="Times New Roman"/>
+        <a:font script="Hebr" typeface="Times New Roman"/>
+        <a:font script="Thai" typeface="Angsana New"/>
+        <a:font script="Ethi" typeface="Nyala"/>
+        <a:font script="Beng" typeface="Vrinda"/>
+        <a:font script="Gujr" typeface="Shruti"/>
+        <a:font script="Khmr" typeface="MoolBoran"/>
+        <a:font script="Knda" typeface="Tunga"/>
+        <a:font script="Guru" typeface="Raavi"/>
+        <a:font script="Cans" typeface="Euphemia"/>
+        <a:font script="Cher" typeface="Plantagenet Cherokee"/>
+        <a:font script="Yiii" typeface="Microsoft Yi Baiti"/>
+        <a:font script="Tibt" typeface="Microsoft Himalaya"/>
+        <a:font script="Thaa" typeface="MV Boli"/>
+        <a:font script="Deva" typeface="Mangal"/>
+        <a:font script="Telu" typeface="Gautami"/>
+        <a:font script="Taml" typeface="Latha"/>
+        <a:font script="Syrc" typeface="Estrangelo Edessa"/>
+        <a:font script="Orya" typeface="Kalinga"/>
+        <a:font script="Mlym" typeface="Kartika"/>
+        <a:font script="Laoo" typeface="DokChampa"/>
+        <a:font script="Sinh" typeface="Iskoola Pota"/>
+        <a:font script="Mong" typeface="Mongolian Baiti"/>
+        <a:font script="Viet" typeface="Times New Roman"/>
+        <a:font script="Uigh" typeface="Microsoft Uighur"/>
+        <a:font script="Geor" typeface="Sylfaen"/>
+        <a:font script="Armn" typeface="Arial"/>
+        <a:font script="Bugi" typeface="Leelawadee UI"/>
+        <a:font script="Bopo" typeface="Microsoft JhengHei"/>
+        <a:font script="Java" typeface="Javanese Text"/>
+        <a:font script="Lisu" typeface="Segoe UI"/>
+        <a:font script="Mymr" typeface="Myanmar Text"/>
+        <a:font script="Nkoo" typeface="Ebrima"/>
+        <a:font script="Olck" typeface="Nirmala UI"/>
+        <a:font script="Osma" typeface="Ebrima"/>
+        <a:font script="Phag" typeface="Phagspa"/>
+        <a:font script="Syrn" typeface="Estrangelo Edessa"/>
+        <a:font script="Syrj" typeface="Estrangelo Edessa"/>
+        <a:font script="Syre" typeface="Estrangelo Edessa"/>
+        <a:font script="Sora" typeface="Nirmala UI"/>
+        <a:font script="Tale" typeface="Microsoft Tai Le"/>
+        <a:font script="Talu" typeface="Microsoft New Tai Lue"/>
+        <a:font script="Tfng" typeface="Ebrima"/>
+      </a:majorFont>
+      <a:minorFont>
+        <a:latin typeface="맑은 고딕" panose="020F0502020204030204"/>
+        <a:ea typeface=""/>
+        <a:cs typeface=""/>
+        <a:font script="Jpan" typeface="游ゴシック"/>
+        <a:font script="Hang" typeface="맑은 고딕"/>
+        <a:font script="Hans" typeface="等线"/>
+        <a:font script="Hant" typeface="新細明體"/>
+        <a:font script="Arab" typeface="Arial"/>
+        <a:font script="Hebr" typeface="Arial"/>
+        <a:font script="Thai" typeface="Cordia New"/>
+        <a:font script="Ethi" typeface="Nyala"/>
+        <a:font script="Beng" typeface="Vrinda"/>
+        <a:font script="Gujr" typeface="Shruti"/>
+        <a:font script="Khmr" typeface="DaunPenh"/>
+        <a:font script="Knda" typeface="Tunga"/>
+        <a:font script="Guru" typeface="Raavi"/>
+        <a:font script="Cans" typeface="Euphemia"/>
+        <a:font script="Cher" typeface="Plantagenet Cherokee"/>
+        <a:font script="Yiii" typeface="Microsoft Yi Baiti"/>
+        <a:font script="Tibt" typeface="Microsoft Himalaya"/>
+        <a:font script="Thaa" typeface="MV Boli"/>
+        <a:font script="Deva" typeface="Mangal"/>
+        <a:font script="Telu" typeface="Gautami"/>
+        <a:font script="Taml" typeface="Latha"/>
+        <a:font script="Syrc" typeface="Estrangelo Edessa"/>
+        <a:font script="Orya" typeface="Kalinga"/>
+        <a:font script="Mlym" typeface="Kartika"/>
+        <a:font script="Laoo" typeface="DokChampa"/>
+        <a:font script="Sinh" typeface="Iskoola Pota"/>
+        <a:font script="Mong" typeface="Mongolian Baiti"/>
+        <a:font script="Viet" typeface="Arial"/>
+        <a:font script="Uigh" typeface="Microsoft Uighur"/>
+        <a:font script="Geor" typeface="Sylfaen"/>
+        <a:font script="Armn" typeface="Arial"/>
+        <a:font script="Bugi" typeface="Leelawadee UI"/>
+        <a:font script="Bopo" typeface="Microsoft JhengHei"/>
+        <a:font script="Java" typeface="Javanese Text"/>
+        <a:font script="Lisu" typeface="Segoe UI"/>
+        <a:font script="Mymr" typeface="Myanmar Text"/>
+        <a:font script="Nkoo" typeface="Ebrima"/>
+        <a:font script="Olck" typeface="Nirmala UI"/>
+        <a:font script="Osma" typeface="Ebrima"/>
+        <a:font script="Phag" typeface="Phagspa"/>
+        <a:font script="Syrn" typeface="Estrangelo Edessa"/>
+        <a:font script="Syrj" typeface="Estrangelo Edessa"/>
+        <a:font script="Syre" typeface="Estrangelo Edessa"/>
+        <a:font script="Sora" typeface="Nirmala UI"/>
+        <a:font script="Tale" typeface="Microsoft Tai Le"/>
+        <a:font script="Talu" typeface="Microsoft New Tai Lue"/>
+        <a:font script="Tfng" typeface="Ebrima"/>
+      </a:minorFont>
+    </a:fontScheme>
+    <a:fmtScheme name="Office">
+      <a:fillStyleLst>
+        <a:solidFill>
+          <a:schemeClr val="phClr"/>
+        </a:solidFill>
+        <a:gradFill rotWithShape="1">
+          <a:gsLst>
+            <a:gs pos="0">
+              <a:schemeClr val="phClr">
+                <a:lumMod val="110000"/>
+                <a:satMod val="105000"/>
+                <a:tint val="67000"/>
+              </a:schemeClr>
+            </a:gs>
+            <a:gs pos="50000">
+              <a:schemeClr val="phClr">
+                <a:lumMod val="105000"/>
+                <a:satMod val="103000"/>
+                <a:tint val="73000"/>
+              </a:schemeClr>
+            </a:gs>
+            <a:gs pos="100000">
+              <a:schemeClr val="phClr">
+                <a:lumMod val="105000"/>
+                <a:satMod val="109000"/>
+                <a:tint val="81000"/>
+              </a:schemeClr>
+            </a:gs>
+          </a:gsLst>
+          <a:lin ang="5400000" scaled="0"/>
+        </a:gradFill>
+        <a:gradFill rotWithShape="1">
+          <a:gsLst>
+            <a:gs pos="0">
+              <a:schemeClr val="phClr">
+                <a:satMod val="103000"/>
+                <a:lumMod val="102000"/>
+                <a:tint val="94000"/>
+              </a:schemeClr>
+            </a:gs>
+            <a:gs pos="50000">
+              <a:schemeClr val="phClr">
+                <a:satMod val="110000"/>
+                <a:lumMod val="100000"/>
+                <a:shade val="100000"/>
+              </a:schemeClr>
+            </a:gs>
+            <a:gs pos="100000">
+              <a:schemeClr val="phClr">
+                <a:lumMod val="99000"/>
+                <a:satMod val="120000"/>
+                <a:shade val="78000"/>
+              </a:schemeClr>
+            </a:gs>
+          </a:gsLst>
+          <a:lin ang="5400000" scaled="0"/>
+        </a:gradFill>
+      </a:fillStyleLst>
+      <a:lnStyleLst>
+        <a:ln w="6350" cap="flat" cmpd="sng" algn="ctr">
+          <a:solidFill>
+            <a:schemeClr val="phClr"/>
+          </a:solidFill>
+          <a:prstDash val="solid"/>
+          <a:miter lim="800000"/>
+        </a:ln>
+        <a:ln w="12700" cap="flat" cmpd="sng" algn="ctr">
+          <a:solidFill>
+            <a:schemeClr val="phClr"/>
+          </a:solidFill>
+          <a:prstDash val="solid"/>
+          <a:miter lim="800000"/>
+        </a:ln>
+        <a:ln w="19050" cap="flat" cmpd="sng" algn="ctr">
+          <a:solidFill>
+            <a:schemeClr val="phClr"/>
+          </a:solidFill>
+          <a:prstDash val="solid"/>
+          <a:miter lim="800000"/>
+        </a:ln>
+      </a:lnStyleLst>
+      <a:effectStyleLst>
+        <a:effectStyle>
+          <a:effectLst/>
+        </a:effectStyle>
+        <a:effectStyle>
+          <a:effectLst/>
+        </a:effectStyle>
+        <a:effectStyle>
+          <a:effectLst>
+            <a:outerShdw blurRad="57150" dist="19050" dir="5400000" algn="ctr" rotWithShape="0">
+              <a:srgbClr val="000000">
+                <a:alpha val="63000"/>
+              </a:srgbClr>
+            </a:outerShdw>
+          </a:effectLst>
+        </a:effectStyle>
+      </a:effectStyleLst>
+      <a:bgFillStyleLst>
+        <a:solidFill>
+          <a:schemeClr val="phClr"/>
+        </a:solidFill>
+        <a:solidFill>
+          <a:schemeClr val="phClr">
+            <a:tint val="95000"/>
+            <a:satMod val="170000"/>
+          </a:schemeClr>
+        </a:solidFill>
+        <a:gradFill rotWithShape="1">
+          <a:gsLst>
+            <a:gs pos="0">
+              <a:schemeClr val="phClr">
+                <a:tint val="93000"/>
+                <a:satMod val="150000"/>
+                <a:shade val="98000"/>
+                <a:lumMod val="102000"/>
+              </a:schemeClr>
+            </a:gs>
+            <a:gs pos="50000">
+              <a:schemeClr val="phClr">
+                <a:tint val="98000"/>
+                <a:satMod val="130000"/>
+                <a:shade val="90000"/>
+                <a:lumMod val="103000"/>
+              </a:schemeClr>
+            </a:gs>
+            <a:gs pos="100000">
+              <a:schemeClr val="phClr">
+                <a:shade val="63000"/>
+                <a:satMod val="120000"/>
+              </a:schemeClr>
+            </a:gs>
+          </a:gsLst>
+          <a:lin ang="5400000" scaled="0"/>
+        </a:gradFill>
+      </a:bgFillStyleLst>
+    </a:fmtScheme>
+  </a:themeElements>
+  <a:objectDefaults/>
+  <a:extraClrSchemeLst/>
+  <a:extLst>
+    <a:ext uri="{05A4C25C-085E-4340-85A3-A5531E510DB2}">
+      <thm15:themeFamily xmlns:thm15="http://schemas.microsoft.com/office/thememl/2012/main" name="Office Theme" id="{62F939B6-93AF-4DB8-9C6B-D6C7DFDC589F}" vid="{4A3C46E8-61CC-4603-A589-7422A47A8E4A}"/>
+    </a:ext>
+  </a:extLst>
+</a:theme>
 </file>